--- a/RecipEZ.pptx
+++ b/RecipEZ.pptx
@@ -2,15 +2,16 @@
 <file path=ppt/presentation.xml><?xml version="1.0" encoding="utf-8"?>
 <p:presentation xmlns:a="http://schemas.openxmlformats.org/drawingml/2006/main" xmlns:r="http://schemas.openxmlformats.org/officeDocument/2006/relationships" xmlns:p="http://schemas.openxmlformats.org/presentationml/2006/main" autoCompressPictures="0">
   <p:sldMasterIdLst>
-    <p:sldMasterId id="2147483648" r:id="rId1"/>
+    <p:sldMasterId id="2147483703" r:id="rId1"/>
   </p:sldMasterIdLst>
   <p:sldIdLst>
     <p:sldId id="256" r:id="rId2"/>
     <p:sldId id="258" r:id="rId3"/>
     <p:sldId id="262" r:id="rId4"/>
-    <p:sldId id="257" r:id="rId5"/>
-    <p:sldId id="263" r:id="rId6"/>
-    <p:sldId id="264" r:id="rId7"/>
+    <p:sldId id="265" r:id="rId5"/>
+    <p:sldId id="257" r:id="rId6"/>
+    <p:sldId id="263" r:id="rId7"/>
+    <p:sldId id="264" r:id="rId8"/>
   </p:sldIdLst>
   <p:sldSz cx="12192000" cy="6858000"/>
   <p:notesSz cx="6858000" cy="9144000"/>
@@ -117,6 +118,350 @@
 </p:presentation>
 </file>
 
+<file path=ppt/revisionInfo.xml><?xml version="1.0" encoding="utf-8"?>
+<p1510:revInfo xmlns:a="http://schemas.openxmlformats.org/drawingml/2006/main" xmlns:r="http://schemas.openxmlformats.org/officeDocument/2006/relationships" xmlns:p1510="http://schemas.microsoft.com/office/powerpoint/2015/10/main">
+  <p1510:revLst>
+    <p1510:client id="{49156E4C-78A7-4849-94C7-300722350ACF}" v="2" dt="2020-03-08T15:18:11.160"/>
+  </p1510:revLst>
+</p1510:revInfo>
+</file>
+
+<file path=ppt/changesInfos/changesInfo1.xml><?xml version="1.0" encoding="utf-8"?>
+<pc:chgInfo xmlns:a="http://schemas.openxmlformats.org/drawingml/2006/main" xmlns:r="http://schemas.openxmlformats.org/officeDocument/2006/relationships" xmlns:ac="http://schemas.microsoft.com/office/drawing/2013/main/command" xmlns:pc="http://schemas.microsoft.com/office/powerpoint/2013/main/command">
+  <pc:docChgLst>
+    <pc:chgData name="Allen Zhang" userId="e69742890e981d3d" providerId="LiveId" clId="{49156E4C-78A7-4849-94C7-300722350ACF}"/>
+    <pc:docChg chg="undo custSel modSld">
+      <pc:chgData name="Allen Zhang" userId="e69742890e981d3d" providerId="LiveId" clId="{49156E4C-78A7-4849-94C7-300722350ACF}" dt="2020-03-08T15:18:12.489" v="256" actId="20577"/>
+      <pc:docMkLst>
+        <pc:docMk/>
+      </pc:docMkLst>
+      <pc:sldChg chg="delSp modSp mod">
+        <pc:chgData name="Allen Zhang" userId="e69742890e981d3d" providerId="LiveId" clId="{49156E4C-78A7-4849-94C7-300722350ACF}" dt="2020-03-08T15:18:12.489" v="256" actId="20577"/>
+        <pc:sldMkLst>
+          <pc:docMk/>
+          <pc:sldMk cId="2734814615" sldId="257"/>
+        </pc:sldMkLst>
+        <pc:spChg chg="mod">
+          <ac:chgData name="Allen Zhang" userId="e69742890e981d3d" providerId="LiveId" clId="{49156E4C-78A7-4849-94C7-300722350ACF}" dt="2020-03-08T15:18:12.489" v="256" actId="20577"/>
+          <ac:spMkLst>
+            <pc:docMk/>
+            <pc:sldMk cId="2734814615" sldId="257"/>
+            <ac:spMk id="3" creationId="{FC39B452-A830-4CA3-8B16-56BDDA0778C7}"/>
+          </ac:spMkLst>
+        </pc:spChg>
+        <pc:spChg chg="del">
+          <ac:chgData name="Allen Zhang" userId="e69742890e981d3d" providerId="LiveId" clId="{49156E4C-78A7-4849-94C7-300722350ACF}" dt="2020-03-08T10:19:21.358" v="2" actId="478"/>
+          <ac:spMkLst>
+            <pc:docMk/>
+            <pc:sldMk cId="2734814615" sldId="257"/>
+            <ac:spMk id="20" creationId="{657A502C-541D-4445-A8D5-8A43E3C8653A}"/>
+          </ac:spMkLst>
+        </pc:spChg>
+        <pc:spChg chg="del">
+          <ac:chgData name="Allen Zhang" userId="e69742890e981d3d" providerId="LiveId" clId="{49156E4C-78A7-4849-94C7-300722350ACF}" dt="2020-03-08T10:19:21.358" v="2" actId="478"/>
+          <ac:spMkLst>
+            <pc:docMk/>
+            <pc:sldMk cId="2734814615" sldId="257"/>
+            <ac:spMk id="21" creationId="{BE63D734-1F49-4663-862E-664B2BB64076}"/>
+          </ac:spMkLst>
+        </pc:spChg>
+        <pc:spChg chg="del">
+          <ac:chgData name="Allen Zhang" userId="e69742890e981d3d" providerId="LiveId" clId="{49156E4C-78A7-4849-94C7-300722350ACF}" dt="2020-03-08T10:19:21.358" v="2" actId="478"/>
+          <ac:spMkLst>
+            <pc:docMk/>
+            <pc:sldMk cId="2734814615" sldId="257"/>
+            <ac:spMk id="22" creationId="{4AC1B771-C4B0-4C78-BC90-E2032D5B9E50}"/>
+          </ac:spMkLst>
+        </pc:spChg>
+        <pc:spChg chg="del">
+          <ac:chgData name="Allen Zhang" userId="e69742890e981d3d" providerId="LiveId" clId="{49156E4C-78A7-4849-94C7-300722350ACF}" dt="2020-03-08T10:19:21.358" v="2" actId="478"/>
+          <ac:spMkLst>
+            <pc:docMk/>
+            <pc:sldMk cId="2734814615" sldId="257"/>
+            <ac:spMk id="23" creationId="{5E078450-CEBD-40D4-A608-4FD14D89524A}"/>
+          </ac:spMkLst>
+        </pc:spChg>
+        <pc:spChg chg="del">
+          <ac:chgData name="Allen Zhang" userId="e69742890e981d3d" providerId="LiveId" clId="{49156E4C-78A7-4849-94C7-300722350ACF}" dt="2020-03-08T10:19:21.358" v="2" actId="478"/>
+          <ac:spMkLst>
+            <pc:docMk/>
+            <pc:sldMk cId="2734814615" sldId="257"/>
+            <ac:spMk id="24" creationId="{7B8F59DE-59D6-4A0E-96E0-1AF50DEC2408}"/>
+          </ac:spMkLst>
+        </pc:spChg>
+        <pc:cxnChg chg="del">
+          <ac:chgData name="Allen Zhang" userId="e69742890e981d3d" providerId="LiveId" clId="{49156E4C-78A7-4849-94C7-300722350ACF}" dt="2020-03-08T10:19:21.358" v="2" actId="478"/>
+          <ac:cxnSpMkLst>
+            <pc:docMk/>
+            <pc:sldMk cId="2734814615" sldId="257"/>
+            <ac:cxnSpMk id="19" creationId="{6D27A063-7400-42EA-A419-A2A56D4AF069}"/>
+          </ac:cxnSpMkLst>
+        </pc:cxnChg>
+      </pc:sldChg>
+      <pc:sldChg chg="delSp modSp mod">
+        <pc:chgData name="Allen Zhang" userId="e69742890e981d3d" providerId="LiveId" clId="{49156E4C-78A7-4849-94C7-300722350ACF}" dt="2020-03-08T10:55:04.830" v="11" actId="313"/>
+        <pc:sldMkLst>
+          <pc:docMk/>
+          <pc:sldMk cId="3540022177" sldId="258"/>
+        </pc:sldMkLst>
+        <pc:spChg chg="mod">
+          <ac:chgData name="Allen Zhang" userId="e69742890e981d3d" providerId="LiveId" clId="{49156E4C-78A7-4849-94C7-300722350ACF}" dt="2020-03-08T10:55:04.830" v="11" actId="313"/>
+          <ac:spMkLst>
+            <pc:docMk/>
+            <pc:sldMk cId="3540022177" sldId="258"/>
+            <ac:spMk id="3" creationId="{A6BB675E-10A9-4B43-B2C5-B3A48BFED1A8}"/>
+          </ac:spMkLst>
+        </pc:spChg>
+        <pc:spChg chg="del">
+          <ac:chgData name="Allen Zhang" userId="e69742890e981d3d" providerId="LiveId" clId="{49156E4C-78A7-4849-94C7-300722350ACF}" dt="2020-03-08T10:19:12.521" v="0" actId="478"/>
+          <ac:spMkLst>
+            <pc:docMk/>
+            <pc:sldMk cId="3540022177" sldId="258"/>
+            <ac:spMk id="12" creationId="{9B54F0C9-A32D-4835-BEEB-DE30118B1A58}"/>
+          </ac:spMkLst>
+        </pc:spChg>
+        <pc:spChg chg="del">
+          <ac:chgData name="Allen Zhang" userId="e69742890e981d3d" providerId="LiveId" clId="{49156E4C-78A7-4849-94C7-300722350ACF}" dt="2020-03-08T10:19:12.521" v="0" actId="478"/>
+          <ac:spMkLst>
+            <pc:docMk/>
+            <pc:sldMk cId="3540022177" sldId="258"/>
+            <ac:spMk id="14" creationId="{F8FC21C3-3A88-4E5A-9E3E-852E6451A28D}"/>
+          </ac:spMkLst>
+        </pc:spChg>
+        <pc:spChg chg="del">
+          <ac:chgData name="Allen Zhang" userId="e69742890e981d3d" providerId="LiveId" clId="{49156E4C-78A7-4849-94C7-300722350ACF}" dt="2020-03-08T10:19:12.521" v="0" actId="478"/>
+          <ac:spMkLst>
+            <pc:docMk/>
+            <pc:sldMk cId="3540022177" sldId="258"/>
+            <ac:spMk id="15" creationId="{A69F5845-7429-4E06-8FD1-FA0E3046780F}"/>
+          </ac:spMkLst>
+        </pc:spChg>
+        <pc:spChg chg="del">
+          <ac:chgData name="Allen Zhang" userId="e69742890e981d3d" providerId="LiveId" clId="{49156E4C-78A7-4849-94C7-300722350ACF}" dt="2020-03-08T10:19:12.521" v="0" actId="478"/>
+          <ac:spMkLst>
+            <pc:docMk/>
+            <pc:sldMk cId="3540022177" sldId="258"/>
+            <ac:spMk id="16" creationId="{A3456817-159A-479B-B6BC-042071430FEF}"/>
+          </ac:spMkLst>
+        </pc:spChg>
+        <pc:spChg chg="del">
+          <ac:chgData name="Allen Zhang" userId="e69742890e981d3d" providerId="LiveId" clId="{49156E4C-78A7-4849-94C7-300722350ACF}" dt="2020-03-08T10:19:12.521" v="0" actId="478"/>
+          <ac:spMkLst>
+            <pc:docMk/>
+            <pc:sldMk cId="3540022177" sldId="258"/>
+            <ac:spMk id="17" creationId="{E3AE9149-B3CE-4F92-AA77-B583AB97937C}"/>
+          </ac:spMkLst>
+        </pc:spChg>
+        <pc:cxnChg chg="del">
+          <ac:chgData name="Allen Zhang" userId="e69742890e981d3d" providerId="LiveId" clId="{49156E4C-78A7-4849-94C7-300722350ACF}" dt="2020-03-08T10:19:12.521" v="0" actId="478"/>
+          <ac:cxnSpMkLst>
+            <pc:docMk/>
+            <pc:sldMk cId="3540022177" sldId="258"/>
+            <ac:cxnSpMk id="11" creationId="{00D454FC-D2C6-4469-BAA4-E91192CB4041}"/>
+          </ac:cxnSpMkLst>
+        </pc:cxnChg>
+      </pc:sldChg>
+      <pc:sldChg chg="delSp mod">
+        <pc:chgData name="Allen Zhang" userId="e69742890e981d3d" providerId="LiveId" clId="{49156E4C-78A7-4849-94C7-300722350ACF}" dt="2020-03-08T10:19:17.167" v="1" actId="478"/>
+        <pc:sldMkLst>
+          <pc:docMk/>
+          <pc:sldMk cId="917580422" sldId="262"/>
+        </pc:sldMkLst>
+        <pc:spChg chg="del">
+          <ac:chgData name="Allen Zhang" userId="e69742890e981d3d" providerId="LiveId" clId="{49156E4C-78A7-4849-94C7-300722350ACF}" dt="2020-03-08T10:19:17.167" v="1" actId="478"/>
+          <ac:spMkLst>
+            <pc:docMk/>
+            <pc:sldMk cId="917580422" sldId="262"/>
+            <ac:spMk id="12" creationId="{9B54F0C9-A32D-4835-BEEB-DE30118B1A58}"/>
+          </ac:spMkLst>
+        </pc:spChg>
+        <pc:spChg chg="del">
+          <ac:chgData name="Allen Zhang" userId="e69742890e981d3d" providerId="LiveId" clId="{49156E4C-78A7-4849-94C7-300722350ACF}" dt="2020-03-08T10:19:17.167" v="1" actId="478"/>
+          <ac:spMkLst>
+            <pc:docMk/>
+            <pc:sldMk cId="917580422" sldId="262"/>
+            <ac:spMk id="14" creationId="{F8FC21C3-3A88-4E5A-9E3E-852E6451A28D}"/>
+          </ac:spMkLst>
+        </pc:spChg>
+        <pc:spChg chg="del">
+          <ac:chgData name="Allen Zhang" userId="e69742890e981d3d" providerId="LiveId" clId="{49156E4C-78A7-4849-94C7-300722350ACF}" dt="2020-03-08T10:19:17.167" v="1" actId="478"/>
+          <ac:spMkLst>
+            <pc:docMk/>
+            <pc:sldMk cId="917580422" sldId="262"/>
+            <ac:spMk id="15" creationId="{A69F5845-7429-4E06-8FD1-FA0E3046780F}"/>
+          </ac:spMkLst>
+        </pc:spChg>
+        <pc:spChg chg="del">
+          <ac:chgData name="Allen Zhang" userId="e69742890e981d3d" providerId="LiveId" clId="{49156E4C-78A7-4849-94C7-300722350ACF}" dt="2020-03-08T10:19:17.167" v="1" actId="478"/>
+          <ac:spMkLst>
+            <pc:docMk/>
+            <pc:sldMk cId="917580422" sldId="262"/>
+            <ac:spMk id="16" creationId="{A3456817-159A-479B-B6BC-042071430FEF}"/>
+          </ac:spMkLst>
+        </pc:spChg>
+        <pc:spChg chg="del">
+          <ac:chgData name="Allen Zhang" userId="e69742890e981d3d" providerId="LiveId" clId="{49156E4C-78A7-4849-94C7-300722350ACF}" dt="2020-03-08T10:19:17.167" v="1" actId="478"/>
+          <ac:spMkLst>
+            <pc:docMk/>
+            <pc:sldMk cId="917580422" sldId="262"/>
+            <ac:spMk id="17" creationId="{E3AE9149-B3CE-4F92-AA77-B583AB97937C}"/>
+          </ac:spMkLst>
+        </pc:spChg>
+        <pc:cxnChg chg="del">
+          <ac:chgData name="Allen Zhang" userId="e69742890e981d3d" providerId="LiveId" clId="{49156E4C-78A7-4849-94C7-300722350ACF}" dt="2020-03-08T10:19:17.167" v="1" actId="478"/>
+          <ac:cxnSpMkLst>
+            <pc:docMk/>
+            <pc:sldMk cId="917580422" sldId="262"/>
+            <ac:cxnSpMk id="11" creationId="{00D454FC-D2C6-4469-BAA4-E91192CB4041}"/>
+          </ac:cxnSpMkLst>
+        </pc:cxnChg>
+      </pc:sldChg>
+      <pc:sldChg chg="delSp modSp mod">
+        <pc:chgData name="Allen Zhang" userId="e69742890e981d3d" providerId="LiveId" clId="{49156E4C-78A7-4849-94C7-300722350ACF}" dt="2020-03-08T15:11:04.949" v="181" actId="5793"/>
+        <pc:sldMkLst>
+          <pc:docMk/>
+          <pc:sldMk cId="990732002" sldId="263"/>
+        </pc:sldMkLst>
+        <pc:spChg chg="mod">
+          <ac:chgData name="Allen Zhang" userId="e69742890e981d3d" providerId="LiveId" clId="{49156E4C-78A7-4849-94C7-300722350ACF}" dt="2020-03-08T15:11:04.949" v="181" actId="5793"/>
+          <ac:spMkLst>
+            <pc:docMk/>
+            <pc:sldMk cId="990732002" sldId="263"/>
+            <ac:spMk id="3" creationId="{FC39B452-A830-4CA3-8B16-56BDDA0778C7}"/>
+          </ac:spMkLst>
+        </pc:spChg>
+        <pc:spChg chg="del">
+          <ac:chgData name="Allen Zhang" userId="e69742890e981d3d" providerId="LiveId" clId="{49156E4C-78A7-4849-94C7-300722350ACF}" dt="2020-03-08T10:19:25.433" v="3" actId="478"/>
+          <ac:spMkLst>
+            <pc:docMk/>
+            <pc:sldMk cId="990732002" sldId="263"/>
+            <ac:spMk id="20" creationId="{657A502C-541D-4445-A8D5-8A43E3C8653A}"/>
+          </ac:spMkLst>
+        </pc:spChg>
+        <pc:spChg chg="del">
+          <ac:chgData name="Allen Zhang" userId="e69742890e981d3d" providerId="LiveId" clId="{49156E4C-78A7-4849-94C7-300722350ACF}" dt="2020-03-08T10:19:25.433" v="3" actId="478"/>
+          <ac:spMkLst>
+            <pc:docMk/>
+            <pc:sldMk cId="990732002" sldId="263"/>
+            <ac:spMk id="21" creationId="{BE63D734-1F49-4663-862E-664B2BB64076}"/>
+          </ac:spMkLst>
+        </pc:spChg>
+        <pc:spChg chg="del">
+          <ac:chgData name="Allen Zhang" userId="e69742890e981d3d" providerId="LiveId" clId="{49156E4C-78A7-4849-94C7-300722350ACF}" dt="2020-03-08T10:19:25.433" v="3" actId="478"/>
+          <ac:spMkLst>
+            <pc:docMk/>
+            <pc:sldMk cId="990732002" sldId="263"/>
+            <ac:spMk id="22" creationId="{4AC1B771-C4B0-4C78-BC90-E2032D5B9E50}"/>
+          </ac:spMkLst>
+        </pc:spChg>
+        <pc:spChg chg="del">
+          <ac:chgData name="Allen Zhang" userId="e69742890e981d3d" providerId="LiveId" clId="{49156E4C-78A7-4849-94C7-300722350ACF}" dt="2020-03-08T10:19:25.433" v="3" actId="478"/>
+          <ac:spMkLst>
+            <pc:docMk/>
+            <pc:sldMk cId="990732002" sldId="263"/>
+            <ac:spMk id="23" creationId="{5E078450-CEBD-40D4-A608-4FD14D89524A}"/>
+          </ac:spMkLst>
+        </pc:spChg>
+        <pc:spChg chg="del">
+          <ac:chgData name="Allen Zhang" userId="e69742890e981d3d" providerId="LiveId" clId="{49156E4C-78A7-4849-94C7-300722350ACF}" dt="2020-03-08T10:19:25.433" v="3" actId="478"/>
+          <ac:spMkLst>
+            <pc:docMk/>
+            <pc:sldMk cId="990732002" sldId="263"/>
+            <ac:spMk id="24" creationId="{7B8F59DE-59D6-4A0E-96E0-1AF50DEC2408}"/>
+          </ac:spMkLst>
+        </pc:spChg>
+        <pc:cxnChg chg="del">
+          <ac:chgData name="Allen Zhang" userId="e69742890e981d3d" providerId="LiveId" clId="{49156E4C-78A7-4849-94C7-300722350ACF}" dt="2020-03-08T10:19:25.433" v="3" actId="478"/>
+          <ac:cxnSpMkLst>
+            <pc:docMk/>
+            <pc:sldMk cId="990732002" sldId="263"/>
+            <ac:cxnSpMk id="19" creationId="{6D27A063-7400-42EA-A419-A2A56D4AF069}"/>
+          </ac:cxnSpMkLst>
+        </pc:cxnChg>
+      </pc:sldChg>
+      <pc:sldChg chg="delSp modSp mod">
+        <pc:chgData name="Allen Zhang" userId="e69742890e981d3d" providerId="LiveId" clId="{49156E4C-78A7-4849-94C7-300722350ACF}" dt="2020-03-08T15:13:17.235" v="250" actId="20577"/>
+        <pc:sldMkLst>
+          <pc:docMk/>
+          <pc:sldMk cId="626926564" sldId="264"/>
+        </pc:sldMkLst>
+        <pc:spChg chg="mod">
+          <ac:chgData name="Allen Zhang" userId="e69742890e981d3d" providerId="LiveId" clId="{49156E4C-78A7-4849-94C7-300722350ACF}" dt="2020-03-08T15:13:17.235" v="250" actId="20577"/>
+          <ac:spMkLst>
+            <pc:docMk/>
+            <pc:sldMk cId="626926564" sldId="264"/>
+            <ac:spMk id="3" creationId="{FC39B452-A830-4CA3-8B16-56BDDA0778C7}"/>
+          </ac:spMkLst>
+        </pc:spChg>
+        <pc:spChg chg="del">
+          <ac:chgData name="Allen Zhang" userId="e69742890e981d3d" providerId="LiveId" clId="{49156E4C-78A7-4849-94C7-300722350ACF}" dt="2020-03-08T10:19:30.331" v="4" actId="478"/>
+          <ac:spMkLst>
+            <pc:docMk/>
+            <pc:sldMk cId="626926564" sldId="264"/>
+            <ac:spMk id="20" creationId="{657A502C-541D-4445-A8D5-8A43E3C8653A}"/>
+          </ac:spMkLst>
+        </pc:spChg>
+        <pc:spChg chg="del">
+          <ac:chgData name="Allen Zhang" userId="e69742890e981d3d" providerId="LiveId" clId="{49156E4C-78A7-4849-94C7-300722350ACF}" dt="2020-03-08T10:19:30.331" v="4" actId="478"/>
+          <ac:spMkLst>
+            <pc:docMk/>
+            <pc:sldMk cId="626926564" sldId="264"/>
+            <ac:spMk id="21" creationId="{BE63D734-1F49-4663-862E-664B2BB64076}"/>
+          </ac:spMkLst>
+        </pc:spChg>
+        <pc:spChg chg="del">
+          <ac:chgData name="Allen Zhang" userId="e69742890e981d3d" providerId="LiveId" clId="{49156E4C-78A7-4849-94C7-300722350ACF}" dt="2020-03-08T10:19:30.331" v="4" actId="478"/>
+          <ac:spMkLst>
+            <pc:docMk/>
+            <pc:sldMk cId="626926564" sldId="264"/>
+            <ac:spMk id="22" creationId="{4AC1B771-C4B0-4C78-BC90-E2032D5B9E50}"/>
+          </ac:spMkLst>
+        </pc:spChg>
+        <pc:spChg chg="del">
+          <ac:chgData name="Allen Zhang" userId="e69742890e981d3d" providerId="LiveId" clId="{49156E4C-78A7-4849-94C7-300722350ACF}" dt="2020-03-08T10:19:30.331" v="4" actId="478"/>
+          <ac:spMkLst>
+            <pc:docMk/>
+            <pc:sldMk cId="626926564" sldId="264"/>
+            <ac:spMk id="23" creationId="{5E078450-CEBD-40D4-A608-4FD14D89524A}"/>
+          </ac:spMkLst>
+        </pc:spChg>
+        <pc:spChg chg="del">
+          <ac:chgData name="Allen Zhang" userId="e69742890e981d3d" providerId="LiveId" clId="{49156E4C-78A7-4849-94C7-300722350ACF}" dt="2020-03-08T10:19:30.331" v="4" actId="478"/>
+          <ac:spMkLst>
+            <pc:docMk/>
+            <pc:sldMk cId="626926564" sldId="264"/>
+            <ac:spMk id="24" creationId="{7B8F59DE-59D6-4A0E-96E0-1AF50DEC2408}"/>
+          </ac:spMkLst>
+        </pc:spChg>
+        <pc:cxnChg chg="del">
+          <ac:chgData name="Allen Zhang" userId="e69742890e981d3d" providerId="LiveId" clId="{49156E4C-78A7-4849-94C7-300722350ACF}" dt="2020-03-08T10:19:30.331" v="4" actId="478"/>
+          <ac:cxnSpMkLst>
+            <pc:docMk/>
+            <pc:sldMk cId="626926564" sldId="264"/>
+            <ac:cxnSpMk id="19" creationId="{6D27A063-7400-42EA-A419-A2A56D4AF069}"/>
+          </ac:cxnSpMkLst>
+        </pc:cxnChg>
+      </pc:sldChg>
+      <pc:sldChg chg="modSp mod">
+        <pc:chgData name="Allen Zhang" userId="e69742890e981d3d" providerId="LiveId" clId="{49156E4C-78A7-4849-94C7-300722350ACF}" dt="2020-03-08T10:51:45.567" v="5" actId="313"/>
+        <pc:sldMkLst>
+          <pc:docMk/>
+          <pc:sldMk cId="1969596865" sldId="265"/>
+        </pc:sldMkLst>
+        <pc:spChg chg="mod">
+          <ac:chgData name="Allen Zhang" userId="e69742890e981d3d" providerId="LiveId" clId="{49156E4C-78A7-4849-94C7-300722350ACF}" dt="2020-03-08T10:51:45.567" v="5" actId="313"/>
+          <ac:spMkLst>
+            <pc:docMk/>
+            <pc:sldMk cId="1969596865" sldId="265"/>
+            <ac:spMk id="3" creationId="{04EEDD99-C480-4346-AC48-543D54422116}"/>
+          </ac:spMkLst>
+        </pc:spChg>
+      </pc:sldChg>
+    </pc:docChg>
+  </pc:docChgLst>
+</pc:chgInfo>
+</file>
+
 <file path=ppt/slideLayouts/slideLayout1.xml><?xml version="1.0" encoding="utf-8"?>
 <p:sldLayout xmlns:a="http://schemas.openxmlformats.org/drawingml/2006/main" xmlns:r="http://schemas.openxmlformats.org/officeDocument/2006/relationships" xmlns:p="http://schemas.openxmlformats.org/presentationml/2006/main" showMasterSp="0" type="title" preserve="1">
   <p:cSld name="Title Slide">
@@ -136,7 +481,7 @@
       </p:grpSpPr>
       <p:grpSp>
         <p:nvGrpSpPr>
-          <p:cNvPr id="16" name="Group 15"/>
+          <p:cNvPr id="7" name="Group 6"/>
           <p:cNvGrpSpPr/>
           <p:nvPr/>
         </p:nvGrpSpPr>
@@ -148,72 +493,9 @@
             <a:chExt cx="12192000" cy="6866467"/>
           </a:xfrm>
         </p:grpSpPr>
-        <p:sp>
-          <p:nvSpPr>
-            <p:cNvPr id="15" name="Freeform 14"/>
-            <p:cNvSpPr/>
-            <p:nvPr/>
-          </p:nvSpPr>
-          <p:spPr>
-            <a:xfrm>
-              <a:off x="0" y="-7862"/>
-              <a:ext cx="863600" cy="5698067"/>
-            </a:xfrm>
-            <a:custGeom>
-              <a:avLst/>
-              <a:gdLst/>
-              <a:ahLst/>
-              <a:cxnLst/>
-              <a:rect l="l" t="t" r="r" b="b"/>
-              <a:pathLst>
-                <a:path w="863600" h="5698067">
-                  <a:moveTo>
-                    <a:pt x="0" y="8467"/>
-                  </a:moveTo>
-                  <a:lnTo>
-                    <a:pt x="863600" y="0"/>
-                  </a:lnTo>
-                  <a:lnTo>
-                    <a:pt x="863600" y="16934"/>
-                  </a:lnTo>
-                  <a:lnTo>
-                    <a:pt x="0" y="5698067"/>
-                  </a:lnTo>
-                  <a:lnTo>
-                    <a:pt x="0" y="8467"/>
-                  </a:lnTo>
-                  <a:close/>
-                </a:path>
-              </a:pathLst>
-            </a:custGeom>
-            <a:solidFill>
-              <a:schemeClr val="accent1">
-                <a:alpha val="70000"/>
-              </a:schemeClr>
-            </a:solidFill>
-            <a:ln>
-              <a:noFill/>
-            </a:ln>
-            <a:effectLst/>
-          </p:spPr>
-          <p:style>
-            <a:lnRef idx="1">
-              <a:schemeClr val="accent1"/>
-            </a:lnRef>
-            <a:fillRef idx="3">
-              <a:schemeClr val="accent1"/>
-            </a:fillRef>
-            <a:effectRef idx="2">
-              <a:schemeClr val="accent1"/>
-            </a:effectRef>
-            <a:fontRef idx="minor">
-              <a:schemeClr val="lt1"/>
-            </a:fontRef>
-          </p:style>
-        </p:sp>
         <p:cxnSp>
           <p:nvCxnSpPr>
-            <p:cNvPr id="19" name="Straight Connector 18"/>
+            <p:cNvPr id="32" name="Straight Connector 31"/>
             <p:cNvCxnSpPr/>
             <p:nvPr/>
           </p:nvCxnSpPr>
@@ -227,8 +509,8 @@
             </a:prstGeom>
             <a:ln w="9525">
               <a:solidFill>
-                <a:schemeClr val="accent1">
-                  <a:alpha val="70000"/>
+                <a:schemeClr val="bg1">
+                  <a:lumMod val="75000"/>
                 </a:schemeClr>
               </a:solidFill>
             </a:ln>
@@ -250,7 +532,7 @@
         </p:cxnSp>
         <p:cxnSp>
           <p:nvCxnSpPr>
-            <p:cNvPr id="20" name="Straight Connector 19"/>
+            <p:cNvPr id="21" name="Straight Connector 20"/>
             <p:cNvCxnSpPr/>
             <p:nvPr/>
           </p:nvCxnSpPr>
@@ -264,8 +546,8 @@
             </a:prstGeom>
             <a:ln w="9525">
               <a:solidFill>
-                <a:schemeClr val="accent1">
-                  <a:alpha val="70000"/>
+                <a:schemeClr val="bg1">
+                  <a:lumMod val="85000"/>
                 </a:schemeClr>
               </a:solidFill>
             </a:ln>
@@ -287,7 +569,7 @@
         </p:cxnSp>
         <p:sp>
           <p:nvSpPr>
-            <p:cNvPr id="21" name="Rectangle 23"/>
+            <p:cNvPr id="24" name="Rectangle 23"/>
             <p:cNvSpPr/>
             <p:nvPr/>
           </p:nvSpPr>
@@ -325,7 +607,7 @@
             </a:custGeom>
             <a:solidFill>
               <a:schemeClr val="accent1">
-                <a:alpha val="36000"/>
+                <a:alpha val="30000"/>
               </a:schemeClr>
             </a:solidFill>
             <a:ln>
@@ -350,7 +632,7 @@
         </p:sp>
         <p:sp>
           <p:nvSpPr>
-            <p:cNvPr id="22" name="Rectangle 25"/>
+            <p:cNvPr id="26" name="Rectangle 25"/>
             <p:cNvSpPr/>
             <p:nvPr/>
           </p:nvSpPr>
@@ -413,7 +695,7 @@
         </p:sp>
         <p:sp>
           <p:nvSpPr>
-            <p:cNvPr id="23" name="Isosceles Triangle 22"/>
+            <p:cNvPr id="27" name="Isosceles Triangle 26"/>
             <p:cNvSpPr/>
             <p:nvPr/>
           </p:nvSpPr>
@@ -428,9 +710,8 @@
               </a:avLst>
             </a:prstGeom>
             <a:solidFill>
-              <a:schemeClr val="accent1">
-                <a:lumMod val="75000"/>
-                <a:alpha val="66000"/>
+              <a:schemeClr val="accent2">
+                <a:alpha val="72000"/>
               </a:schemeClr>
             </a:solidFill>
             <a:ln>
@@ -455,7 +736,7 @@
         </p:sp>
         <p:sp>
           <p:nvSpPr>
-            <p:cNvPr id="24" name="Rectangle 27"/>
+            <p:cNvPr id="28" name="Rectangle 27"/>
             <p:cNvSpPr/>
             <p:nvPr/>
           </p:nvSpPr>
@@ -492,9 +773,9 @@
               </a:pathLst>
             </a:custGeom>
             <a:solidFill>
-              <a:schemeClr val="accent1">
+              <a:schemeClr val="accent2">
                 <a:lumMod val="75000"/>
-                <a:alpha val="50000"/>
+                <a:alpha val="70000"/>
               </a:schemeClr>
             </a:solidFill>
             <a:ln>
@@ -519,7 +800,7 @@
         </p:sp>
         <p:sp>
           <p:nvSpPr>
-            <p:cNvPr id="25" name="Rectangle 28"/>
+            <p:cNvPr id="29" name="Rectangle 28"/>
             <p:cNvSpPr/>
             <p:nvPr/>
           </p:nvSpPr>
@@ -556,7 +837,9 @@
               </a:pathLst>
             </a:custGeom>
             <a:solidFill>
-              <a:schemeClr val="accent2">
+              <a:schemeClr val="accent1">
+                <a:lumMod val="60000"/>
+                <a:lumOff val="40000"/>
                 <a:alpha val="70000"/>
               </a:schemeClr>
             </a:solidFill>
@@ -582,7 +865,7 @@
         </p:sp>
         <p:sp>
           <p:nvSpPr>
-            <p:cNvPr id="26" name="Rectangle 29"/>
+            <p:cNvPr id="30" name="Rectangle 29"/>
             <p:cNvSpPr/>
             <p:nvPr/>
           </p:nvSpPr>
@@ -619,8 +902,48 @@
               </a:pathLst>
             </a:custGeom>
             <a:solidFill>
-              <a:schemeClr val="accent2">
-                <a:lumMod val="75000"/>
+              <a:schemeClr val="accent1">
+                <a:alpha val="65000"/>
+              </a:schemeClr>
+            </a:solidFill>
+            <a:ln>
+              <a:noFill/>
+            </a:ln>
+            <a:effectLst/>
+          </p:spPr>
+          <p:style>
+            <a:lnRef idx="1">
+              <a:schemeClr val="accent1"/>
+            </a:lnRef>
+            <a:fillRef idx="3">
+              <a:schemeClr val="accent1"/>
+            </a:fillRef>
+            <a:effectRef idx="2">
+              <a:schemeClr val="accent1"/>
+            </a:effectRef>
+            <a:fontRef idx="minor">
+              <a:schemeClr val="lt1"/>
+            </a:fontRef>
+          </p:style>
+        </p:sp>
+        <p:sp>
+          <p:nvSpPr>
+            <p:cNvPr id="31" name="Isosceles Triangle 30"/>
+            <p:cNvSpPr/>
+            <p:nvPr/>
+          </p:nvSpPr>
+          <p:spPr>
+            <a:xfrm>
+              <a:off x="10371666" y="3589867"/>
+              <a:ext cx="1817159" cy="3268133"/>
+            </a:xfrm>
+            <a:prstGeom prst="triangle">
+              <a:avLst>
+                <a:gd name="adj" fmla="val 100000"/>
+              </a:avLst>
+            </a:prstGeom>
+            <a:solidFill>
+              <a:schemeClr val="accent1">
                 <a:alpha val="80000"/>
               </a:schemeClr>
             </a:solidFill>
@@ -646,14 +969,14 @@
         </p:sp>
         <p:sp>
           <p:nvSpPr>
-            <p:cNvPr id="27" name="Isosceles Triangle 26"/>
+            <p:cNvPr id="19" name="Isosceles Triangle 18"/>
             <p:cNvSpPr/>
             <p:nvPr/>
           </p:nvSpPr>
           <p:spPr>
-            <a:xfrm>
-              <a:off x="10371666" y="3589867"/>
-              <a:ext cx="1817159" cy="3268133"/>
+            <a:xfrm rot="10800000">
+              <a:off x="0" y="0"/>
+              <a:ext cx="842596" cy="5666154"/>
             </a:xfrm>
             <a:prstGeom prst="triangle">
               <a:avLst>
@@ -662,8 +985,7 @@
             </a:prstGeom>
             <a:solidFill>
               <a:schemeClr val="accent1">
-                <a:lumMod val="75000"/>
-                <a:alpha val="66000"/>
+                <a:alpha val="85000"/>
               </a:schemeClr>
             </a:solidFill>
             <a:ln>
@@ -861,9 +1183,9 @@
           <a:lstStyle/>
           <a:p>
             <a:fld id="{B61BEF0D-F0BB-DE4B-95CE-6DB70DBA9567}" type="datetimeFigureOut">
-              <a:rPr lang="en-US" dirty="0"/>
+              <a:rPr lang="en-US" smtClean="0"/>
               <a:pPr/>
-              <a:t>3/7/2020</a:t>
+              <a:t>3/8/2020</a:t>
             </a:fld>
             <a:endParaRPr lang="en-US" dirty="0"/>
           </a:p>
@@ -904,7 +1226,7 @@
           <a:lstStyle/>
           <a:p>
             <a:fld id="{D57F1E4F-1CFF-5643-939E-217C01CDF565}" type="slidenum">
-              <a:rPr lang="en-US" dirty="0"/>
+              <a:rPr lang="en-US" smtClean="0"/>
               <a:pPr/>
               <a:t>‹#›</a:t>
             </a:fld>
@@ -913,6 +1235,11 @@
         </p:txBody>
       </p:sp>
     </p:spTree>
+    <p:extLst>
+      <p:ext uri="{BB962C8B-B14F-4D97-AF65-F5344CB8AC3E}">
+        <p14:creationId xmlns:p14="http://schemas.microsoft.com/office/powerpoint/2010/main" val="2410260424"/>
+      </p:ext>
+    </p:extLst>
   </p:cSld>
   <p:clrMapOvr>
     <a:masterClrMapping/>
@@ -1109,9 +1436,9 @@
           <a:lstStyle/>
           <a:p>
             <a:fld id="{B61BEF0D-F0BB-DE4B-95CE-6DB70DBA9567}" type="datetimeFigureOut">
-              <a:rPr lang="en-US" dirty="0"/>
+              <a:rPr lang="en-US" smtClean="0"/>
               <a:pPr/>
-              <a:t>3/7/2020</a:t>
+              <a:t>3/8/2020</a:t>
             </a:fld>
             <a:endParaRPr lang="en-US" dirty="0"/>
           </a:p>
@@ -1152,7 +1479,7 @@
           <a:lstStyle/>
           <a:p>
             <a:fld id="{D57F1E4F-1CFF-5643-939E-217C01CDF565}" type="slidenum">
-              <a:rPr lang="en-US" dirty="0"/>
+              <a:rPr lang="en-US" smtClean="0"/>
               <a:pPr/>
               <a:t>‹#›</a:t>
             </a:fld>
@@ -1161,6 +1488,11 @@
         </p:txBody>
       </p:sp>
     </p:spTree>
+    <p:extLst>
+      <p:ext uri="{BB962C8B-B14F-4D97-AF65-F5344CB8AC3E}">
+        <p14:creationId xmlns:p14="http://schemas.microsoft.com/office/powerpoint/2010/main" val="728641481"/>
+      </p:ext>
+    </p:extLst>
   </p:cSld>
   <p:clrMapOvr>
     <a:masterClrMapping/>
@@ -1420,9 +1752,9 @@
           <a:lstStyle/>
           <a:p>
             <a:fld id="{B61BEF0D-F0BB-DE4B-95CE-6DB70DBA9567}" type="datetimeFigureOut">
-              <a:rPr lang="en-US" dirty="0"/>
+              <a:rPr lang="en-US" smtClean="0"/>
               <a:pPr/>
-              <a:t>3/7/2020</a:t>
+              <a:t>3/8/2020</a:t>
             </a:fld>
             <a:endParaRPr lang="en-US" dirty="0"/>
           </a:p>
@@ -1463,7 +1795,7 @@
           <a:lstStyle/>
           <a:p>
             <a:fld id="{D57F1E4F-1CFF-5643-939E-217C01CDF565}" type="slidenum">
-              <a:rPr lang="en-US" dirty="0"/>
+              <a:rPr lang="en-US" smtClean="0"/>
               <a:pPr/>
               <a:t>‹#›</a:t>
             </a:fld>
@@ -1473,7 +1805,7 @@
       </p:sp>
       <p:sp>
         <p:nvSpPr>
-          <p:cNvPr id="24" name="TextBox 23"/>
+          <p:cNvPr id="20" name="TextBox 19"/>
           <p:cNvSpPr txBox="1"/>
           <p:nvPr/>
         </p:nvSpPr>
@@ -1514,7 +1846,7 @@
       </p:sp>
       <p:sp>
         <p:nvSpPr>
-          <p:cNvPr id="25" name="TextBox 24"/>
+          <p:cNvPr id="22" name="TextBox 21"/>
           <p:cNvSpPr txBox="1"/>
           <p:nvPr/>
         </p:nvSpPr>
@@ -1545,15 +1877,28 @@
                     <a:lumOff val="40000"/>
                   </a:schemeClr>
                 </a:solidFill>
-                <a:effectLst/>
                 <a:latin typeface="Arial"/>
               </a:rPr>
               <a:t>”</a:t>
             </a:r>
+            <a:endParaRPr lang="en-US" dirty="0">
+              <a:solidFill>
+                <a:schemeClr val="accent1">
+                  <a:lumMod val="60000"/>
+                  <a:lumOff val="40000"/>
+                </a:schemeClr>
+              </a:solidFill>
+              <a:latin typeface="Arial"/>
+            </a:endParaRPr>
           </a:p>
         </p:txBody>
       </p:sp>
     </p:spTree>
+    <p:extLst>
+      <p:ext uri="{BB962C8B-B14F-4D97-AF65-F5344CB8AC3E}">
+        <p14:creationId xmlns:p14="http://schemas.microsoft.com/office/powerpoint/2010/main" val="2894165474"/>
+      </p:ext>
+    </p:extLst>
   </p:cSld>
   <p:clrMapOvr>
     <a:masterClrMapping/>
@@ -1750,9 +2095,9 @@
           <a:lstStyle/>
           <a:p>
             <a:fld id="{B61BEF0D-F0BB-DE4B-95CE-6DB70DBA9567}" type="datetimeFigureOut">
-              <a:rPr lang="en-US" dirty="0"/>
+              <a:rPr lang="en-US" smtClean="0"/>
               <a:pPr/>
-              <a:t>3/7/2020</a:t>
+              <a:t>3/8/2020</a:t>
             </a:fld>
             <a:endParaRPr lang="en-US" dirty="0"/>
           </a:p>
@@ -1793,7 +2138,7 @@
           <a:lstStyle/>
           <a:p>
             <a:fld id="{D57F1E4F-1CFF-5643-939E-217C01CDF565}" type="slidenum">
-              <a:rPr lang="en-US" dirty="0"/>
+              <a:rPr lang="en-US" smtClean="0"/>
               <a:pPr/>
               <a:t>‹#›</a:t>
             </a:fld>
@@ -1802,6 +2147,11 @@
         </p:txBody>
       </p:sp>
     </p:spTree>
+    <p:extLst>
+      <p:ext uri="{BB962C8B-B14F-4D97-AF65-F5344CB8AC3E}">
+        <p14:creationId xmlns:p14="http://schemas.microsoft.com/office/powerpoint/2010/main" val="4078936027"/>
+      </p:ext>
+    </p:extLst>
   </p:cSld>
   <p:clrMapOvr>
     <a:masterClrMapping/>
@@ -2061,9 +2411,9 @@
           <a:lstStyle/>
           <a:p>
             <a:fld id="{B61BEF0D-F0BB-DE4B-95CE-6DB70DBA9567}" type="datetimeFigureOut">
-              <a:rPr lang="en-US" dirty="0"/>
+              <a:rPr lang="en-US" smtClean="0"/>
               <a:pPr/>
-              <a:t>3/7/2020</a:t>
+              <a:t>3/8/2020</a:t>
             </a:fld>
             <a:endParaRPr lang="en-US" dirty="0"/>
           </a:p>
@@ -2104,7 +2454,7 @@
           <a:lstStyle/>
           <a:p>
             <a:fld id="{D57F1E4F-1CFF-5643-939E-217C01CDF565}" type="slidenum">
-              <a:rPr lang="en-US" dirty="0"/>
+              <a:rPr lang="en-US" smtClean="0"/>
               <a:pPr/>
               <a:t>‹#›</a:t>
             </a:fld>
@@ -2195,6 +2545,11 @@
         </p:txBody>
       </p:sp>
     </p:spTree>
+    <p:extLst>
+      <p:ext uri="{BB962C8B-B14F-4D97-AF65-F5344CB8AC3E}">
+        <p14:creationId xmlns:p14="http://schemas.microsoft.com/office/powerpoint/2010/main" val="2977963080"/>
+      </p:ext>
+    </p:extLst>
   </p:cSld>
   <p:clrMapOvr>
     <a:masterClrMapping/>
@@ -2451,9 +2806,9 @@
           <a:lstStyle/>
           <a:p>
             <a:fld id="{B61BEF0D-F0BB-DE4B-95CE-6DB70DBA9567}" type="datetimeFigureOut">
-              <a:rPr lang="en-US" dirty="0"/>
+              <a:rPr lang="en-US" smtClean="0"/>
               <a:pPr/>
-              <a:t>3/7/2020</a:t>
+              <a:t>3/8/2020</a:t>
             </a:fld>
             <a:endParaRPr lang="en-US" dirty="0"/>
           </a:p>
@@ -2494,7 +2849,7 @@
           <a:lstStyle/>
           <a:p>
             <a:fld id="{D57F1E4F-1CFF-5643-939E-217C01CDF565}" type="slidenum">
-              <a:rPr lang="en-US" dirty="0"/>
+              <a:rPr lang="en-US" smtClean="0"/>
               <a:pPr/>
               <a:t>‹#›</a:t>
             </a:fld>
@@ -2503,6 +2858,11 @@
         </p:txBody>
       </p:sp>
     </p:spTree>
+    <p:extLst>
+      <p:ext uri="{BB962C8B-B14F-4D97-AF65-F5344CB8AC3E}">
+        <p14:creationId xmlns:p14="http://schemas.microsoft.com/office/powerpoint/2010/main" val="3731030626"/>
+      </p:ext>
+    </p:extLst>
   </p:cSld>
   <p:clrMapOvr>
     <a:masterClrMapping/>
@@ -2618,8 +2978,8 @@
           <a:lstStyle/>
           <a:p>
             <a:fld id="{55C6B4A9-1611-4792-9094-5F34BCA07E0B}" type="datetimeFigureOut">
-              <a:rPr lang="en-US" dirty="0"/>
-              <a:t>3/7/2020</a:t>
+              <a:rPr lang="en-US" smtClean="0"/>
+              <a:t>3/8/2020</a:t>
             </a:fld>
             <a:endParaRPr lang="en-US" dirty="0"/>
           </a:p>
@@ -2660,7 +3020,7 @@
           <a:lstStyle/>
           <a:p>
             <a:fld id="{89333C77-0158-454C-844F-B7AB9BD7DAD4}" type="slidenum">
-              <a:rPr lang="en-US" dirty="0"/>
+              <a:rPr lang="en-US" smtClean="0"/>
               <a:t>‹#›</a:t>
             </a:fld>
             <a:endParaRPr lang="en-US" dirty="0"/>
@@ -2668,6 +3028,11 @@
         </p:txBody>
       </p:sp>
     </p:spTree>
+    <p:extLst>
+      <p:ext uri="{BB962C8B-B14F-4D97-AF65-F5344CB8AC3E}">
+        <p14:creationId xmlns:p14="http://schemas.microsoft.com/office/powerpoint/2010/main" val="2516433044"/>
+      </p:ext>
+    </p:extLst>
   </p:cSld>
   <p:clrMapOvr>
     <a:masterClrMapping/>
@@ -2793,9 +3158,9 @@
           <a:lstStyle/>
           <a:p>
             <a:fld id="{B61BEF0D-F0BB-DE4B-95CE-6DB70DBA9567}" type="datetimeFigureOut">
-              <a:rPr lang="en-US" dirty="0"/>
+              <a:rPr lang="en-US" smtClean="0"/>
               <a:pPr/>
-              <a:t>3/7/2020</a:t>
+              <a:t>3/8/2020</a:t>
             </a:fld>
             <a:endParaRPr lang="en-US" dirty="0"/>
           </a:p>
@@ -2836,7 +3201,7 @@
           <a:lstStyle/>
           <a:p>
             <a:fld id="{D57F1E4F-1CFF-5643-939E-217C01CDF565}" type="slidenum">
-              <a:rPr lang="en-US" dirty="0"/>
+              <a:rPr lang="en-US" smtClean="0"/>
               <a:pPr/>
               <a:t>‹#›</a:t>
             </a:fld>
@@ -2845,6 +3210,11 @@
         </p:txBody>
       </p:sp>
     </p:spTree>
+    <p:extLst>
+      <p:ext uri="{BB962C8B-B14F-4D97-AF65-F5344CB8AC3E}">
+        <p14:creationId xmlns:p14="http://schemas.microsoft.com/office/powerpoint/2010/main" val="526653884"/>
+      </p:ext>
+    </p:extLst>
   </p:cSld>
   <p:clrMapOvr>
     <a:masterClrMapping/>
@@ -2881,25 +3251,83 @@
         </p:nvSpPr>
         <p:spPr/>
         <p:txBody>
+          <a:bodyPr>
+            <a:normAutofit/>
+          </a:bodyPr>
+          <a:lstStyle>
+            <a:lvl1pPr>
+              <a:defRPr sz="3600"/>
+            </a:lvl1pPr>
+          </a:lstStyle>
+          <a:p>
+            <a:r>
+              <a:rPr lang="en-US"/>
+              <a:t>Click to edit Master title style</a:t>
+            </a:r>
+            <a:endParaRPr lang="en-US" dirty="0"/>
+          </a:p>
+        </p:txBody>
+      </p:sp>
+      <p:sp>
+        <p:nvSpPr>
+          <p:cNvPr id="3" name="Content Placeholder 2"/>
+          <p:cNvSpPr>
+            <a:spLocks noGrp="1"/>
+          </p:cNvSpPr>
+          <p:nvPr>
+            <p:ph idx="1"/>
+          </p:nvPr>
+        </p:nvSpPr>
+        <p:spPr/>
+        <p:txBody>
           <a:bodyPr/>
           <a:lstStyle/>
           <a:p>
-            <a:r>
-              <a:rPr lang="en-US"/>
-              <a:t>Click to edit Master title style</a:t>
-            </a:r>
-            <a:endParaRPr lang="en-US" dirty="0"/>
-          </a:p>
-        </p:txBody>
-      </p:sp>
-      <p:sp>
-        <p:nvSpPr>
-          <p:cNvPr id="3" name="Content Placeholder 2"/>
-          <p:cNvSpPr>
-            <a:spLocks noGrp="1"/>
-          </p:cNvSpPr>
-          <p:nvPr>
-            <p:ph idx="1"/>
+            <a:pPr lvl="0"/>
+            <a:r>
+              <a:rPr lang="en-US"/>
+              <a:t>Click to edit Master text styles</a:t>
+            </a:r>
+          </a:p>
+          <a:p>
+            <a:pPr lvl="1"/>
+            <a:r>
+              <a:rPr lang="en-US"/>
+              <a:t>Second level</a:t>
+            </a:r>
+          </a:p>
+          <a:p>
+            <a:pPr lvl="2"/>
+            <a:r>
+              <a:rPr lang="en-US"/>
+              <a:t>Third level</a:t>
+            </a:r>
+          </a:p>
+          <a:p>
+            <a:pPr lvl="3"/>
+            <a:r>
+              <a:rPr lang="en-US"/>
+              <a:t>Fourth level</a:t>
+            </a:r>
+          </a:p>
+          <a:p>
+            <a:pPr lvl="4"/>
+            <a:r>
+              <a:rPr lang="en-US"/>
+              <a:t>Fifth level</a:t>
+            </a:r>
+            <a:endParaRPr lang="en-US" dirty="0"/>
+          </a:p>
+        </p:txBody>
+      </p:sp>
+      <p:sp>
+        <p:nvSpPr>
+          <p:cNvPr id="4" name="Date Placeholder 3"/>
+          <p:cNvSpPr>
+            <a:spLocks noGrp="1"/>
+          </p:cNvSpPr>
+          <p:nvPr>
+            <p:ph type="dt" sz="half" idx="10"/>
           </p:nvPr>
         </p:nvSpPr>
         <p:spPr/>
@@ -2907,51 +3335,22 @@
           <a:bodyPr/>
           <a:lstStyle/>
           <a:p>
-            <a:pPr lvl="0"/>
-            <a:r>
-              <a:rPr lang="en-US"/>
-              <a:t>Click to edit Master text styles</a:t>
-            </a:r>
-          </a:p>
-          <a:p>
-            <a:pPr lvl="1"/>
-            <a:r>
-              <a:rPr lang="en-US"/>
-              <a:t>Second level</a:t>
-            </a:r>
-          </a:p>
-          <a:p>
-            <a:pPr lvl="2"/>
-            <a:r>
-              <a:rPr lang="en-US"/>
-              <a:t>Third level</a:t>
-            </a:r>
-          </a:p>
-          <a:p>
-            <a:pPr lvl="3"/>
-            <a:r>
-              <a:rPr lang="en-US"/>
-              <a:t>Fourth level</a:t>
-            </a:r>
-          </a:p>
-          <a:p>
-            <a:pPr lvl="4"/>
-            <a:r>
-              <a:rPr lang="en-US"/>
-              <a:t>Fifth level</a:t>
-            </a:r>
-            <a:endParaRPr lang="en-US" dirty="0"/>
-          </a:p>
-        </p:txBody>
-      </p:sp>
-      <p:sp>
-        <p:nvSpPr>
-          <p:cNvPr id="4" name="Date Placeholder 3"/>
-          <p:cNvSpPr>
-            <a:spLocks noGrp="1"/>
-          </p:cNvSpPr>
-          <p:nvPr>
-            <p:ph type="dt" sz="half" idx="10"/>
+            <a:fld id="{42A54C80-263E-416B-A8E0-580EDEADCBDC}" type="datetimeFigureOut">
+              <a:rPr lang="en-US" smtClean="0"/>
+              <a:t>3/8/2020</a:t>
+            </a:fld>
+            <a:endParaRPr lang="en-US" dirty="0"/>
+          </a:p>
+        </p:txBody>
+      </p:sp>
+      <p:sp>
+        <p:nvSpPr>
+          <p:cNvPr id="5" name="Footer Placeholder 4"/>
+          <p:cNvSpPr>
+            <a:spLocks noGrp="1"/>
+          </p:cNvSpPr>
+          <p:nvPr>
+            <p:ph type="ftr" sz="quarter" idx="11"/>
           </p:nvPr>
         </p:nvSpPr>
         <p:spPr/>
@@ -2959,22 +3358,18 @@
           <a:bodyPr/>
           <a:lstStyle/>
           <a:p>
-            <a:fld id="{42A54C80-263E-416B-A8E0-580EDEADCBDC}" type="datetimeFigureOut">
-              <a:rPr lang="en-US" dirty="0"/>
-              <a:t>3/7/2020</a:t>
-            </a:fld>
-            <a:endParaRPr lang="en-US" dirty="0"/>
-          </a:p>
-        </p:txBody>
-      </p:sp>
-      <p:sp>
-        <p:nvSpPr>
-          <p:cNvPr id="5" name="Footer Placeholder 4"/>
-          <p:cNvSpPr>
-            <a:spLocks noGrp="1"/>
-          </p:cNvSpPr>
-          <p:nvPr>
-            <p:ph type="ftr" sz="quarter" idx="11"/>
+            <a:endParaRPr lang="en-US" dirty="0"/>
+          </a:p>
+        </p:txBody>
+      </p:sp>
+      <p:sp>
+        <p:nvSpPr>
+          <p:cNvPr id="6" name="Slide Number Placeholder 5"/>
+          <p:cNvSpPr>
+            <a:spLocks noGrp="1"/>
+          </p:cNvSpPr>
+          <p:nvPr>
+            <p:ph type="sldNum" sz="quarter" idx="12"/>
           </p:nvPr>
         </p:nvSpPr>
         <p:spPr/>
@@ -2982,27 +3377,8 @@
           <a:bodyPr/>
           <a:lstStyle/>
           <a:p>
-            <a:endParaRPr lang="en-US" dirty="0"/>
-          </a:p>
-        </p:txBody>
-      </p:sp>
-      <p:sp>
-        <p:nvSpPr>
-          <p:cNvPr id="6" name="Slide Number Placeholder 5"/>
-          <p:cNvSpPr>
-            <a:spLocks noGrp="1"/>
-          </p:cNvSpPr>
-          <p:nvPr>
-            <p:ph type="sldNum" sz="quarter" idx="12"/>
-          </p:nvPr>
-        </p:nvSpPr>
-        <p:spPr/>
-        <p:txBody>
-          <a:bodyPr/>
-          <a:lstStyle/>
-          <a:p>
             <a:fld id="{519954A3-9DFD-4C44-94BA-B95130A3BA1C}" type="slidenum">
-              <a:rPr lang="en-US" dirty="0"/>
+              <a:rPr lang="en-US" smtClean="0"/>
               <a:t>‹#›</a:t>
             </a:fld>
             <a:endParaRPr lang="en-US" dirty="0"/>
@@ -3010,6 +3386,11 @@
         </p:txBody>
       </p:sp>
     </p:spTree>
+    <p:extLst>
+      <p:ext uri="{BB962C8B-B14F-4D97-AF65-F5344CB8AC3E}">
+        <p14:creationId xmlns:p14="http://schemas.microsoft.com/office/powerpoint/2010/main" val="2670846388"/>
+      </p:ext>
+    </p:extLst>
   </p:cSld>
   <p:clrMapOvr>
     <a:masterClrMapping/>
@@ -3202,9 +3583,9 @@
           <a:lstStyle/>
           <a:p>
             <a:fld id="{B61BEF0D-F0BB-DE4B-95CE-6DB70DBA9567}" type="datetimeFigureOut">
-              <a:rPr lang="en-US" dirty="0"/>
+              <a:rPr lang="en-US" smtClean="0"/>
               <a:pPr/>
-              <a:t>3/7/2020</a:t>
+              <a:t>3/8/2020</a:t>
             </a:fld>
             <a:endParaRPr lang="en-US" dirty="0"/>
           </a:p>
@@ -3245,7 +3626,7 @@
           <a:lstStyle/>
           <a:p>
             <a:fld id="{D57F1E4F-1CFF-5643-939E-217C01CDF565}" type="slidenum">
-              <a:rPr lang="en-US" dirty="0"/>
+              <a:rPr lang="en-US" smtClean="0"/>
               <a:pPr/>
               <a:t>‹#›</a:t>
             </a:fld>
@@ -3254,6 +3635,11 @@
         </p:txBody>
       </p:sp>
     </p:spTree>
+    <p:extLst>
+      <p:ext uri="{BB962C8B-B14F-4D97-AF65-F5344CB8AC3E}">
+        <p14:creationId xmlns:p14="http://schemas.microsoft.com/office/powerpoint/2010/main" val="1205308740"/>
+      </p:ext>
+    </p:extLst>
   </p:cSld>
   <p:clrMapOvr>
     <a:masterClrMapping/>
@@ -3431,8 +3817,8 @@
           <a:lstStyle/>
           <a:p>
             <a:fld id="{42A54C80-263E-416B-A8E0-580EDEADCBDC}" type="datetimeFigureOut">
-              <a:rPr lang="en-US" dirty="0"/>
-              <a:t>3/7/2020</a:t>
+              <a:rPr lang="en-US" smtClean="0"/>
+              <a:t>3/8/2020</a:t>
             </a:fld>
             <a:endParaRPr lang="en-US" dirty="0"/>
           </a:p>
@@ -3473,7 +3859,7 @@
           <a:lstStyle/>
           <a:p>
             <a:fld id="{519954A3-9DFD-4C44-94BA-B95130A3BA1C}" type="slidenum">
-              <a:rPr lang="en-US" dirty="0"/>
+              <a:rPr lang="en-US" smtClean="0"/>
               <a:t>‹#›</a:t>
             </a:fld>
             <a:endParaRPr lang="en-US" dirty="0"/>
@@ -3481,6 +3867,11 @@
         </p:txBody>
       </p:sp>
     </p:spTree>
+    <p:extLst>
+      <p:ext uri="{BB962C8B-B14F-4D97-AF65-F5344CB8AC3E}">
+        <p14:creationId xmlns:p14="http://schemas.microsoft.com/office/powerpoint/2010/main" val="793796396"/>
+      </p:ext>
+    </p:extLst>
   </p:cSld>
   <p:clrMapOvr>
     <a:masterClrMapping/>
@@ -3800,9 +4191,9 @@
           <a:lstStyle/>
           <a:p>
             <a:fld id="{B61BEF0D-F0BB-DE4B-95CE-6DB70DBA9567}" type="datetimeFigureOut">
-              <a:rPr lang="en-US" dirty="0"/>
+              <a:rPr lang="en-US" smtClean="0"/>
               <a:pPr/>
-              <a:t>3/7/2020</a:t>
+              <a:t>3/8/2020</a:t>
             </a:fld>
             <a:endParaRPr lang="en-US" dirty="0"/>
           </a:p>
@@ -3843,7 +4234,7 @@
           <a:lstStyle/>
           <a:p>
             <a:fld id="{D57F1E4F-1CFF-5643-939E-217C01CDF565}" type="slidenum">
-              <a:rPr lang="en-US" dirty="0"/>
+              <a:rPr lang="en-US" smtClean="0"/>
               <a:pPr/>
               <a:t>‹#›</a:t>
             </a:fld>
@@ -3852,6 +4243,11 @@
         </p:txBody>
       </p:sp>
     </p:spTree>
+    <p:extLst>
+      <p:ext uri="{BB962C8B-B14F-4D97-AF65-F5344CB8AC3E}">
+        <p14:creationId xmlns:p14="http://schemas.microsoft.com/office/powerpoint/2010/main" val="4112547187"/>
+      </p:ext>
+    </p:extLst>
   </p:cSld>
   <p:clrMapOvr>
     <a:masterClrMapping/>
@@ -3920,9 +4316,9 @@
           <a:lstStyle/>
           <a:p>
             <a:fld id="{B61BEF0D-F0BB-DE4B-95CE-6DB70DBA9567}" type="datetimeFigureOut">
-              <a:rPr lang="en-US" dirty="0"/>
+              <a:rPr lang="en-US" smtClean="0"/>
               <a:pPr/>
-              <a:t>3/7/2020</a:t>
+              <a:t>3/8/2020</a:t>
             </a:fld>
             <a:endParaRPr lang="en-US" dirty="0"/>
           </a:p>
@@ -3963,7 +4359,7 @@
           <a:lstStyle/>
           <a:p>
             <a:fld id="{D57F1E4F-1CFF-5643-939E-217C01CDF565}" type="slidenum">
-              <a:rPr lang="en-US" dirty="0"/>
+              <a:rPr lang="en-US" smtClean="0"/>
               <a:pPr/>
               <a:t>‹#›</a:t>
             </a:fld>
@@ -3972,6 +4368,11 @@
         </p:txBody>
       </p:sp>
     </p:spTree>
+    <p:extLst>
+      <p:ext uri="{BB962C8B-B14F-4D97-AF65-F5344CB8AC3E}">
+        <p14:creationId xmlns:p14="http://schemas.microsoft.com/office/powerpoint/2010/main" val="3011957992"/>
+      </p:ext>
+    </p:extLst>
   </p:cSld>
   <p:clrMapOvr>
     <a:masterClrMapping/>
@@ -4012,9 +4413,9 @@
           <a:lstStyle/>
           <a:p>
             <a:fld id="{B61BEF0D-F0BB-DE4B-95CE-6DB70DBA9567}" type="datetimeFigureOut">
-              <a:rPr lang="en-US" dirty="0"/>
+              <a:rPr lang="en-US" smtClean="0"/>
               <a:pPr/>
-              <a:t>3/7/2020</a:t>
+              <a:t>3/8/2020</a:t>
             </a:fld>
             <a:endParaRPr lang="en-US" dirty="0"/>
           </a:p>
@@ -4055,7 +4456,7 @@
           <a:lstStyle/>
           <a:p>
             <a:fld id="{D57F1E4F-1CFF-5643-939E-217C01CDF565}" type="slidenum">
-              <a:rPr lang="en-US" dirty="0"/>
+              <a:rPr lang="en-US" smtClean="0"/>
               <a:pPr/>
               <a:t>‹#›</a:t>
             </a:fld>
@@ -4064,6 +4465,11 @@
         </p:txBody>
       </p:sp>
     </p:spTree>
+    <p:extLst>
+      <p:ext uri="{BB962C8B-B14F-4D97-AF65-F5344CB8AC3E}">
+        <p14:creationId xmlns:p14="http://schemas.microsoft.com/office/powerpoint/2010/main" val="2449766215"/>
+      </p:ext>
+    </p:extLst>
   </p:cSld>
   <p:clrMapOvr>
     <a:masterClrMapping/>
@@ -4264,8 +4670,8 @@
           <a:lstStyle/>
           <a:p>
             <a:fld id="{42A54C80-263E-416B-A8E0-580EDEADCBDC}" type="datetimeFigureOut">
-              <a:rPr lang="en-US" dirty="0"/>
-              <a:t>3/7/2020</a:t>
+              <a:rPr lang="en-US" smtClean="0"/>
+              <a:t>3/8/2020</a:t>
             </a:fld>
             <a:endParaRPr lang="en-US" dirty="0"/>
           </a:p>
@@ -4306,7 +4712,7 @@
           <a:lstStyle/>
           <a:p>
             <a:fld id="{519954A3-9DFD-4C44-94BA-B95130A3BA1C}" type="slidenum">
-              <a:rPr lang="en-US" dirty="0"/>
+              <a:rPr lang="en-US" smtClean="0"/>
               <a:t>‹#›</a:t>
             </a:fld>
             <a:endParaRPr lang="en-US" dirty="0"/>
@@ -4314,6 +4720,11 @@
         </p:txBody>
       </p:sp>
     </p:spTree>
+    <p:extLst>
+      <p:ext uri="{BB962C8B-B14F-4D97-AF65-F5344CB8AC3E}">
+        <p14:creationId xmlns:p14="http://schemas.microsoft.com/office/powerpoint/2010/main" val="1970846552"/>
+      </p:ext>
+    </p:extLst>
   </p:cSld>
   <p:clrMapOvr>
     <a:masterClrMapping/>
@@ -4508,6 +4919,30 @@
       </p:sp>
       <p:sp>
         <p:nvSpPr>
+          <p:cNvPr id="5" name="Date Placeholder 4"/>
+          <p:cNvSpPr>
+            <a:spLocks noGrp="1"/>
+          </p:cNvSpPr>
+          <p:nvPr>
+            <p:ph type="dt" sz="half" idx="10"/>
+          </p:nvPr>
+        </p:nvSpPr>
+        <p:spPr/>
+        <p:txBody>
+          <a:bodyPr/>
+          <a:lstStyle/>
+          <a:p>
+            <a:fld id="{B61BEF0D-F0BB-DE4B-95CE-6DB70DBA9567}" type="datetimeFigureOut">
+              <a:rPr lang="en-US" smtClean="0"/>
+              <a:pPr/>
+              <a:t>3/8/2020</a:t>
+            </a:fld>
+            <a:endParaRPr lang="en-US" dirty="0"/>
+          </a:p>
+        </p:txBody>
+      </p:sp>
+      <p:sp>
+        <p:nvSpPr>
           <p:cNvPr id="6" name="Footer Placeholder 5"/>
           <p:cNvSpPr>
             <a:spLocks noGrp="1"/>
@@ -4541,7 +4976,7 @@
           <a:lstStyle/>
           <a:p>
             <a:fld id="{D57F1E4F-1CFF-5643-939E-217C01CDF565}" type="slidenum">
-              <a:rPr lang="en-US" dirty="0"/>
+              <a:rPr lang="en-US" smtClean="0"/>
               <a:pPr/>
               <a:t>‹#›</a:t>
             </a:fld>
@@ -4549,31 +4984,12 @@
           </a:p>
         </p:txBody>
       </p:sp>
-      <p:sp>
-        <p:nvSpPr>
-          <p:cNvPr id="5" name="Date Placeholder 4"/>
-          <p:cNvSpPr>
-            <a:spLocks noGrp="1"/>
-          </p:cNvSpPr>
-          <p:nvPr>
-            <p:ph type="dt" sz="half" idx="10"/>
-          </p:nvPr>
-        </p:nvSpPr>
-        <p:spPr/>
-        <p:txBody>
-          <a:bodyPr/>
-          <a:lstStyle/>
-          <a:p>
-            <a:fld id="{B61BEF0D-F0BB-DE4B-95CE-6DB70DBA9567}" type="datetimeFigureOut">
-              <a:rPr lang="en-US" dirty="0"/>
-              <a:pPr/>
-              <a:t>3/7/2020</a:t>
-            </a:fld>
-            <a:endParaRPr lang="en-US" dirty="0"/>
-          </a:p>
-        </p:txBody>
-      </p:sp>
     </p:spTree>
+    <p:extLst>
+      <p:ext uri="{BB962C8B-B14F-4D97-AF65-F5344CB8AC3E}">
+        <p14:creationId xmlns:p14="http://schemas.microsoft.com/office/powerpoint/2010/main" val="2347155407"/>
+      </p:ext>
+    </p:extLst>
   </p:cSld>
   <p:clrMapOvr>
     <a:masterClrMapping/>
@@ -4605,7 +5021,7 @@
       </p:grpSpPr>
       <p:grpSp>
         <p:nvGrpSpPr>
-          <p:cNvPr id="44" name="Group 43"/>
+          <p:cNvPr id="7" name="Group 6"/>
           <p:cNvGrpSpPr/>
           <p:nvPr/>
         </p:nvGrpSpPr>
@@ -4633,8 +5049,8 @@
             </a:prstGeom>
             <a:ln w="9525">
               <a:solidFill>
-                <a:schemeClr val="accent1">
-                  <a:alpha val="70000"/>
+                <a:schemeClr val="bg1">
+                  <a:lumMod val="75000"/>
                 </a:schemeClr>
               </a:solidFill>
             </a:ln>
@@ -4670,8 +5086,8 @@
             </a:prstGeom>
             <a:ln w="9525">
               <a:solidFill>
-                <a:schemeClr val="accent1">
-                  <a:alpha val="70000"/>
+                <a:schemeClr val="bg1">
+                  <a:lumMod val="85000"/>
                 </a:schemeClr>
               </a:solidFill>
             </a:ln>
@@ -4731,7 +5147,7 @@
             </a:custGeom>
             <a:solidFill>
               <a:schemeClr val="accent1">
-                <a:alpha val="36000"/>
+                <a:alpha val="30000"/>
               </a:schemeClr>
             </a:solidFill>
             <a:ln>
@@ -4834,9 +5250,8 @@
               </a:avLst>
             </a:prstGeom>
             <a:solidFill>
-              <a:schemeClr val="accent1">
-                <a:lumMod val="75000"/>
-                <a:alpha val="66000"/>
+              <a:schemeClr val="accent2">
+                <a:alpha val="72000"/>
               </a:schemeClr>
             </a:solidFill>
             <a:ln>
@@ -4898,9 +5313,9 @@
               </a:pathLst>
             </a:custGeom>
             <a:solidFill>
-              <a:schemeClr val="accent1">
+              <a:schemeClr val="accent2">
                 <a:lumMod val="75000"/>
-                <a:alpha val="50000"/>
+                <a:alpha val="70000"/>
               </a:schemeClr>
             </a:solidFill>
             <a:ln>
@@ -4962,7 +5377,9 @@
               </a:pathLst>
             </a:custGeom>
             <a:solidFill>
-              <a:schemeClr val="accent2">
+              <a:schemeClr val="accent1">
+                <a:lumMod val="60000"/>
+                <a:lumOff val="40000"/>
                 <a:alpha val="70000"/>
               </a:schemeClr>
             </a:solidFill>
@@ -5025,9 +5442,8 @@
               </a:pathLst>
             </a:custGeom>
             <a:solidFill>
-              <a:schemeClr val="accent2">
-                <a:lumMod val="75000"/>
-                <a:alpha val="80000"/>
+              <a:schemeClr val="accent1">
+                <a:alpha val="65000"/>
               </a:schemeClr>
             </a:solidFill>
             <a:ln>
@@ -5068,8 +5484,7 @@
             </a:prstGeom>
             <a:solidFill>
               <a:schemeClr val="accent1">
-                <a:lumMod val="75000"/>
-                <a:alpha val="66000"/>
+                <a:alpha val="80000"/>
               </a:schemeClr>
             </a:solidFill>
             <a:ln>
@@ -5094,7 +5509,7 @@
         </p:sp>
         <p:sp>
           <p:nvSpPr>
-            <p:cNvPr id="19" name="Isosceles Triangle 18"/>
+            <p:cNvPr id="29" name="Isosceles Triangle 28"/>
             <p:cNvSpPr/>
             <p:nvPr/>
           </p:nvSpPr>
@@ -5110,7 +5525,7 @@
             </a:prstGeom>
             <a:solidFill>
               <a:schemeClr val="accent1">
-                <a:alpha val="70000"/>
+                <a:alpha val="85000"/>
               </a:schemeClr>
             </a:solidFill>
             <a:ln>
@@ -5263,9 +5678,9 @@
           </a:lstStyle>
           <a:p>
             <a:fld id="{B61BEF0D-F0BB-DE4B-95CE-6DB70DBA9567}" type="datetimeFigureOut">
-              <a:rPr lang="en-US" dirty="0"/>
+              <a:rPr lang="en-US" smtClean="0"/>
               <a:pPr/>
-              <a:t>3/7/2020</a:t>
+              <a:t>3/8/2020</a:t>
             </a:fld>
             <a:endParaRPr lang="en-US" dirty="0"/>
           </a:p>
@@ -5340,7 +5755,7 @@
           </a:lstStyle>
           <a:p>
             <a:fld id="{D57F1E4F-1CFF-5643-939E-217C01CDF565}" type="slidenum">
-              <a:rPr lang="en-US" dirty="0"/>
+              <a:rPr lang="en-US" smtClean="0"/>
               <a:pPr/>
               <a:t>‹#›</a:t>
             </a:fld>
@@ -5349,25 +5764,30 @@
         </p:txBody>
       </p:sp>
     </p:spTree>
+    <p:extLst>
+      <p:ext uri="{BB962C8B-B14F-4D97-AF65-F5344CB8AC3E}">
+        <p14:creationId xmlns:p14="http://schemas.microsoft.com/office/powerpoint/2010/main" val="2250527360"/>
+      </p:ext>
+    </p:extLst>
   </p:cSld>
   <p:clrMap bg1="lt1" tx1="dk1" bg2="lt2" tx2="dk2" accent1="accent1" accent2="accent2" accent3="accent3" accent4="accent4" accent5="accent5" accent6="accent6" hlink="hlink" folHlink="folHlink"/>
   <p:sldLayoutIdLst>
-    <p:sldLayoutId id="2147483649" r:id="rId1"/>
-    <p:sldLayoutId id="2147483665" r:id="rId2"/>
-    <p:sldLayoutId id="2147483651" r:id="rId3"/>
-    <p:sldLayoutId id="2147483666" r:id="rId4"/>
-    <p:sldLayoutId id="2147483653" r:id="rId5"/>
-    <p:sldLayoutId id="2147483654" r:id="rId6"/>
-    <p:sldLayoutId id="2147483655" r:id="rId7"/>
-    <p:sldLayoutId id="2147483667" r:id="rId8"/>
-    <p:sldLayoutId id="2147483657" r:id="rId9"/>
-    <p:sldLayoutId id="2147483660" r:id="rId10"/>
-    <p:sldLayoutId id="2147483661" r:id="rId11"/>
-    <p:sldLayoutId id="2147483662" r:id="rId12"/>
-    <p:sldLayoutId id="2147483663" r:id="rId13"/>
-    <p:sldLayoutId id="2147483664" r:id="rId14"/>
-    <p:sldLayoutId id="2147483668" r:id="rId15"/>
-    <p:sldLayoutId id="2147483659" r:id="rId16"/>
+    <p:sldLayoutId id="2147483704" r:id="rId1"/>
+    <p:sldLayoutId id="2147483705" r:id="rId2"/>
+    <p:sldLayoutId id="2147483706" r:id="rId3"/>
+    <p:sldLayoutId id="2147483707" r:id="rId4"/>
+    <p:sldLayoutId id="2147483708" r:id="rId5"/>
+    <p:sldLayoutId id="2147483709" r:id="rId6"/>
+    <p:sldLayoutId id="2147483710" r:id="rId7"/>
+    <p:sldLayoutId id="2147483711" r:id="rId8"/>
+    <p:sldLayoutId id="2147483712" r:id="rId9"/>
+    <p:sldLayoutId id="2147483713" r:id="rId10"/>
+    <p:sldLayoutId id="2147483714" r:id="rId11"/>
+    <p:sldLayoutId id="2147483715" r:id="rId12"/>
+    <p:sldLayoutId id="2147483716" r:id="rId13"/>
+    <p:sldLayoutId id="2147483717" r:id="rId14"/>
+    <p:sldLayoutId id="2147483718" r:id="rId15"/>
+    <p:sldLayoutId id="2147483719" r:id="rId16"/>
   </p:sldLayoutIdLst>
   <p:txStyles>
     <p:titleStyle>
@@ -5787,35 +6207,6 @@
       </p:grpSpPr>
       <p:sp>
         <p:nvSpPr>
-          <p:cNvPr id="2" name="Title 1">
-            <a:extLst>
-              <a:ext uri="{FF2B5EF4-FFF2-40B4-BE49-F238E27FC236}">
-                <a16:creationId xmlns:a16="http://schemas.microsoft.com/office/drawing/2014/main" id="{2DF3BF4A-94A5-4025-9A5B-F9369AD78F80}"/>
-              </a:ext>
-            </a:extLst>
-          </p:cNvPr>
-          <p:cNvSpPr>
-            <a:spLocks noGrp="1"/>
-          </p:cNvSpPr>
-          <p:nvPr>
-            <p:ph type="ctrTitle"/>
-          </p:nvPr>
-        </p:nvSpPr>
-        <p:spPr/>
-        <p:txBody>
-          <a:bodyPr/>
-          <a:lstStyle/>
-          <a:p>
-            <a:r>
-              <a:rPr lang="en-CA" dirty="0" err="1"/>
-              <a:t>RecipEZ</a:t>
-            </a:r>
-            <a:endParaRPr lang="en-CA" dirty="0"/>
-          </a:p>
-        </p:txBody>
-      </p:sp>
-      <p:sp>
-        <p:nvSpPr>
           <p:cNvPr id="3" name="Subtitle 2">
             <a:extLst>
               <a:ext uri="{FF2B5EF4-FFF2-40B4-BE49-F238E27FC236}">
@@ -5830,30 +6221,33 @@
             <p:ph type="subTitle" idx="1"/>
           </p:nvPr>
         </p:nvSpPr>
-        <p:spPr/>
+        <p:spPr>
+          <a:xfrm>
+            <a:off x="1879929" y="4599283"/>
+            <a:ext cx="7766936" cy="1096899"/>
+          </a:xfrm>
+        </p:spPr>
         <p:txBody>
           <a:bodyPr/>
           <a:lstStyle/>
           <a:p>
             <a:r>
-              <a:rPr lang="en-CA" dirty="0"/>
+              <a:rPr lang="en-CA" dirty="0">
+                <a:latin typeface="Berlin Sans FB Demi" panose="020B0604020202020204" pitchFamily="34" charset="0"/>
+              </a:rPr>
               <a:t>Allen Zhang, </a:t>
             </a:r>
             <a:r>
-              <a:rPr lang="en-CA" dirty="0" err="1"/>
+              <a:rPr lang="en-CA" dirty="0" err="1">
+                <a:latin typeface="Berlin Sans FB Demi" panose="020B0604020202020204" pitchFamily="34" charset="0"/>
+              </a:rPr>
               <a:t>Meihua</a:t>
             </a:r>
             <a:r>
-              <a:rPr lang="en-CA" dirty="0"/>
-              <a:t> Li, Adam </a:t>
-            </a:r>
-            <a:r>
-              <a:rPr lang="en-CA" dirty="0" err="1"/>
-              <a:t>Barrosa</a:t>
-            </a:r>
-            <a:r>
-              <a:rPr lang="en-CA" dirty="0"/>
-              <a:t>, Adrian Jendo</a:t>
+              <a:rPr lang="en-CA" dirty="0">
+                <a:latin typeface="Berlin Sans FB Demi" panose="020B0604020202020204" pitchFamily="34" charset="0"/>
+              </a:rPr>
+              <a:t> Li, Adam Barroso, Adrian Jendo</a:t>
             </a:r>
           </a:p>
         </p:txBody>
@@ -5872,453 +6266,21 @@
           </p:cNvPicPr>
           <p:nvPr/>
         </p:nvPicPr>
-        <p:blipFill>
+        <p:blipFill rotWithShape="1">
           <a:blip r:embed="rId2"/>
-          <a:stretch>
-            <a:fillRect/>
-          </a:stretch>
+          <a:srcRect t="30117" b="27624"/>
+          <a:stretch/>
         </p:blipFill>
         <p:spPr>
-          <a:xfrm>
-            <a:off x="295905" y="-1597243"/>
-            <a:ext cx="6744975" cy="6744975"/>
+          <a:xfrm rot="21073985">
+            <a:off x="52683" y="1634265"/>
+            <a:ext cx="7384643" cy="3120681"/>
           </a:xfrm>
           <a:prstGeom prst="rect">
             <a:avLst/>
           </a:prstGeom>
         </p:spPr>
       </p:pic>
-      <p:cxnSp>
-        <p:nvCxnSpPr>
-          <p:cNvPr id="20" name="Google Shape;551;p38">
-            <a:extLst>
-              <a:ext uri="{FF2B5EF4-FFF2-40B4-BE49-F238E27FC236}">
-                <a16:creationId xmlns:a16="http://schemas.microsoft.com/office/drawing/2014/main" id="{BE208DF5-107F-4D45-AD83-65F03D0F09C7}"/>
-              </a:ext>
-            </a:extLst>
-          </p:cNvPr>
-          <p:cNvCxnSpPr/>
-          <p:nvPr/>
-        </p:nvCxnSpPr>
-        <p:spPr>
-          <a:xfrm>
-            <a:off x="-96709" y="6357044"/>
-            <a:ext cx="12281834" cy="1"/>
-          </a:xfrm>
-          <a:prstGeom prst="straightConnector1">
-            <a:avLst/>
-          </a:prstGeom>
-          <a:noFill/>
-          <a:ln w="50800" cap="flat" cmpd="sng">
-            <a:solidFill>
-              <a:schemeClr val="tx1"/>
-            </a:solidFill>
-            <a:prstDash val="solid"/>
-            <a:round/>
-            <a:headEnd type="none" w="sm" len="sm"/>
-            <a:tailEnd type="none" w="sm" len="sm"/>
-          </a:ln>
-          <a:effectLst>
-            <a:outerShdw blurRad="38100" dist="20000" dir="5400000" rotWithShape="0">
-              <a:srgbClr val="000000">
-                <a:alpha val="37647"/>
-              </a:srgbClr>
-            </a:outerShdw>
-          </a:effectLst>
-        </p:spPr>
-      </p:cxnSp>
-      <p:sp>
-        <p:nvSpPr>
-          <p:cNvPr id="21" name="Google Shape;552;p38">
-            <a:extLst>
-              <a:ext uri="{FF2B5EF4-FFF2-40B4-BE49-F238E27FC236}">
-                <a16:creationId xmlns:a16="http://schemas.microsoft.com/office/drawing/2014/main" id="{4B394ECC-CE57-4512-B9BE-A2206662CBFB}"/>
-              </a:ext>
-            </a:extLst>
-          </p:cNvPr>
-          <p:cNvSpPr/>
-          <p:nvPr/>
-        </p:nvSpPr>
-        <p:spPr>
-          <a:xfrm>
-            <a:off x="222250" y="6061719"/>
-            <a:ext cx="1047701" cy="590651"/>
-          </a:xfrm>
-          <a:prstGeom prst="rect">
-            <a:avLst/>
-          </a:prstGeom>
-          <a:solidFill>
-            <a:srgbClr val="FFFFFF"/>
-          </a:solidFill>
-          <a:ln w="50800" cap="flat" cmpd="sng">
-            <a:solidFill>
-              <a:schemeClr val="tx1"/>
-            </a:solidFill>
-            <a:prstDash val="solid"/>
-            <a:round/>
-            <a:headEnd type="none" w="sm" len="sm"/>
-            <a:tailEnd type="none" w="sm" len="sm"/>
-          </a:ln>
-          <a:effectLst>
-            <a:outerShdw blurRad="38100" dist="23000" dir="5400000" rotWithShape="0">
-              <a:srgbClr val="000000">
-                <a:alpha val="34901"/>
-              </a:srgbClr>
-            </a:outerShdw>
-          </a:effectLst>
-        </p:spPr>
-        <p:txBody>
-          <a:bodyPr spcFirstLastPara="1" wrap="square" lIns="45700" tIns="45700" rIns="45700" bIns="45700" anchor="ctr" anchorCtr="0">
-            <a:noAutofit/>
-          </a:bodyPr>
-          <a:lstStyle/>
-          <a:p>
-            <a:pPr marL="0" marR="0" lvl="0" indent="0" algn="ctr" rtl="0">
-              <a:lnSpc>
-                <a:spcPct val="100000"/>
-              </a:lnSpc>
-              <a:spcBef>
-                <a:spcPts val="0"/>
-              </a:spcBef>
-              <a:spcAft>
-                <a:spcPts val="0"/>
-              </a:spcAft>
-              <a:buClr>
-                <a:srgbClr val="000000"/>
-              </a:buClr>
-              <a:buSzPts val="1800"/>
-              <a:buFont typeface="Cabin"/>
-              <a:buNone/>
-            </a:pPr>
-            <a:r>
-              <a:rPr lang="en-CA" sz="1800" b="0" i="0" u="none" strike="noStrike" cap="none">
-                <a:latin typeface="Cabin"/>
-                <a:ea typeface="Cabin"/>
-                <a:cs typeface="Cabin"/>
-                <a:sym typeface="Cabin"/>
-              </a:rPr>
-              <a:t>Problem</a:t>
-            </a:r>
-            <a:endParaRPr/>
-          </a:p>
-        </p:txBody>
-      </p:sp>
-      <p:sp>
-        <p:nvSpPr>
-          <p:cNvPr id="22" name="Google Shape;554;p38">
-            <a:extLst>
-              <a:ext uri="{FF2B5EF4-FFF2-40B4-BE49-F238E27FC236}">
-                <a16:creationId xmlns:a16="http://schemas.microsoft.com/office/drawing/2014/main" id="{9FD62081-6800-463A-9A7A-8AE15F25BFB2}"/>
-              </a:ext>
-            </a:extLst>
-          </p:cNvPr>
-          <p:cNvSpPr/>
-          <p:nvPr/>
-        </p:nvSpPr>
-        <p:spPr>
-          <a:xfrm>
-            <a:off x="2034261" y="6061719"/>
-            <a:ext cx="2107506" cy="590651"/>
-          </a:xfrm>
-          <a:prstGeom prst="rect">
-            <a:avLst/>
-          </a:prstGeom>
-          <a:solidFill>
-            <a:srgbClr val="FFFFFF"/>
-          </a:solidFill>
-          <a:ln w="50800" cap="flat" cmpd="sng">
-            <a:solidFill>
-              <a:schemeClr val="tx1"/>
-            </a:solidFill>
-            <a:prstDash val="solid"/>
-            <a:round/>
-            <a:headEnd type="none" w="sm" len="sm"/>
-            <a:tailEnd type="none" w="sm" len="sm"/>
-          </a:ln>
-          <a:effectLst>
-            <a:outerShdw blurRad="38100" dist="23000" dir="5400000" rotWithShape="0">
-              <a:srgbClr val="000000">
-                <a:alpha val="34901"/>
-              </a:srgbClr>
-            </a:outerShdw>
-          </a:effectLst>
-        </p:spPr>
-        <p:txBody>
-          <a:bodyPr spcFirstLastPara="1" wrap="square" lIns="45700" tIns="45700" rIns="45700" bIns="45700" anchor="ctr" anchorCtr="0">
-            <a:noAutofit/>
-          </a:bodyPr>
-          <a:lstStyle/>
-          <a:p>
-            <a:pPr marL="0" marR="0" lvl="0" indent="0" algn="ctr" rtl="0">
-              <a:lnSpc>
-                <a:spcPct val="100000"/>
-              </a:lnSpc>
-              <a:spcBef>
-                <a:spcPts val="0"/>
-              </a:spcBef>
-              <a:spcAft>
-                <a:spcPts val="0"/>
-              </a:spcAft>
-              <a:buClr>
-                <a:srgbClr val="000000"/>
-              </a:buClr>
-              <a:buSzPts val="1800"/>
-              <a:buFont typeface="Cabin"/>
-              <a:buNone/>
-            </a:pPr>
-            <a:r>
-              <a:rPr lang="en-CA" sz="1800" b="0" i="0" u="none" strike="noStrike" cap="none" dirty="0">
-                <a:solidFill>
-                  <a:srgbClr val="000000"/>
-                </a:solidFill>
-                <a:latin typeface="Cabin"/>
-                <a:ea typeface="Cabin"/>
-                <a:cs typeface="Cabin"/>
-                <a:sym typeface="Cabin"/>
-              </a:rPr>
-              <a:t>Solution</a:t>
-            </a:r>
-            <a:endParaRPr dirty="0"/>
-          </a:p>
-        </p:txBody>
-      </p:sp>
-      <p:sp>
-        <p:nvSpPr>
-          <p:cNvPr id="23" name="Google Shape;555;p38">
-            <a:extLst>
-              <a:ext uri="{FF2B5EF4-FFF2-40B4-BE49-F238E27FC236}">
-                <a16:creationId xmlns:a16="http://schemas.microsoft.com/office/drawing/2014/main" id="{F64A13B4-77D8-4FBA-96DC-9FC2C35E10E2}"/>
-              </a:ext>
-            </a:extLst>
-          </p:cNvPr>
-          <p:cNvSpPr/>
-          <p:nvPr/>
-        </p:nvSpPr>
-        <p:spPr>
-          <a:xfrm>
-            <a:off x="4833222" y="6061719"/>
-            <a:ext cx="2107506" cy="590651"/>
-          </a:xfrm>
-          <a:prstGeom prst="rect">
-            <a:avLst/>
-          </a:prstGeom>
-          <a:solidFill>
-            <a:srgbClr val="FFFFFF"/>
-          </a:solidFill>
-          <a:ln w="50800" cap="flat" cmpd="sng">
-            <a:solidFill>
-              <a:schemeClr val="tx1"/>
-            </a:solidFill>
-            <a:prstDash val="solid"/>
-            <a:round/>
-            <a:headEnd type="none" w="sm" len="sm"/>
-            <a:tailEnd type="none" w="sm" len="sm"/>
-          </a:ln>
-          <a:effectLst>
-            <a:outerShdw blurRad="38100" dist="23000" dir="5400000" rotWithShape="0">
-              <a:srgbClr val="000000">
-                <a:alpha val="34901"/>
-              </a:srgbClr>
-            </a:outerShdw>
-          </a:effectLst>
-        </p:spPr>
-        <p:txBody>
-          <a:bodyPr spcFirstLastPara="1" wrap="square" lIns="45700" tIns="45700" rIns="45700" bIns="45700" anchor="ctr" anchorCtr="0">
-            <a:noAutofit/>
-          </a:bodyPr>
-          <a:lstStyle/>
-          <a:p>
-            <a:pPr marL="0" marR="0" lvl="0" indent="0" algn="ctr" rtl="0">
-              <a:lnSpc>
-                <a:spcPct val="100000"/>
-              </a:lnSpc>
-              <a:spcBef>
-                <a:spcPts val="0"/>
-              </a:spcBef>
-              <a:spcAft>
-                <a:spcPts val="0"/>
-              </a:spcAft>
-              <a:buClr>
-                <a:srgbClr val="000000"/>
-              </a:buClr>
-              <a:buSzPts val="1800"/>
-              <a:buFont typeface="Cabin"/>
-              <a:buNone/>
-            </a:pPr>
-            <a:r>
-              <a:rPr lang="en-CA" sz="1800" b="0" i="0" u="none" strike="noStrike" cap="none" dirty="0">
-                <a:solidFill>
-                  <a:srgbClr val="000000"/>
-                </a:solidFill>
-                <a:latin typeface="Cabin"/>
-                <a:ea typeface="Cabin"/>
-                <a:cs typeface="Cabin"/>
-                <a:sym typeface="Cabin"/>
-              </a:rPr>
-              <a:t>Proof of Concept</a:t>
-            </a:r>
-            <a:endParaRPr dirty="0"/>
-          </a:p>
-        </p:txBody>
-      </p:sp>
-      <p:sp>
-        <p:nvSpPr>
-          <p:cNvPr id="24" name="Google Shape;556;p38">
-            <a:extLst>
-              <a:ext uri="{FF2B5EF4-FFF2-40B4-BE49-F238E27FC236}">
-                <a16:creationId xmlns:a16="http://schemas.microsoft.com/office/drawing/2014/main" id="{33109DD8-8AA3-4F5F-8852-074C0DC3BA41}"/>
-              </a:ext>
-            </a:extLst>
-          </p:cNvPr>
-          <p:cNvSpPr/>
-          <p:nvPr/>
-        </p:nvSpPr>
-        <p:spPr>
-          <a:xfrm>
-            <a:off x="7790160" y="6061719"/>
-            <a:ext cx="1574205" cy="590651"/>
-          </a:xfrm>
-          <a:prstGeom prst="rect">
-            <a:avLst/>
-          </a:prstGeom>
-          <a:solidFill>
-            <a:srgbClr val="FFFFFF"/>
-          </a:solidFill>
-          <a:ln w="50800" cap="flat" cmpd="sng">
-            <a:solidFill>
-              <a:schemeClr val="tx1"/>
-            </a:solidFill>
-            <a:prstDash val="solid"/>
-            <a:round/>
-            <a:headEnd type="none" w="sm" len="sm"/>
-            <a:tailEnd type="none" w="sm" len="sm"/>
-          </a:ln>
-          <a:effectLst>
-            <a:outerShdw blurRad="38100" dist="23000" dir="5400000" rotWithShape="0">
-              <a:srgbClr val="000000">
-                <a:alpha val="34901"/>
-              </a:srgbClr>
-            </a:outerShdw>
-          </a:effectLst>
-        </p:spPr>
-        <p:txBody>
-          <a:bodyPr spcFirstLastPara="1" wrap="square" lIns="45700" tIns="45700" rIns="45700" bIns="45700" anchor="ctr" anchorCtr="0">
-            <a:noAutofit/>
-          </a:bodyPr>
-          <a:lstStyle/>
-          <a:p>
-            <a:pPr marL="0" marR="0" lvl="0" indent="0" algn="ctr" rtl="0">
-              <a:lnSpc>
-                <a:spcPct val="100000"/>
-              </a:lnSpc>
-              <a:spcBef>
-                <a:spcPts val="0"/>
-              </a:spcBef>
-              <a:spcAft>
-                <a:spcPts val="0"/>
-              </a:spcAft>
-              <a:buClr>
-                <a:srgbClr val="000000"/>
-              </a:buClr>
-              <a:buSzPts val="1800"/>
-              <a:buFont typeface="Cabin"/>
-              <a:buNone/>
-            </a:pPr>
-            <a:r>
-              <a:rPr lang="en-CA" sz="1800" b="0" i="0" u="none" strike="noStrike" cap="none">
-                <a:solidFill>
-                  <a:srgbClr val="000000"/>
-                </a:solidFill>
-                <a:latin typeface="Cabin"/>
-                <a:ea typeface="Cabin"/>
-                <a:cs typeface="Cabin"/>
-                <a:sym typeface="Cabin"/>
-              </a:rPr>
-              <a:t>Pros &amp; Cons</a:t>
-            </a:r>
-            <a:endParaRPr/>
-          </a:p>
-        </p:txBody>
-      </p:sp>
-      <p:sp>
-        <p:nvSpPr>
-          <p:cNvPr id="25" name="Google Shape;557;p38">
-            <a:extLst>
-              <a:ext uri="{FF2B5EF4-FFF2-40B4-BE49-F238E27FC236}">
-                <a16:creationId xmlns:a16="http://schemas.microsoft.com/office/drawing/2014/main" id="{D11D4ADE-DB93-4908-AA49-3B1F1C780782}"/>
-              </a:ext>
-            </a:extLst>
-          </p:cNvPr>
-          <p:cNvSpPr/>
-          <p:nvPr/>
-        </p:nvSpPr>
-        <p:spPr>
-          <a:xfrm>
-            <a:off x="10213797" y="6061719"/>
-            <a:ext cx="1279873" cy="590651"/>
-          </a:xfrm>
-          <a:prstGeom prst="rect">
-            <a:avLst/>
-          </a:prstGeom>
-          <a:solidFill>
-            <a:srgbClr val="FFFFFF"/>
-          </a:solidFill>
-          <a:ln w="50800" cap="flat" cmpd="sng">
-            <a:solidFill>
-              <a:schemeClr val="tx1"/>
-            </a:solidFill>
-            <a:prstDash val="solid"/>
-            <a:round/>
-            <a:headEnd type="none" w="sm" len="sm"/>
-            <a:tailEnd type="none" w="sm" len="sm"/>
-          </a:ln>
-          <a:effectLst>
-            <a:outerShdw blurRad="38100" dist="23000" dir="5400000" rotWithShape="0">
-              <a:srgbClr val="000000">
-                <a:alpha val="34901"/>
-              </a:srgbClr>
-            </a:outerShdw>
-          </a:effectLst>
-        </p:spPr>
-        <p:txBody>
-          <a:bodyPr spcFirstLastPara="1" wrap="square" lIns="45700" tIns="45700" rIns="45700" bIns="45700" anchor="ctr" anchorCtr="0">
-            <a:noAutofit/>
-          </a:bodyPr>
-          <a:lstStyle/>
-          <a:p>
-            <a:pPr marL="0" marR="0" lvl="0" indent="0" algn="ctr" rtl="0">
-              <a:lnSpc>
-                <a:spcPct val="100000"/>
-              </a:lnSpc>
-              <a:spcBef>
-                <a:spcPts val="0"/>
-              </a:spcBef>
-              <a:spcAft>
-                <a:spcPts val="0"/>
-              </a:spcAft>
-              <a:buClr>
-                <a:srgbClr val="000000"/>
-              </a:buClr>
-              <a:buSzPts val="1800"/>
-              <a:buFont typeface="Cabin"/>
-              <a:buNone/>
-            </a:pPr>
-            <a:r>
-              <a:rPr lang="en-CA" sz="1800" b="0" i="0" u="none" strike="noStrike" cap="none">
-                <a:solidFill>
-                  <a:srgbClr val="000000"/>
-                </a:solidFill>
-                <a:latin typeface="Cabin"/>
-                <a:ea typeface="Cabin"/>
-                <a:cs typeface="Cabin"/>
-                <a:sym typeface="Cabin"/>
-              </a:rPr>
-              <a:t>Conclusion</a:t>
-            </a:r>
-            <a:endParaRPr/>
-          </a:p>
-        </p:txBody>
-      </p:sp>
     </p:spTree>
     <p:extLst>
       <p:ext uri="{BB962C8B-B14F-4D97-AF65-F5344CB8AC3E}">
@@ -6373,8 +6335,16 @@
           <a:lstStyle/>
           <a:p>
             <a:r>
+              <a:rPr lang="en-CA" dirty="0">
+                <a:solidFill>
+                  <a:srgbClr val="6EAB9E"/>
+                </a:solidFill>
+              </a:rPr>
+              <a:t>Problem</a:t>
+            </a:r>
+            <a:r>
               <a:rPr lang="en-CA" dirty="0"/>
-              <a:t>Problem	</a:t>
+              <a:t>	</a:t>
             </a:r>
           </a:p>
         </p:txBody>
@@ -6402,445 +6372,26 @@
           <a:p>
             <a:r>
               <a:rPr lang="en-CA" dirty="0"/>
-              <a:t>Have ingredients but do not know what to do with them</a:t>
+              <a:t>Have ingredients but don’t know what to do with them</a:t>
             </a:r>
           </a:p>
           <a:p>
             <a:r>
               <a:rPr lang="en-CA" dirty="0"/>
-              <a:t>Difficult to find recipes that only include your ingredients without purchasing additional items</a:t>
-            </a:r>
-          </a:p>
-        </p:txBody>
-      </p:sp>
-      <p:cxnSp>
-        <p:nvCxnSpPr>
-          <p:cNvPr id="11" name="Google Shape;551;p38">
-            <a:extLst>
-              <a:ext uri="{FF2B5EF4-FFF2-40B4-BE49-F238E27FC236}">
-                <a16:creationId xmlns:a16="http://schemas.microsoft.com/office/drawing/2014/main" id="{00D454FC-D2C6-4469-BAA4-E91192CB4041}"/>
-              </a:ext>
-            </a:extLst>
-          </p:cNvPr>
-          <p:cNvCxnSpPr/>
-          <p:nvPr/>
-        </p:nvCxnSpPr>
-        <p:spPr>
-          <a:xfrm>
-            <a:off x="-96709" y="6357044"/>
-            <a:ext cx="12281834" cy="1"/>
-          </a:xfrm>
-          <a:prstGeom prst="straightConnector1">
-            <a:avLst/>
-          </a:prstGeom>
-          <a:noFill/>
-          <a:ln w="50800" cap="flat" cmpd="sng">
-            <a:solidFill>
-              <a:srgbClr val="152932"/>
-            </a:solidFill>
-            <a:prstDash val="solid"/>
-            <a:round/>
-            <a:headEnd type="none" w="sm" len="sm"/>
-            <a:tailEnd type="none" w="sm" len="sm"/>
-          </a:ln>
-          <a:effectLst>
-            <a:outerShdw blurRad="38100" dist="20000" dir="5400000" rotWithShape="0">
-              <a:srgbClr val="000000">
-                <a:alpha val="37647"/>
-              </a:srgbClr>
-            </a:outerShdw>
-          </a:effectLst>
-        </p:spPr>
-      </p:cxnSp>
-      <p:sp>
-        <p:nvSpPr>
-          <p:cNvPr id="12" name="Google Shape;552;p38">
-            <a:extLst>
-              <a:ext uri="{FF2B5EF4-FFF2-40B4-BE49-F238E27FC236}">
-                <a16:creationId xmlns:a16="http://schemas.microsoft.com/office/drawing/2014/main" id="{9B54F0C9-A32D-4835-BEEB-DE30118B1A58}"/>
-              </a:ext>
-            </a:extLst>
-          </p:cNvPr>
-          <p:cNvSpPr/>
-          <p:nvPr/>
-        </p:nvSpPr>
-        <p:spPr>
-          <a:xfrm>
-            <a:off x="222250" y="6061719"/>
-            <a:ext cx="1047701" cy="590651"/>
-          </a:xfrm>
-          <a:prstGeom prst="rect">
-            <a:avLst/>
-          </a:prstGeom>
-          <a:solidFill>
-            <a:srgbClr val="FFFFFF"/>
-          </a:solidFill>
-          <a:ln w="50800" cap="flat" cmpd="sng">
-            <a:solidFill>
-              <a:schemeClr val="accent3"/>
-            </a:solidFill>
-            <a:prstDash val="solid"/>
-            <a:round/>
-            <a:headEnd type="none" w="sm" len="sm"/>
-            <a:tailEnd type="none" w="sm" len="sm"/>
-          </a:ln>
-          <a:effectLst>
-            <a:outerShdw blurRad="38100" dist="23000" dir="5400000" rotWithShape="0">
-              <a:srgbClr val="000000">
-                <a:alpha val="34901"/>
-              </a:srgbClr>
-            </a:outerShdw>
-          </a:effectLst>
-        </p:spPr>
-        <p:txBody>
-          <a:bodyPr spcFirstLastPara="1" wrap="square" lIns="45700" tIns="45700" rIns="45700" bIns="45700" anchor="ctr" anchorCtr="0">
-            <a:noAutofit/>
-          </a:bodyPr>
-          <a:lstStyle/>
-          <a:p>
-            <a:pPr marL="0" marR="0" lvl="0" indent="0" algn="ctr" rtl="0">
-              <a:lnSpc>
-                <a:spcPct val="100000"/>
-              </a:lnSpc>
-              <a:spcBef>
-                <a:spcPts val="0"/>
-              </a:spcBef>
-              <a:spcAft>
-                <a:spcPts val="0"/>
-              </a:spcAft>
-              <a:buClr>
-                <a:srgbClr val="000000"/>
-              </a:buClr>
-              <a:buSzPts val="1800"/>
-              <a:buFont typeface="Cabin"/>
-              <a:buNone/>
-            </a:pPr>
-            <a:r>
-              <a:rPr lang="en-CA" sz="1800" b="0" i="0" u="none" strike="noStrike" cap="none">
-                <a:latin typeface="Cabin"/>
-                <a:ea typeface="Cabin"/>
-                <a:cs typeface="Cabin"/>
-                <a:sym typeface="Cabin"/>
-              </a:rPr>
-              <a:t>Problem</a:t>
-            </a:r>
-            <a:endParaRPr/>
-          </a:p>
-        </p:txBody>
-      </p:sp>
-      <p:sp>
-        <p:nvSpPr>
-          <p:cNvPr id="14" name="Google Shape;554;p38">
-            <a:extLst>
-              <a:ext uri="{FF2B5EF4-FFF2-40B4-BE49-F238E27FC236}">
-                <a16:creationId xmlns:a16="http://schemas.microsoft.com/office/drawing/2014/main" id="{F8FC21C3-3A88-4E5A-9E3E-852E6451A28D}"/>
-              </a:ext>
-            </a:extLst>
-          </p:cNvPr>
-          <p:cNvSpPr/>
-          <p:nvPr/>
-        </p:nvSpPr>
-        <p:spPr>
-          <a:xfrm>
-            <a:off x="2034261" y="6061719"/>
-            <a:ext cx="2107506" cy="590651"/>
-          </a:xfrm>
-          <a:prstGeom prst="rect">
-            <a:avLst/>
-          </a:prstGeom>
-          <a:solidFill>
-            <a:srgbClr val="FFFFFF"/>
-          </a:solidFill>
-          <a:ln w="50800" cap="flat" cmpd="sng">
-            <a:solidFill>
-              <a:srgbClr val="152932"/>
-            </a:solidFill>
-            <a:prstDash val="solid"/>
-            <a:round/>
-            <a:headEnd type="none" w="sm" len="sm"/>
-            <a:tailEnd type="none" w="sm" len="sm"/>
-          </a:ln>
-          <a:effectLst>
-            <a:outerShdw blurRad="38100" dist="23000" dir="5400000" rotWithShape="0">
-              <a:srgbClr val="000000">
-                <a:alpha val="34901"/>
-              </a:srgbClr>
-            </a:outerShdw>
-          </a:effectLst>
-        </p:spPr>
-        <p:txBody>
-          <a:bodyPr spcFirstLastPara="1" wrap="square" lIns="45700" tIns="45700" rIns="45700" bIns="45700" anchor="ctr" anchorCtr="0">
-            <a:noAutofit/>
-          </a:bodyPr>
-          <a:lstStyle/>
-          <a:p>
-            <a:pPr marL="0" marR="0" lvl="0" indent="0" algn="ctr" rtl="0">
-              <a:lnSpc>
-                <a:spcPct val="100000"/>
-              </a:lnSpc>
-              <a:spcBef>
-                <a:spcPts val="0"/>
-              </a:spcBef>
-              <a:spcAft>
-                <a:spcPts val="0"/>
-              </a:spcAft>
-              <a:buClr>
-                <a:srgbClr val="000000"/>
-              </a:buClr>
-              <a:buSzPts val="1800"/>
-              <a:buFont typeface="Cabin"/>
-              <a:buNone/>
-            </a:pPr>
-            <a:r>
-              <a:rPr lang="en-CA" sz="1800" b="0" i="0" u="none" strike="noStrike" cap="none" dirty="0">
-                <a:solidFill>
-                  <a:srgbClr val="000000"/>
-                </a:solidFill>
-                <a:latin typeface="Cabin"/>
-                <a:ea typeface="Cabin"/>
-                <a:cs typeface="Cabin"/>
-                <a:sym typeface="Cabin"/>
-              </a:rPr>
-              <a:t>Solution</a:t>
-            </a:r>
-            <a:endParaRPr dirty="0"/>
-          </a:p>
-        </p:txBody>
-      </p:sp>
-      <p:sp>
-        <p:nvSpPr>
-          <p:cNvPr id="15" name="Google Shape;555;p38">
-            <a:extLst>
-              <a:ext uri="{FF2B5EF4-FFF2-40B4-BE49-F238E27FC236}">
-                <a16:creationId xmlns:a16="http://schemas.microsoft.com/office/drawing/2014/main" id="{A69F5845-7429-4E06-8FD1-FA0E3046780F}"/>
-              </a:ext>
-            </a:extLst>
-          </p:cNvPr>
-          <p:cNvSpPr/>
-          <p:nvPr/>
-        </p:nvSpPr>
-        <p:spPr>
-          <a:xfrm>
-            <a:off x="4833222" y="6061719"/>
-            <a:ext cx="2107506" cy="590651"/>
-          </a:xfrm>
-          <a:prstGeom prst="rect">
-            <a:avLst/>
-          </a:prstGeom>
-          <a:solidFill>
-            <a:srgbClr val="FFFFFF"/>
-          </a:solidFill>
-          <a:ln w="50800" cap="flat" cmpd="sng">
-            <a:solidFill>
-              <a:srgbClr val="152932"/>
-            </a:solidFill>
-            <a:prstDash val="solid"/>
-            <a:round/>
-            <a:headEnd type="none" w="sm" len="sm"/>
-            <a:tailEnd type="none" w="sm" len="sm"/>
-          </a:ln>
-          <a:effectLst>
-            <a:outerShdw blurRad="38100" dist="23000" dir="5400000" rotWithShape="0">
-              <a:srgbClr val="000000">
-                <a:alpha val="34901"/>
-              </a:srgbClr>
-            </a:outerShdw>
-          </a:effectLst>
-        </p:spPr>
-        <p:txBody>
-          <a:bodyPr spcFirstLastPara="1" wrap="square" lIns="45700" tIns="45700" rIns="45700" bIns="45700" anchor="ctr" anchorCtr="0">
-            <a:noAutofit/>
-          </a:bodyPr>
-          <a:lstStyle/>
-          <a:p>
-            <a:pPr marL="0" marR="0" lvl="0" indent="0" algn="ctr" rtl="0">
-              <a:lnSpc>
-                <a:spcPct val="100000"/>
-              </a:lnSpc>
-              <a:spcBef>
-                <a:spcPts val="0"/>
-              </a:spcBef>
-              <a:spcAft>
-                <a:spcPts val="0"/>
-              </a:spcAft>
-              <a:buClr>
-                <a:srgbClr val="000000"/>
-              </a:buClr>
-              <a:buSzPts val="1800"/>
-              <a:buFont typeface="Cabin"/>
-              <a:buNone/>
-            </a:pPr>
-            <a:r>
-              <a:rPr lang="en-CA" sz="1800" b="0" i="0" u="none" strike="noStrike" cap="none" dirty="0">
-                <a:solidFill>
-                  <a:srgbClr val="000000"/>
-                </a:solidFill>
-                <a:latin typeface="Cabin"/>
-                <a:ea typeface="Cabin"/>
-                <a:cs typeface="Cabin"/>
-                <a:sym typeface="Cabin"/>
-              </a:rPr>
-              <a:t>Proof of Concept</a:t>
-            </a:r>
-            <a:endParaRPr dirty="0"/>
-          </a:p>
-        </p:txBody>
-      </p:sp>
-      <p:sp>
-        <p:nvSpPr>
-          <p:cNvPr id="16" name="Google Shape;556;p38">
-            <a:extLst>
-              <a:ext uri="{FF2B5EF4-FFF2-40B4-BE49-F238E27FC236}">
-                <a16:creationId xmlns:a16="http://schemas.microsoft.com/office/drawing/2014/main" id="{A3456817-159A-479B-B6BC-042071430FEF}"/>
-              </a:ext>
-            </a:extLst>
-          </p:cNvPr>
-          <p:cNvSpPr/>
-          <p:nvPr/>
-        </p:nvSpPr>
-        <p:spPr>
-          <a:xfrm>
-            <a:off x="7790160" y="6061719"/>
-            <a:ext cx="1574205" cy="590651"/>
-          </a:xfrm>
-          <a:prstGeom prst="rect">
-            <a:avLst/>
-          </a:prstGeom>
-          <a:solidFill>
-            <a:srgbClr val="FFFFFF"/>
-          </a:solidFill>
-          <a:ln w="50800" cap="flat" cmpd="sng">
-            <a:solidFill>
-              <a:srgbClr val="152932"/>
-            </a:solidFill>
-            <a:prstDash val="solid"/>
-            <a:round/>
-            <a:headEnd type="none" w="sm" len="sm"/>
-            <a:tailEnd type="none" w="sm" len="sm"/>
-          </a:ln>
-          <a:effectLst>
-            <a:outerShdw blurRad="38100" dist="23000" dir="5400000" rotWithShape="0">
-              <a:srgbClr val="000000">
-                <a:alpha val="34901"/>
-              </a:srgbClr>
-            </a:outerShdw>
-          </a:effectLst>
-        </p:spPr>
-        <p:txBody>
-          <a:bodyPr spcFirstLastPara="1" wrap="square" lIns="45700" tIns="45700" rIns="45700" bIns="45700" anchor="ctr" anchorCtr="0">
-            <a:noAutofit/>
-          </a:bodyPr>
-          <a:lstStyle/>
-          <a:p>
-            <a:pPr marL="0" marR="0" lvl="0" indent="0" algn="ctr" rtl="0">
-              <a:lnSpc>
-                <a:spcPct val="100000"/>
-              </a:lnSpc>
-              <a:spcBef>
-                <a:spcPts val="0"/>
-              </a:spcBef>
-              <a:spcAft>
-                <a:spcPts val="0"/>
-              </a:spcAft>
-              <a:buClr>
-                <a:srgbClr val="000000"/>
-              </a:buClr>
-              <a:buSzPts val="1800"/>
-              <a:buFont typeface="Cabin"/>
-              <a:buNone/>
-            </a:pPr>
-            <a:r>
-              <a:rPr lang="en-CA" sz="1800" b="0" i="0" u="none" strike="noStrike" cap="none">
-                <a:solidFill>
-                  <a:srgbClr val="000000"/>
-                </a:solidFill>
-                <a:latin typeface="Cabin"/>
-                <a:ea typeface="Cabin"/>
-                <a:cs typeface="Cabin"/>
-                <a:sym typeface="Cabin"/>
-              </a:rPr>
-              <a:t>Pros &amp; Cons</a:t>
-            </a:r>
-            <a:endParaRPr/>
-          </a:p>
-        </p:txBody>
-      </p:sp>
-      <p:sp>
-        <p:nvSpPr>
-          <p:cNvPr id="17" name="Google Shape;557;p38">
-            <a:extLst>
-              <a:ext uri="{FF2B5EF4-FFF2-40B4-BE49-F238E27FC236}">
-                <a16:creationId xmlns:a16="http://schemas.microsoft.com/office/drawing/2014/main" id="{E3AE9149-B3CE-4F92-AA77-B583AB97937C}"/>
-              </a:ext>
-            </a:extLst>
-          </p:cNvPr>
-          <p:cNvSpPr/>
-          <p:nvPr/>
-        </p:nvSpPr>
-        <p:spPr>
-          <a:xfrm>
-            <a:off x="10213797" y="6061719"/>
-            <a:ext cx="1279873" cy="590651"/>
-          </a:xfrm>
-          <a:prstGeom prst="rect">
-            <a:avLst/>
-          </a:prstGeom>
-          <a:solidFill>
-            <a:srgbClr val="FFFFFF"/>
-          </a:solidFill>
-          <a:ln w="50800" cap="flat" cmpd="sng">
-            <a:solidFill>
-              <a:srgbClr val="152932"/>
-            </a:solidFill>
-            <a:prstDash val="solid"/>
-            <a:round/>
-            <a:headEnd type="none" w="sm" len="sm"/>
-            <a:tailEnd type="none" w="sm" len="sm"/>
-          </a:ln>
-          <a:effectLst>
-            <a:outerShdw blurRad="38100" dist="23000" dir="5400000" rotWithShape="0">
-              <a:srgbClr val="000000">
-                <a:alpha val="34901"/>
-              </a:srgbClr>
-            </a:outerShdw>
-          </a:effectLst>
-        </p:spPr>
-        <p:txBody>
-          <a:bodyPr spcFirstLastPara="1" wrap="square" lIns="45700" tIns="45700" rIns="45700" bIns="45700" anchor="ctr" anchorCtr="0">
-            <a:noAutofit/>
-          </a:bodyPr>
-          <a:lstStyle/>
-          <a:p>
-            <a:pPr marL="0" marR="0" lvl="0" indent="0" algn="ctr" rtl="0">
-              <a:lnSpc>
-                <a:spcPct val="100000"/>
-              </a:lnSpc>
-              <a:spcBef>
-                <a:spcPts val="0"/>
-              </a:spcBef>
-              <a:spcAft>
-                <a:spcPts val="0"/>
-              </a:spcAft>
-              <a:buClr>
-                <a:srgbClr val="000000"/>
-              </a:buClr>
-              <a:buSzPts val="1800"/>
-              <a:buFont typeface="Cabin"/>
-              <a:buNone/>
-            </a:pPr>
-            <a:r>
-              <a:rPr lang="en-CA" sz="1800" b="0" i="0" u="none" strike="noStrike" cap="none">
-                <a:solidFill>
-                  <a:srgbClr val="000000"/>
-                </a:solidFill>
-                <a:latin typeface="Cabin"/>
-                <a:ea typeface="Cabin"/>
-                <a:cs typeface="Cabin"/>
-                <a:sym typeface="Cabin"/>
-              </a:rPr>
-              <a:t>Conclusion</a:t>
-            </a:r>
-            <a:endParaRPr/>
+              <a:t>Recipes don’t exactly match with what you have</a:t>
+            </a:r>
+          </a:p>
+          <a:p>
+            <a:r>
+              <a:rPr lang="en-CA" dirty="0"/>
+              <a:t>New to cooking</a:t>
+            </a:r>
+          </a:p>
+          <a:p>
+            <a:r>
+              <a:rPr lang="en-CA" dirty="0"/>
+              <a:t>Paradox of choice	</a:t>
+            </a:r>
           </a:p>
         </p:txBody>
       </p:sp>
@@ -6898,7 +6449,11 @@
           <a:lstStyle/>
           <a:p>
             <a:r>
-              <a:rPr lang="en-CA" dirty="0"/>
+              <a:rPr lang="en-CA" dirty="0">
+                <a:solidFill>
+                  <a:srgbClr val="6EAB9E"/>
+                </a:solidFill>
+              </a:rPr>
               <a:t>Solution</a:t>
             </a:r>
           </a:p>
@@ -6927,7 +6482,7 @@
           <a:p>
             <a:r>
               <a:rPr lang="en-CA" dirty="0"/>
-              <a:t>Create application to identify food items and recommend recipes based on what items user has inputted</a:t>
+              <a:t>Application that curates recipes based on ingredients you have</a:t>
             </a:r>
           </a:p>
           <a:p>
@@ -6942,436 +6497,14 @@
               <a:t>Increases everyday efficiency</a:t>
             </a:r>
           </a:p>
-        </p:txBody>
-      </p:sp>
-      <p:cxnSp>
-        <p:nvCxnSpPr>
-          <p:cNvPr id="11" name="Google Shape;551;p38">
-            <a:extLst>
-              <a:ext uri="{FF2B5EF4-FFF2-40B4-BE49-F238E27FC236}">
-                <a16:creationId xmlns:a16="http://schemas.microsoft.com/office/drawing/2014/main" id="{00D454FC-D2C6-4469-BAA4-E91192CB4041}"/>
-              </a:ext>
-            </a:extLst>
-          </p:cNvPr>
-          <p:cNvCxnSpPr/>
-          <p:nvPr/>
-        </p:nvCxnSpPr>
-        <p:spPr>
-          <a:xfrm>
-            <a:off x="-96709" y="6357044"/>
-            <a:ext cx="12281834" cy="1"/>
-          </a:xfrm>
-          <a:prstGeom prst="straightConnector1">
-            <a:avLst/>
-          </a:prstGeom>
-          <a:noFill/>
-          <a:ln w="50800" cap="flat" cmpd="sng">
-            <a:solidFill>
-              <a:srgbClr val="152932"/>
-            </a:solidFill>
-            <a:prstDash val="solid"/>
-            <a:round/>
-            <a:headEnd type="none" w="sm" len="sm"/>
-            <a:tailEnd type="none" w="sm" len="sm"/>
-          </a:ln>
-          <a:effectLst>
-            <a:outerShdw blurRad="38100" dist="20000" dir="5400000" rotWithShape="0">
-              <a:srgbClr val="000000">
-                <a:alpha val="37647"/>
-              </a:srgbClr>
-            </a:outerShdw>
-          </a:effectLst>
-        </p:spPr>
-      </p:cxnSp>
-      <p:sp>
-        <p:nvSpPr>
-          <p:cNvPr id="12" name="Google Shape;552;p38">
-            <a:extLst>
-              <a:ext uri="{FF2B5EF4-FFF2-40B4-BE49-F238E27FC236}">
-                <a16:creationId xmlns:a16="http://schemas.microsoft.com/office/drawing/2014/main" id="{9B54F0C9-A32D-4835-BEEB-DE30118B1A58}"/>
-              </a:ext>
-            </a:extLst>
-          </p:cNvPr>
-          <p:cNvSpPr/>
-          <p:nvPr/>
-        </p:nvSpPr>
-        <p:spPr>
-          <a:xfrm>
-            <a:off x="222250" y="6061719"/>
-            <a:ext cx="1047701" cy="590651"/>
-          </a:xfrm>
-          <a:prstGeom prst="rect">
-            <a:avLst/>
-          </a:prstGeom>
-          <a:solidFill>
-            <a:srgbClr val="FFFFFF"/>
-          </a:solidFill>
-          <a:ln w="50800" cap="flat" cmpd="sng">
-            <a:solidFill>
-              <a:schemeClr val="tx1"/>
-            </a:solidFill>
-            <a:prstDash val="solid"/>
-            <a:round/>
-            <a:headEnd type="none" w="sm" len="sm"/>
-            <a:tailEnd type="none" w="sm" len="sm"/>
-          </a:ln>
-          <a:effectLst>
-            <a:outerShdw blurRad="38100" dist="23000" dir="5400000" rotWithShape="0">
-              <a:srgbClr val="000000">
-                <a:alpha val="34901"/>
-              </a:srgbClr>
-            </a:outerShdw>
-          </a:effectLst>
-        </p:spPr>
-        <p:txBody>
-          <a:bodyPr spcFirstLastPara="1" wrap="square" lIns="45700" tIns="45700" rIns="45700" bIns="45700" anchor="ctr" anchorCtr="0">
-            <a:noAutofit/>
-          </a:bodyPr>
-          <a:lstStyle/>
-          <a:p>
-            <a:pPr marL="0" marR="0" lvl="0" indent="0" algn="ctr" rtl="0">
-              <a:lnSpc>
-                <a:spcPct val="100000"/>
-              </a:lnSpc>
-              <a:spcBef>
-                <a:spcPts val="0"/>
-              </a:spcBef>
-              <a:spcAft>
-                <a:spcPts val="0"/>
-              </a:spcAft>
-              <a:buClr>
-                <a:srgbClr val="000000"/>
-              </a:buClr>
-              <a:buSzPts val="1800"/>
-              <a:buFont typeface="Cabin"/>
-              <a:buNone/>
-            </a:pPr>
-            <a:r>
-              <a:rPr lang="en-CA" sz="1800" b="0" i="0" u="none" strike="noStrike" cap="none">
-                <a:latin typeface="Cabin"/>
-                <a:ea typeface="Cabin"/>
-                <a:cs typeface="Cabin"/>
-                <a:sym typeface="Cabin"/>
-              </a:rPr>
-              <a:t>Problem</a:t>
-            </a:r>
-            <a:endParaRPr/>
-          </a:p>
-        </p:txBody>
-      </p:sp>
-      <p:sp>
-        <p:nvSpPr>
-          <p:cNvPr id="14" name="Google Shape;554;p38">
-            <a:extLst>
-              <a:ext uri="{FF2B5EF4-FFF2-40B4-BE49-F238E27FC236}">
-                <a16:creationId xmlns:a16="http://schemas.microsoft.com/office/drawing/2014/main" id="{F8FC21C3-3A88-4E5A-9E3E-852E6451A28D}"/>
-              </a:ext>
-            </a:extLst>
-          </p:cNvPr>
-          <p:cNvSpPr/>
-          <p:nvPr/>
-        </p:nvSpPr>
-        <p:spPr>
-          <a:xfrm>
-            <a:off x="2034261" y="6061719"/>
-            <a:ext cx="2107506" cy="590651"/>
-          </a:xfrm>
-          <a:prstGeom prst="rect">
-            <a:avLst/>
-          </a:prstGeom>
-          <a:solidFill>
-            <a:srgbClr val="FFFFFF"/>
-          </a:solidFill>
-          <a:ln w="50800" cap="flat" cmpd="sng">
-            <a:solidFill>
-              <a:schemeClr val="accent3"/>
-            </a:solidFill>
-            <a:prstDash val="solid"/>
-            <a:round/>
-            <a:headEnd type="none" w="sm" len="sm"/>
-            <a:tailEnd type="none" w="sm" len="sm"/>
-          </a:ln>
-          <a:effectLst>
-            <a:outerShdw blurRad="38100" dist="23000" dir="5400000" rotWithShape="0">
-              <a:srgbClr val="000000">
-                <a:alpha val="34901"/>
-              </a:srgbClr>
-            </a:outerShdw>
-          </a:effectLst>
-        </p:spPr>
-        <p:txBody>
-          <a:bodyPr spcFirstLastPara="1" wrap="square" lIns="45700" tIns="45700" rIns="45700" bIns="45700" anchor="ctr" anchorCtr="0">
-            <a:noAutofit/>
-          </a:bodyPr>
-          <a:lstStyle/>
-          <a:p>
-            <a:pPr marL="0" marR="0" lvl="0" indent="0" algn="ctr" rtl="0">
-              <a:lnSpc>
-                <a:spcPct val="100000"/>
-              </a:lnSpc>
-              <a:spcBef>
-                <a:spcPts val="0"/>
-              </a:spcBef>
-              <a:spcAft>
-                <a:spcPts val="0"/>
-              </a:spcAft>
-              <a:buClr>
-                <a:srgbClr val="000000"/>
-              </a:buClr>
-              <a:buSzPts val="1800"/>
-              <a:buFont typeface="Cabin"/>
-              <a:buNone/>
-            </a:pPr>
-            <a:r>
-              <a:rPr lang="en-CA" sz="1800" b="0" i="0" u="none" strike="noStrike" cap="none" dirty="0">
-                <a:solidFill>
-                  <a:srgbClr val="000000"/>
-                </a:solidFill>
-                <a:latin typeface="Cabin"/>
-                <a:ea typeface="Cabin"/>
-                <a:cs typeface="Cabin"/>
-                <a:sym typeface="Cabin"/>
-              </a:rPr>
-              <a:t>Solution</a:t>
-            </a:r>
-            <a:endParaRPr dirty="0"/>
-          </a:p>
-        </p:txBody>
-      </p:sp>
-      <p:sp>
-        <p:nvSpPr>
-          <p:cNvPr id="15" name="Google Shape;555;p38">
-            <a:extLst>
-              <a:ext uri="{FF2B5EF4-FFF2-40B4-BE49-F238E27FC236}">
-                <a16:creationId xmlns:a16="http://schemas.microsoft.com/office/drawing/2014/main" id="{A69F5845-7429-4E06-8FD1-FA0E3046780F}"/>
-              </a:ext>
-            </a:extLst>
-          </p:cNvPr>
-          <p:cNvSpPr/>
-          <p:nvPr/>
-        </p:nvSpPr>
-        <p:spPr>
-          <a:xfrm>
-            <a:off x="4833222" y="6061719"/>
-            <a:ext cx="2107506" cy="590651"/>
-          </a:xfrm>
-          <a:prstGeom prst="rect">
-            <a:avLst/>
-          </a:prstGeom>
-          <a:solidFill>
-            <a:srgbClr val="FFFFFF"/>
-          </a:solidFill>
-          <a:ln w="50800" cap="flat" cmpd="sng">
-            <a:solidFill>
-              <a:srgbClr val="152932"/>
-            </a:solidFill>
-            <a:prstDash val="solid"/>
-            <a:round/>
-            <a:headEnd type="none" w="sm" len="sm"/>
-            <a:tailEnd type="none" w="sm" len="sm"/>
-          </a:ln>
-          <a:effectLst>
-            <a:outerShdw blurRad="38100" dist="23000" dir="5400000" rotWithShape="0">
-              <a:srgbClr val="000000">
-                <a:alpha val="34901"/>
-              </a:srgbClr>
-            </a:outerShdw>
-          </a:effectLst>
-        </p:spPr>
-        <p:txBody>
-          <a:bodyPr spcFirstLastPara="1" wrap="square" lIns="45700" tIns="45700" rIns="45700" bIns="45700" anchor="ctr" anchorCtr="0">
-            <a:noAutofit/>
-          </a:bodyPr>
-          <a:lstStyle/>
-          <a:p>
-            <a:pPr marL="0" marR="0" lvl="0" indent="0" algn="ctr" rtl="0">
-              <a:lnSpc>
-                <a:spcPct val="100000"/>
-              </a:lnSpc>
-              <a:spcBef>
-                <a:spcPts val="0"/>
-              </a:spcBef>
-              <a:spcAft>
-                <a:spcPts val="0"/>
-              </a:spcAft>
-              <a:buClr>
-                <a:srgbClr val="000000"/>
-              </a:buClr>
-              <a:buSzPts val="1800"/>
-              <a:buFont typeface="Cabin"/>
-              <a:buNone/>
-            </a:pPr>
-            <a:r>
-              <a:rPr lang="en-CA" sz="1800" b="0" i="0" u="none" strike="noStrike" cap="none" dirty="0">
-                <a:solidFill>
-                  <a:srgbClr val="000000"/>
-                </a:solidFill>
-                <a:latin typeface="Cabin"/>
-                <a:ea typeface="Cabin"/>
-                <a:cs typeface="Cabin"/>
-                <a:sym typeface="Cabin"/>
-              </a:rPr>
-              <a:t>Proof of Concept</a:t>
-            </a:r>
-            <a:endParaRPr dirty="0"/>
-          </a:p>
-        </p:txBody>
-      </p:sp>
-      <p:sp>
-        <p:nvSpPr>
-          <p:cNvPr id="16" name="Google Shape;556;p38">
-            <a:extLst>
-              <a:ext uri="{FF2B5EF4-FFF2-40B4-BE49-F238E27FC236}">
-                <a16:creationId xmlns:a16="http://schemas.microsoft.com/office/drawing/2014/main" id="{A3456817-159A-479B-B6BC-042071430FEF}"/>
-              </a:ext>
-            </a:extLst>
-          </p:cNvPr>
-          <p:cNvSpPr/>
-          <p:nvPr/>
-        </p:nvSpPr>
-        <p:spPr>
-          <a:xfrm>
-            <a:off x="7790160" y="6061719"/>
-            <a:ext cx="1574205" cy="590651"/>
-          </a:xfrm>
-          <a:prstGeom prst="rect">
-            <a:avLst/>
-          </a:prstGeom>
-          <a:solidFill>
-            <a:srgbClr val="FFFFFF"/>
-          </a:solidFill>
-          <a:ln w="50800" cap="flat" cmpd="sng">
-            <a:solidFill>
-              <a:srgbClr val="152932"/>
-            </a:solidFill>
-            <a:prstDash val="solid"/>
-            <a:round/>
-            <a:headEnd type="none" w="sm" len="sm"/>
-            <a:tailEnd type="none" w="sm" len="sm"/>
-          </a:ln>
-          <a:effectLst>
-            <a:outerShdw blurRad="38100" dist="23000" dir="5400000" rotWithShape="0">
-              <a:srgbClr val="000000">
-                <a:alpha val="34901"/>
-              </a:srgbClr>
-            </a:outerShdw>
-          </a:effectLst>
-        </p:spPr>
-        <p:txBody>
-          <a:bodyPr spcFirstLastPara="1" wrap="square" lIns="45700" tIns="45700" rIns="45700" bIns="45700" anchor="ctr" anchorCtr="0">
-            <a:noAutofit/>
-          </a:bodyPr>
-          <a:lstStyle/>
-          <a:p>
-            <a:pPr marL="0" marR="0" lvl="0" indent="0" algn="ctr" rtl="0">
-              <a:lnSpc>
-                <a:spcPct val="100000"/>
-              </a:lnSpc>
-              <a:spcBef>
-                <a:spcPts val="0"/>
-              </a:spcBef>
-              <a:spcAft>
-                <a:spcPts val="0"/>
-              </a:spcAft>
-              <a:buClr>
-                <a:srgbClr val="000000"/>
-              </a:buClr>
-              <a:buSzPts val="1800"/>
-              <a:buFont typeface="Cabin"/>
-              <a:buNone/>
-            </a:pPr>
-            <a:r>
-              <a:rPr lang="en-CA" sz="1800" b="0" i="0" u="none" strike="noStrike" cap="none">
-                <a:solidFill>
-                  <a:srgbClr val="000000"/>
-                </a:solidFill>
-                <a:latin typeface="Cabin"/>
-                <a:ea typeface="Cabin"/>
-                <a:cs typeface="Cabin"/>
-                <a:sym typeface="Cabin"/>
-              </a:rPr>
-              <a:t>Pros &amp; Cons</a:t>
-            </a:r>
-            <a:endParaRPr/>
-          </a:p>
-        </p:txBody>
-      </p:sp>
-      <p:sp>
-        <p:nvSpPr>
-          <p:cNvPr id="17" name="Google Shape;557;p38">
-            <a:extLst>
-              <a:ext uri="{FF2B5EF4-FFF2-40B4-BE49-F238E27FC236}">
-                <a16:creationId xmlns:a16="http://schemas.microsoft.com/office/drawing/2014/main" id="{E3AE9149-B3CE-4F92-AA77-B583AB97937C}"/>
-              </a:ext>
-            </a:extLst>
-          </p:cNvPr>
-          <p:cNvSpPr/>
-          <p:nvPr/>
-        </p:nvSpPr>
-        <p:spPr>
-          <a:xfrm>
-            <a:off x="10213797" y="6061719"/>
-            <a:ext cx="1279873" cy="590651"/>
-          </a:xfrm>
-          <a:prstGeom prst="rect">
-            <a:avLst/>
-          </a:prstGeom>
-          <a:solidFill>
-            <a:srgbClr val="FFFFFF"/>
-          </a:solidFill>
-          <a:ln w="50800" cap="flat" cmpd="sng">
-            <a:solidFill>
-              <a:srgbClr val="152932"/>
-            </a:solidFill>
-            <a:prstDash val="solid"/>
-            <a:round/>
-            <a:headEnd type="none" w="sm" len="sm"/>
-            <a:tailEnd type="none" w="sm" len="sm"/>
-          </a:ln>
-          <a:effectLst>
-            <a:outerShdw blurRad="38100" dist="23000" dir="5400000" rotWithShape="0">
-              <a:srgbClr val="000000">
-                <a:alpha val="34901"/>
-              </a:srgbClr>
-            </a:outerShdw>
-          </a:effectLst>
-        </p:spPr>
-        <p:txBody>
-          <a:bodyPr spcFirstLastPara="1" wrap="square" lIns="45700" tIns="45700" rIns="45700" bIns="45700" anchor="ctr" anchorCtr="0">
-            <a:noAutofit/>
-          </a:bodyPr>
-          <a:lstStyle/>
-          <a:p>
-            <a:pPr marL="0" marR="0" lvl="0" indent="0" algn="ctr" rtl="0">
-              <a:lnSpc>
-                <a:spcPct val="100000"/>
-              </a:lnSpc>
-              <a:spcBef>
-                <a:spcPts val="0"/>
-              </a:spcBef>
-              <a:spcAft>
-                <a:spcPts val="0"/>
-              </a:spcAft>
-              <a:buClr>
-                <a:srgbClr val="000000"/>
-              </a:buClr>
-              <a:buSzPts val="1800"/>
-              <a:buFont typeface="Cabin"/>
-              <a:buNone/>
-            </a:pPr>
-            <a:r>
-              <a:rPr lang="en-CA" sz="1800" b="0" i="0" u="none" strike="noStrike" cap="none">
-                <a:solidFill>
-                  <a:srgbClr val="000000"/>
-                </a:solidFill>
-                <a:latin typeface="Cabin"/>
-                <a:ea typeface="Cabin"/>
-                <a:cs typeface="Cabin"/>
-                <a:sym typeface="Cabin"/>
-              </a:rPr>
-              <a:t>Conclusion</a:t>
-            </a:r>
-            <a:endParaRPr/>
+          <a:p>
+            <a:r>
+              <a:rPr lang="en-CA" dirty="0"/>
+              <a:t>Narrows down options</a:t>
+            </a:r>
+          </a:p>
+          <a:p>
+            <a:endParaRPr lang="en-CA" dirty="0"/>
           </a:p>
         </p:txBody>
       </p:sp>
@@ -7410,7 +6543,7 @@
           <p:cNvPr id="2" name="Title 1">
             <a:extLst>
               <a:ext uri="{FF2B5EF4-FFF2-40B4-BE49-F238E27FC236}">
-                <a16:creationId xmlns:a16="http://schemas.microsoft.com/office/drawing/2014/main" id="{3D8A8229-B919-4DE1-8B42-662F447087D8}"/>
+                <a16:creationId xmlns:a16="http://schemas.microsoft.com/office/drawing/2014/main" id="{488FC89E-2809-4E59-88DD-B40FFCC4A3EC}"/>
               </a:ext>
             </a:extLst>
           </p:cNvPr>
@@ -7421,14 +6554,23 @@
             <p:ph type="title"/>
           </p:nvPr>
         </p:nvSpPr>
-        <p:spPr/>
+        <p:spPr>
+          <a:xfrm>
+            <a:off x="677334" y="636233"/>
+            <a:ext cx="8596668" cy="1320800"/>
+          </a:xfrm>
+        </p:spPr>
         <p:txBody>
           <a:bodyPr/>
           <a:lstStyle/>
           <a:p>
             <a:r>
-              <a:rPr lang="en-CA" dirty="0"/>
-              <a:t>Proof of Concept</a:t>
+              <a:rPr lang="en-CA" dirty="0">
+                <a:solidFill>
+                  <a:srgbClr val="6EAB9E"/>
+                </a:solidFill>
+              </a:rPr>
+              <a:t>Target</a:t>
             </a:r>
           </a:p>
         </p:txBody>
@@ -7438,7 +6580,7 @@
           <p:cNvPr id="3" name="Content Placeholder 2">
             <a:extLst>
               <a:ext uri="{FF2B5EF4-FFF2-40B4-BE49-F238E27FC236}">
-                <a16:creationId xmlns:a16="http://schemas.microsoft.com/office/drawing/2014/main" id="{FC39B452-A830-4CA3-8B16-56BDDA0778C7}"/>
+                <a16:creationId xmlns:a16="http://schemas.microsoft.com/office/drawing/2014/main" id="{04EEDD99-C480-4346-AC48-543D54422116}"/>
               </a:ext>
             </a:extLst>
           </p:cNvPr>
@@ -7454,445 +6596,41 @@
           <a:bodyPr/>
           <a:lstStyle/>
           <a:p>
+            <a:r>
+              <a:rPr lang="en-CA" dirty="0"/>
+              <a:t>Beginner cooks</a:t>
+            </a:r>
+          </a:p>
+          <a:p>
+            <a:r>
+              <a:rPr lang="en-CA" dirty="0"/>
+              <a:t>Intermediate cooks</a:t>
+            </a:r>
+          </a:p>
+          <a:p>
+            <a:r>
+              <a:rPr lang="en-CA" dirty="0"/>
+              <a:t>Busy and indecisive people</a:t>
+            </a:r>
+          </a:p>
+          <a:p>
             <a:endParaRPr lang="en-CA" dirty="0"/>
           </a:p>
-        </p:txBody>
-      </p:sp>
-      <p:cxnSp>
-        <p:nvCxnSpPr>
-          <p:cNvPr id="19" name="Google Shape;551;p38">
-            <a:extLst>
-              <a:ext uri="{FF2B5EF4-FFF2-40B4-BE49-F238E27FC236}">
-                <a16:creationId xmlns:a16="http://schemas.microsoft.com/office/drawing/2014/main" id="{6D27A063-7400-42EA-A419-A2A56D4AF069}"/>
-              </a:ext>
-            </a:extLst>
-          </p:cNvPr>
-          <p:cNvCxnSpPr/>
-          <p:nvPr/>
-        </p:nvCxnSpPr>
-        <p:spPr>
-          <a:xfrm>
-            <a:off x="-96709" y="6357044"/>
-            <a:ext cx="12281834" cy="1"/>
-          </a:xfrm>
-          <a:prstGeom prst="straightConnector1">
-            <a:avLst/>
-          </a:prstGeom>
-          <a:noFill/>
-          <a:ln w="50800" cap="flat" cmpd="sng">
-            <a:solidFill>
-              <a:srgbClr val="152932"/>
-            </a:solidFill>
-            <a:prstDash val="solid"/>
-            <a:round/>
-            <a:headEnd type="none" w="sm" len="sm"/>
-            <a:tailEnd type="none" w="sm" len="sm"/>
-          </a:ln>
-          <a:effectLst>
-            <a:outerShdw blurRad="38100" dist="20000" dir="5400000" rotWithShape="0">
-              <a:srgbClr val="000000">
-                <a:alpha val="37647"/>
-              </a:srgbClr>
-            </a:outerShdw>
-          </a:effectLst>
-        </p:spPr>
-      </p:cxnSp>
-      <p:sp>
-        <p:nvSpPr>
-          <p:cNvPr id="20" name="Google Shape;552;p38">
-            <a:extLst>
-              <a:ext uri="{FF2B5EF4-FFF2-40B4-BE49-F238E27FC236}">
-                <a16:creationId xmlns:a16="http://schemas.microsoft.com/office/drawing/2014/main" id="{657A502C-541D-4445-A8D5-8A43E3C8653A}"/>
-              </a:ext>
-            </a:extLst>
-          </p:cNvPr>
-          <p:cNvSpPr/>
-          <p:nvPr/>
-        </p:nvSpPr>
-        <p:spPr>
-          <a:xfrm>
-            <a:off x="222250" y="6061719"/>
-            <a:ext cx="1047701" cy="590651"/>
-          </a:xfrm>
-          <a:prstGeom prst="rect">
-            <a:avLst/>
-          </a:prstGeom>
-          <a:solidFill>
-            <a:srgbClr val="FFFFFF"/>
-          </a:solidFill>
-          <a:ln w="50800" cap="flat" cmpd="sng">
-            <a:solidFill>
-              <a:schemeClr val="tx1"/>
-            </a:solidFill>
-            <a:prstDash val="solid"/>
-            <a:round/>
-            <a:headEnd type="none" w="sm" len="sm"/>
-            <a:tailEnd type="none" w="sm" len="sm"/>
-          </a:ln>
-          <a:effectLst>
-            <a:outerShdw blurRad="38100" dist="23000" dir="5400000" rotWithShape="0">
-              <a:srgbClr val="000000">
-                <a:alpha val="34901"/>
-              </a:srgbClr>
-            </a:outerShdw>
-          </a:effectLst>
-        </p:spPr>
-        <p:txBody>
-          <a:bodyPr spcFirstLastPara="1" wrap="square" lIns="45700" tIns="45700" rIns="45700" bIns="45700" anchor="ctr" anchorCtr="0">
-            <a:noAutofit/>
-          </a:bodyPr>
-          <a:lstStyle/>
-          <a:p>
-            <a:pPr marL="0" marR="0" lvl="0" indent="0" algn="ctr" rtl="0">
-              <a:lnSpc>
-                <a:spcPct val="100000"/>
-              </a:lnSpc>
-              <a:spcBef>
-                <a:spcPts val="0"/>
-              </a:spcBef>
-              <a:spcAft>
-                <a:spcPts val="0"/>
-              </a:spcAft>
-              <a:buClr>
-                <a:srgbClr val="000000"/>
-              </a:buClr>
-              <a:buSzPts val="1800"/>
-              <a:buFont typeface="Cabin"/>
-              <a:buNone/>
-            </a:pPr>
-            <a:r>
-              <a:rPr lang="en-CA" sz="1800" b="0" i="0" u="none" strike="noStrike" cap="none">
-                <a:latin typeface="Cabin"/>
-                <a:ea typeface="Cabin"/>
-                <a:cs typeface="Cabin"/>
-                <a:sym typeface="Cabin"/>
-              </a:rPr>
-              <a:t>Problem</a:t>
-            </a:r>
-            <a:endParaRPr/>
-          </a:p>
-        </p:txBody>
-      </p:sp>
-      <p:sp>
-        <p:nvSpPr>
-          <p:cNvPr id="21" name="Google Shape;554;p38">
-            <a:extLst>
-              <a:ext uri="{FF2B5EF4-FFF2-40B4-BE49-F238E27FC236}">
-                <a16:creationId xmlns:a16="http://schemas.microsoft.com/office/drawing/2014/main" id="{BE63D734-1F49-4663-862E-664B2BB64076}"/>
-              </a:ext>
-            </a:extLst>
-          </p:cNvPr>
-          <p:cNvSpPr/>
-          <p:nvPr/>
-        </p:nvSpPr>
-        <p:spPr>
-          <a:xfrm>
-            <a:off x="2034261" y="6061719"/>
-            <a:ext cx="2107506" cy="590651"/>
-          </a:xfrm>
-          <a:prstGeom prst="rect">
-            <a:avLst/>
-          </a:prstGeom>
-          <a:solidFill>
-            <a:srgbClr val="FFFFFF"/>
-          </a:solidFill>
-          <a:ln w="50800" cap="flat" cmpd="sng">
-            <a:solidFill>
-              <a:srgbClr val="152932"/>
-            </a:solidFill>
-            <a:prstDash val="solid"/>
-            <a:round/>
-            <a:headEnd type="none" w="sm" len="sm"/>
-            <a:tailEnd type="none" w="sm" len="sm"/>
-          </a:ln>
-          <a:effectLst>
-            <a:outerShdw blurRad="38100" dist="23000" dir="5400000" rotWithShape="0">
-              <a:srgbClr val="000000">
-                <a:alpha val="34901"/>
-              </a:srgbClr>
-            </a:outerShdw>
-          </a:effectLst>
-        </p:spPr>
-        <p:txBody>
-          <a:bodyPr spcFirstLastPara="1" wrap="square" lIns="45700" tIns="45700" rIns="45700" bIns="45700" anchor="ctr" anchorCtr="0">
-            <a:noAutofit/>
-          </a:bodyPr>
-          <a:lstStyle/>
-          <a:p>
-            <a:pPr marL="0" marR="0" lvl="0" indent="0" algn="ctr" rtl="0">
-              <a:lnSpc>
-                <a:spcPct val="100000"/>
-              </a:lnSpc>
-              <a:spcBef>
-                <a:spcPts val="0"/>
-              </a:spcBef>
-              <a:spcAft>
-                <a:spcPts val="0"/>
-              </a:spcAft>
-              <a:buClr>
-                <a:srgbClr val="000000"/>
-              </a:buClr>
-              <a:buSzPts val="1800"/>
-              <a:buFont typeface="Cabin"/>
-              <a:buNone/>
-            </a:pPr>
-            <a:r>
-              <a:rPr lang="en-CA" sz="1800" b="0" i="0" u="none" strike="noStrike" cap="none" dirty="0">
-                <a:solidFill>
-                  <a:srgbClr val="000000"/>
-                </a:solidFill>
-                <a:latin typeface="Cabin"/>
-                <a:ea typeface="Cabin"/>
-                <a:cs typeface="Cabin"/>
-                <a:sym typeface="Cabin"/>
-              </a:rPr>
-              <a:t>Solution</a:t>
-            </a:r>
-            <a:endParaRPr dirty="0"/>
-          </a:p>
-        </p:txBody>
-      </p:sp>
-      <p:sp>
-        <p:nvSpPr>
-          <p:cNvPr id="22" name="Google Shape;555;p38">
-            <a:extLst>
-              <a:ext uri="{FF2B5EF4-FFF2-40B4-BE49-F238E27FC236}">
-                <a16:creationId xmlns:a16="http://schemas.microsoft.com/office/drawing/2014/main" id="{4AC1B771-C4B0-4C78-BC90-E2032D5B9E50}"/>
-              </a:ext>
-            </a:extLst>
-          </p:cNvPr>
-          <p:cNvSpPr/>
-          <p:nvPr/>
-        </p:nvSpPr>
-        <p:spPr>
-          <a:xfrm>
-            <a:off x="4833222" y="6061719"/>
-            <a:ext cx="2107506" cy="590651"/>
-          </a:xfrm>
-          <a:prstGeom prst="rect">
-            <a:avLst/>
-          </a:prstGeom>
-          <a:solidFill>
-            <a:srgbClr val="FFFFFF"/>
-          </a:solidFill>
-          <a:ln w="50800" cap="flat" cmpd="sng">
-            <a:solidFill>
-              <a:schemeClr val="accent3"/>
-            </a:solidFill>
-            <a:prstDash val="solid"/>
-            <a:round/>
-            <a:headEnd type="none" w="sm" len="sm"/>
-            <a:tailEnd type="none" w="sm" len="sm"/>
-          </a:ln>
-          <a:effectLst>
-            <a:outerShdw blurRad="38100" dist="23000" dir="5400000" rotWithShape="0">
-              <a:srgbClr val="000000">
-                <a:alpha val="34901"/>
-              </a:srgbClr>
-            </a:outerShdw>
-          </a:effectLst>
-        </p:spPr>
-        <p:txBody>
-          <a:bodyPr spcFirstLastPara="1" wrap="square" lIns="45700" tIns="45700" rIns="45700" bIns="45700" anchor="ctr" anchorCtr="0">
-            <a:noAutofit/>
-          </a:bodyPr>
-          <a:lstStyle/>
-          <a:p>
-            <a:pPr marL="0" marR="0" lvl="0" indent="0" algn="ctr" rtl="0">
-              <a:lnSpc>
-                <a:spcPct val="100000"/>
-              </a:lnSpc>
-              <a:spcBef>
-                <a:spcPts val="0"/>
-              </a:spcBef>
-              <a:spcAft>
-                <a:spcPts val="0"/>
-              </a:spcAft>
-              <a:buClr>
-                <a:srgbClr val="000000"/>
-              </a:buClr>
-              <a:buSzPts val="1800"/>
-              <a:buFont typeface="Cabin"/>
-              <a:buNone/>
-            </a:pPr>
-            <a:r>
-              <a:rPr lang="en-CA" sz="1800" b="0" i="0" u="none" strike="noStrike" cap="none" dirty="0">
-                <a:solidFill>
-                  <a:srgbClr val="000000"/>
-                </a:solidFill>
-                <a:latin typeface="Cabin"/>
-                <a:ea typeface="Cabin"/>
-                <a:cs typeface="Cabin"/>
-                <a:sym typeface="Cabin"/>
-              </a:rPr>
-              <a:t>Proof of Concept</a:t>
-            </a:r>
-            <a:endParaRPr dirty="0"/>
-          </a:p>
-        </p:txBody>
-      </p:sp>
-      <p:sp>
-        <p:nvSpPr>
-          <p:cNvPr id="23" name="Google Shape;556;p38">
-            <a:extLst>
-              <a:ext uri="{FF2B5EF4-FFF2-40B4-BE49-F238E27FC236}">
-                <a16:creationId xmlns:a16="http://schemas.microsoft.com/office/drawing/2014/main" id="{5E078450-CEBD-40D4-A608-4FD14D89524A}"/>
-              </a:ext>
-            </a:extLst>
-          </p:cNvPr>
-          <p:cNvSpPr/>
-          <p:nvPr/>
-        </p:nvSpPr>
-        <p:spPr>
-          <a:xfrm>
-            <a:off x="7790160" y="6061719"/>
-            <a:ext cx="1574205" cy="590651"/>
-          </a:xfrm>
-          <a:prstGeom prst="rect">
-            <a:avLst/>
-          </a:prstGeom>
-          <a:solidFill>
-            <a:srgbClr val="FFFFFF"/>
-          </a:solidFill>
-          <a:ln w="50800" cap="flat" cmpd="sng">
-            <a:solidFill>
-              <a:srgbClr val="152932"/>
-            </a:solidFill>
-            <a:prstDash val="solid"/>
-            <a:round/>
-            <a:headEnd type="none" w="sm" len="sm"/>
-            <a:tailEnd type="none" w="sm" len="sm"/>
-          </a:ln>
-          <a:effectLst>
-            <a:outerShdw blurRad="38100" dist="23000" dir="5400000" rotWithShape="0">
-              <a:srgbClr val="000000">
-                <a:alpha val="34901"/>
-              </a:srgbClr>
-            </a:outerShdw>
-          </a:effectLst>
-        </p:spPr>
-        <p:txBody>
-          <a:bodyPr spcFirstLastPara="1" wrap="square" lIns="45700" tIns="45700" rIns="45700" bIns="45700" anchor="ctr" anchorCtr="0">
-            <a:noAutofit/>
-          </a:bodyPr>
-          <a:lstStyle/>
-          <a:p>
-            <a:pPr marL="0" marR="0" lvl="0" indent="0" algn="ctr" rtl="0">
-              <a:lnSpc>
-                <a:spcPct val="100000"/>
-              </a:lnSpc>
-              <a:spcBef>
-                <a:spcPts val="0"/>
-              </a:spcBef>
-              <a:spcAft>
-                <a:spcPts val="0"/>
-              </a:spcAft>
-              <a:buClr>
-                <a:srgbClr val="000000"/>
-              </a:buClr>
-              <a:buSzPts val="1800"/>
-              <a:buFont typeface="Cabin"/>
-              <a:buNone/>
-            </a:pPr>
-            <a:r>
-              <a:rPr lang="en-CA" sz="1800" b="0" i="0" u="none" strike="noStrike" cap="none">
-                <a:solidFill>
-                  <a:srgbClr val="000000"/>
-                </a:solidFill>
-                <a:latin typeface="Cabin"/>
-                <a:ea typeface="Cabin"/>
-                <a:cs typeface="Cabin"/>
-                <a:sym typeface="Cabin"/>
-              </a:rPr>
-              <a:t>Pros &amp; Cons</a:t>
-            </a:r>
-            <a:endParaRPr/>
-          </a:p>
-        </p:txBody>
-      </p:sp>
-      <p:sp>
-        <p:nvSpPr>
-          <p:cNvPr id="24" name="Google Shape;557;p38">
-            <a:extLst>
-              <a:ext uri="{FF2B5EF4-FFF2-40B4-BE49-F238E27FC236}">
-                <a16:creationId xmlns:a16="http://schemas.microsoft.com/office/drawing/2014/main" id="{7B8F59DE-59D6-4A0E-96E0-1AF50DEC2408}"/>
-              </a:ext>
-            </a:extLst>
-          </p:cNvPr>
-          <p:cNvSpPr/>
-          <p:nvPr/>
-        </p:nvSpPr>
-        <p:spPr>
-          <a:xfrm>
-            <a:off x="10213797" y="6061719"/>
-            <a:ext cx="1279873" cy="590651"/>
-          </a:xfrm>
-          <a:prstGeom prst="rect">
-            <a:avLst/>
-          </a:prstGeom>
-          <a:solidFill>
-            <a:srgbClr val="FFFFFF"/>
-          </a:solidFill>
-          <a:ln w="50800" cap="flat" cmpd="sng">
-            <a:solidFill>
-              <a:srgbClr val="152932"/>
-            </a:solidFill>
-            <a:prstDash val="solid"/>
-            <a:round/>
-            <a:headEnd type="none" w="sm" len="sm"/>
-            <a:tailEnd type="none" w="sm" len="sm"/>
-          </a:ln>
-          <a:effectLst>
-            <a:outerShdw blurRad="38100" dist="23000" dir="5400000" rotWithShape="0">
-              <a:srgbClr val="000000">
-                <a:alpha val="34901"/>
-              </a:srgbClr>
-            </a:outerShdw>
-          </a:effectLst>
-        </p:spPr>
-        <p:txBody>
-          <a:bodyPr spcFirstLastPara="1" wrap="square" lIns="45700" tIns="45700" rIns="45700" bIns="45700" anchor="ctr" anchorCtr="0">
-            <a:noAutofit/>
-          </a:bodyPr>
-          <a:lstStyle/>
-          <a:p>
-            <a:pPr marL="0" marR="0" lvl="0" indent="0" algn="ctr" rtl="0">
-              <a:lnSpc>
-                <a:spcPct val="100000"/>
-              </a:lnSpc>
-              <a:spcBef>
-                <a:spcPts val="0"/>
-              </a:spcBef>
-              <a:spcAft>
-                <a:spcPts val="0"/>
-              </a:spcAft>
-              <a:buClr>
-                <a:srgbClr val="000000"/>
-              </a:buClr>
-              <a:buSzPts val="1800"/>
-              <a:buFont typeface="Cabin"/>
-              <a:buNone/>
-            </a:pPr>
-            <a:r>
-              <a:rPr lang="en-CA" sz="1800" b="0" i="0" u="none" strike="noStrike" cap="none">
-                <a:solidFill>
-                  <a:srgbClr val="000000"/>
-                </a:solidFill>
-                <a:latin typeface="Cabin"/>
-                <a:ea typeface="Cabin"/>
-                <a:cs typeface="Cabin"/>
-                <a:sym typeface="Cabin"/>
-              </a:rPr>
-              <a:t>Conclusion</a:t>
-            </a:r>
-            <a:endParaRPr/>
+          <a:p>
+            <a:endParaRPr lang="en-CA" dirty="0"/>
+          </a:p>
+          <a:p>
+            <a:endParaRPr lang="en-CA" dirty="0"/>
+          </a:p>
+          <a:p>
+            <a:endParaRPr lang="en-CA" dirty="0"/>
           </a:p>
         </p:txBody>
       </p:sp>
     </p:spTree>
     <p:extLst>
       <p:ext uri="{BB962C8B-B14F-4D97-AF65-F5344CB8AC3E}">
-        <p14:creationId xmlns:p14="http://schemas.microsoft.com/office/powerpoint/2010/main" val="2734814615"/>
+        <p14:creationId xmlns:p14="http://schemas.microsoft.com/office/powerpoint/2010/main" val="1969596865"/>
       </p:ext>
     </p:extLst>
   </p:cSld>
@@ -7941,8 +6679,12 @@
           <a:lstStyle/>
           <a:p>
             <a:r>
-              <a:rPr lang="en-CA" dirty="0"/>
-              <a:t>Pros &amp; Cons</a:t>
+              <a:rPr lang="en-CA" dirty="0">
+                <a:solidFill>
+                  <a:srgbClr val="6EAB9E"/>
+                </a:solidFill>
+              </a:rPr>
+              <a:t>Proof of Concept</a:t>
             </a:r>
           </a:p>
         </p:txBody>
@@ -7970,497 +6712,34 @@
           <a:p>
             <a:r>
               <a:rPr lang="en-CA" dirty="0"/>
-              <a:t>Pros:</a:t>
-            </a:r>
-          </a:p>
-          <a:p>
-            <a:pPr lvl="1"/>
+              <a:t>Identify multiple ingredients</a:t>
+            </a:r>
+          </a:p>
+          <a:p>
+            <a:r>
+              <a:rPr lang="en-CA"/>
+              <a:t>Connecting</a:t>
+            </a:r>
+            <a:endParaRPr lang="en-CA" dirty="0"/>
+          </a:p>
+          <a:p>
             <a:r>
               <a:rPr lang="en-CA" dirty="0"/>
-              <a:t>Narrows down search to viable recipes</a:t>
-            </a:r>
-          </a:p>
-          <a:p>
-            <a:pPr lvl="1"/>
-            <a:r>
-              <a:rPr lang="en-CA" dirty="0"/>
-              <a:t>Increases efficiency</a:t>
-            </a:r>
-          </a:p>
-          <a:p>
-            <a:pPr lvl="1"/>
-            <a:r>
-              <a:rPr lang="en-CA" dirty="0"/>
-              <a:t>Helps user decide what food to make</a:t>
-            </a:r>
-          </a:p>
-          <a:p>
-            <a:r>
-              <a:rPr lang="en-CA" dirty="0"/>
-              <a:t>Cons:</a:t>
-            </a:r>
-          </a:p>
-          <a:p>
-            <a:pPr lvl="1"/>
-            <a:r>
-              <a:rPr lang="en-CA" dirty="0"/>
-              <a:t>Still have to sort through recipes</a:t>
-            </a:r>
-          </a:p>
-          <a:p>
-            <a:pPr lvl="1"/>
-            <a:r>
-              <a:rPr lang="en-CA" dirty="0"/>
-              <a:t>May not come up with viable results for certain ingredient combinations</a:t>
-            </a:r>
-          </a:p>
-          <a:p>
-            <a:pPr lvl="1"/>
-            <a:r>
-              <a:rPr lang="en-CA" dirty="0"/>
-              <a:t>Camera may cause difficulties if it does not detect object correctly</a:t>
+              <a:t>Generate recipes</a:t>
             </a:r>
           </a:p>
           <a:p>
             <a:endParaRPr lang="en-CA" dirty="0"/>
           </a:p>
-        </p:txBody>
-      </p:sp>
-      <p:cxnSp>
-        <p:nvCxnSpPr>
-          <p:cNvPr id="19" name="Google Shape;551;p38">
-            <a:extLst>
-              <a:ext uri="{FF2B5EF4-FFF2-40B4-BE49-F238E27FC236}">
-                <a16:creationId xmlns:a16="http://schemas.microsoft.com/office/drawing/2014/main" id="{6D27A063-7400-42EA-A419-A2A56D4AF069}"/>
-              </a:ext>
-            </a:extLst>
-          </p:cNvPr>
-          <p:cNvCxnSpPr/>
-          <p:nvPr/>
-        </p:nvCxnSpPr>
-        <p:spPr>
-          <a:xfrm>
-            <a:off x="-96709" y="6357044"/>
-            <a:ext cx="12281834" cy="1"/>
-          </a:xfrm>
-          <a:prstGeom prst="straightConnector1">
-            <a:avLst/>
-          </a:prstGeom>
-          <a:noFill/>
-          <a:ln w="50800" cap="flat" cmpd="sng">
-            <a:solidFill>
-              <a:srgbClr val="152932"/>
-            </a:solidFill>
-            <a:prstDash val="solid"/>
-            <a:round/>
-            <a:headEnd type="none" w="sm" len="sm"/>
-            <a:tailEnd type="none" w="sm" len="sm"/>
-          </a:ln>
-          <a:effectLst>
-            <a:outerShdw blurRad="38100" dist="20000" dir="5400000" rotWithShape="0">
-              <a:srgbClr val="000000">
-                <a:alpha val="37647"/>
-              </a:srgbClr>
-            </a:outerShdw>
-          </a:effectLst>
-        </p:spPr>
-      </p:cxnSp>
-      <p:sp>
-        <p:nvSpPr>
-          <p:cNvPr id="20" name="Google Shape;552;p38">
-            <a:extLst>
-              <a:ext uri="{FF2B5EF4-FFF2-40B4-BE49-F238E27FC236}">
-                <a16:creationId xmlns:a16="http://schemas.microsoft.com/office/drawing/2014/main" id="{657A502C-541D-4445-A8D5-8A43E3C8653A}"/>
-              </a:ext>
-            </a:extLst>
-          </p:cNvPr>
-          <p:cNvSpPr/>
-          <p:nvPr/>
-        </p:nvSpPr>
-        <p:spPr>
-          <a:xfrm>
-            <a:off x="222250" y="6061719"/>
-            <a:ext cx="1047701" cy="590651"/>
-          </a:xfrm>
-          <a:prstGeom prst="rect">
-            <a:avLst/>
-          </a:prstGeom>
-          <a:solidFill>
-            <a:srgbClr val="FFFFFF"/>
-          </a:solidFill>
-          <a:ln w="50800" cap="flat" cmpd="sng">
-            <a:solidFill>
-              <a:schemeClr val="tx1"/>
-            </a:solidFill>
-            <a:prstDash val="solid"/>
-            <a:round/>
-            <a:headEnd type="none" w="sm" len="sm"/>
-            <a:tailEnd type="none" w="sm" len="sm"/>
-          </a:ln>
-          <a:effectLst>
-            <a:outerShdw blurRad="38100" dist="23000" dir="5400000" rotWithShape="0">
-              <a:srgbClr val="000000">
-                <a:alpha val="34901"/>
-              </a:srgbClr>
-            </a:outerShdw>
-          </a:effectLst>
-        </p:spPr>
-        <p:txBody>
-          <a:bodyPr spcFirstLastPara="1" wrap="square" lIns="45700" tIns="45700" rIns="45700" bIns="45700" anchor="ctr" anchorCtr="0">
-            <a:noAutofit/>
-          </a:bodyPr>
-          <a:lstStyle/>
-          <a:p>
-            <a:pPr marL="0" marR="0" lvl="0" indent="0" algn="ctr" rtl="0">
-              <a:lnSpc>
-                <a:spcPct val="100000"/>
-              </a:lnSpc>
-              <a:spcBef>
-                <a:spcPts val="0"/>
-              </a:spcBef>
-              <a:spcAft>
-                <a:spcPts val="0"/>
-              </a:spcAft>
-              <a:buClr>
-                <a:srgbClr val="000000"/>
-              </a:buClr>
-              <a:buSzPts val="1800"/>
-              <a:buFont typeface="Cabin"/>
-              <a:buNone/>
-            </a:pPr>
-            <a:r>
-              <a:rPr lang="en-CA" sz="1800" b="0" i="0" u="none" strike="noStrike" cap="none">
-                <a:latin typeface="Cabin"/>
-                <a:ea typeface="Cabin"/>
-                <a:cs typeface="Cabin"/>
-                <a:sym typeface="Cabin"/>
-              </a:rPr>
-              <a:t>Problem</a:t>
-            </a:r>
-            <a:endParaRPr/>
-          </a:p>
-        </p:txBody>
-      </p:sp>
-      <p:sp>
-        <p:nvSpPr>
-          <p:cNvPr id="21" name="Google Shape;554;p38">
-            <a:extLst>
-              <a:ext uri="{FF2B5EF4-FFF2-40B4-BE49-F238E27FC236}">
-                <a16:creationId xmlns:a16="http://schemas.microsoft.com/office/drawing/2014/main" id="{BE63D734-1F49-4663-862E-664B2BB64076}"/>
-              </a:ext>
-            </a:extLst>
-          </p:cNvPr>
-          <p:cNvSpPr/>
-          <p:nvPr/>
-        </p:nvSpPr>
-        <p:spPr>
-          <a:xfrm>
-            <a:off x="2034261" y="6061719"/>
-            <a:ext cx="2107506" cy="590651"/>
-          </a:xfrm>
-          <a:prstGeom prst="rect">
-            <a:avLst/>
-          </a:prstGeom>
-          <a:solidFill>
-            <a:srgbClr val="FFFFFF"/>
-          </a:solidFill>
-          <a:ln w="50800" cap="flat" cmpd="sng">
-            <a:solidFill>
-              <a:srgbClr val="152932"/>
-            </a:solidFill>
-            <a:prstDash val="solid"/>
-            <a:round/>
-            <a:headEnd type="none" w="sm" len="sm"/>
-            <a:tailEnd type="none" w="sm" len="sm"/>
-          </a:ln>
-          <a:effectLst>
-            <a:outerShdw blurRad="38100" dist="23000" dir="5400000" rotWithShape="0">
-              <a:srgbClr val="000000">
-                <a:alpha val="34901"/>
-              </a:srgbClr>
-            </a:outerShdw>
-          </a:effectLst>
-        </p:spPr>
-        <p:txBody>
-          <a:bodyPr spcFirstLastPara="1" wrap="square" lIns="45700" tIns="45700" rIns="45700" bIns="45700" anchor="ctr" anchorCtr="0">
-            <a:noAutofit/>
-          </a:bodyPr>
-          <a:lstStyle/>
-          <a:p>
-            <a:pPr marL="0" marR="0" lvl="0" indent="0" algn="ctr" rtl="0">
-              <a:lnSpc>
-                <a:spcPct val="100000"/>
-              </a:lnSpc>
-              <a:spcBef>
-                <a:spcPts val="0"/>
-              </a:spcBef>
-              <a:spcAft>
-                <a:spcPts val="0"/>
-              </a:spcAft>
-              <a:buClr>
-                <a:srgbClr val="000000"/>
-              </a:buClr>
-              <a:buSzPts val="1800"/>
-              <a:buFont typeface="Cabin"/>
-              <a:buNone/>
-            </a:pPr>
-            <a:r>
-              <a:rPr lang="en-CA" sz="1800" b="0" i="0" u="none" strike="noStrike" cap="none" dirty="0">
-                <a:solidFill>
-                  <a:srgbClr val="000000"/>
-                </a:solidFill>
-                <a:latin typeface="Cabin"/>
-                <a:ea typeface="Cabin"/>
-                <a:cs typeface="Cabin"/>
-                <a:sym typeface="Cabin"/>
-              </a:rPr>
-              <a:t>Solution</a:t>
-            </a:r>
-            <a:endParaRPr dirty="0"/>
-          </a:p>
-        </p:txBody>
-      </p:sp>
-      <p:sp>
-        <p:nvSpPr>
-          <p:cNvPr id="22" name="Google Shape;555;p38">
-            <a:extLst>
-              <a:ext uri="{FF2B5EF4-FFF2-40B4-BE49-F238E27FC236}">
-                <a16:creationId xmlns:a16="http://schemas.microsoft.com/office/drawing/2014/main" id="{4AC1B771-C4B0-4C78-BC90-E2032D5B9E50}"/>
-              </a:ext>
-            </a:extLst>
-          </p:cNvPr>
-          <p:cNvSpPr/>
-          <p:nvPr/>
-        </p:nvSpPr>
-        <p:spPr>
-          <a:xfrm>
-            <a:off x="4833222" y="6061719"/>
-            <a:ext cx="2107506" cy="590651"/>
-          </a:xfrm>
-          <a:prstGeom prst="rect">
-            <a:avLst/>
-          </a:prstGeom>
-          <a:solidFill>
-            <a:srgbClr val="FFFFFF"/>
-          </a:solidFill>
-          <a:ln w="50800" cap="flat" cmpd="sng">
-            <a:solidFill>
-              <a:srgbClr val="152932"/>
-            </a:solidFill>
-            <a:prstDash val="solid"/>
-            <a:round/>
-            <a:headEnd type="none" w="sm" len="sm"/>
-            <a:tailEnd type="none" w="sm" len="sm"/>
-          </a:ln>
-          <a:effectLst>
-            <a:outerShdw blurRad="38100" dist="23000" dir="5400000" rotWithShape="0">
-              <a:srgbClr val="000000">
-                <a:alpha val="34901"/>
-              </a:srgbClr>
-            </a:outerShdw>
-          </a:effectLst>
-        </p:spPr>
-        <p:txBody>
-          <a:bodyPr spcFirstLastPara="1" wrap="square" lIns="45700" tIns="45700" rIns="45700" bIns="45700" anchor="ctr" anchorCtr="0">
-            <a:noAutofit/>
-          </a:bodyPr>
-          <a:lstStyle/>
-          <a:p>
-            <a:pPr marL="0" marR="0" lvl="0" indent="0" algn="ctr" rtl="0">
-              <a:lnSpc>
-                <a:spcPct val="100000"/>
-              </a:lnSpc>
-              <a:spcBef>
-                <a:spcPts val="0"/>
-              </a:spcBef>
-              <a:spcAft>
-                <a:spcPts val="0"/>
-              </a:spcAft>
-              <a:buClr>
-                <a:srgbClr val="000000"/>
-              </a:buClr>
-              <a:buSzPts val="1800"/>
-              <a:buFont typeface="Cabin"/>
-              <a:buNone/>
-            </a:pPr>
-            <a:r>
-              <a:rPr lang="en-CA" sz="1800" b="0" i="0" u="none" strike="noStrike" cap="none" dirty="0">
-                <a:solidFill>
-                  <a:srgbClr val="000000"/>
-                </a:solidFill>
-                <a:latin typeface="Cabin"/>
-                <a:ea typeface="Cabin"/>
-                <a:cs typeface="Cabin"/>
-                <a:sym typeface="Cabin"/>
-              </a:rPr>
-              <a:t>Proof of Concept</a:t>
-            </a:r>
-            <a:endParaRPr dirty="0"/>
-          </a:p>
-        </p:txBody>
-      </p:sp>
-      <p:sp>
-        <p:nvSpPr>
-          <p:cNvPr id="23" name="Google Shape;556;p38">
-            <a:extLst>
-              <a:ext uri="{FF2B5EF4-FFF2-40B4-BE49-F238E27FC236}">
-                <a16:creationId xmlns:a16="http://schemas.microsoft.com/office/drawing/2014/main" id="{5E078450-CEBD-40D4-A608-4FD14D89524A}"/>
-              </a:ext>
-            </a:extLst>
-          </p:cNvPr>
-          <p:cNvSpPr/>
-          <p:nvPr/>
-        </p:nvSpPr>
-        <p:spPr>
-          <a:xfrm>
-            <a:off x="7790160" y="6061719"/>
-            <a:ext cx="1574205" cy="590651"/>
-          </a:xfrm>
-          <a:prstGeom prst="rect">
-            <a:avLst/>
-          </a:prstGeom>
-          <a:solidFill>
-            <a:srgbClr val="FFFFFF"/>
-          </a:solidFill>
-          <a:ln w="50800" cap="flat" cmpd="sng">
-            <a:solidFill>
-              <a:schemeClr val="accent3"/>
-            </a:solidFill>
-            <a:prstDash val="solid"/>
-            <a:round/>
-            <a:headEnd type="none" w="sm" len="sm"/>
-            <a:tailEnd type="none" w="sm" len="sm"/>
-          </a:ln>
-          <a:effectLst>
-            <a:outerShdw blurRad="38100" dist="23000" dir="5400000" rotWithShape="0">
-              <a:srgbClr val="000000">
-                <a:alpha val="34901"/>
-              </a:srgbClr>
-            </a:outerShdw>
-          </a:effectLst>
-        </p:spPr>
-        <p:txBody>
-          <a:bodyPr spcFirstLastPara="1" wrap="square" lIns="45700" tIns="45700" rIns="45700" bIns="45700" anchor="ctr" anchorCtr="0">
-            <a:noAutofit/>
-          </a:bodyPr>
-          <a:lstStyle/>
-          <a:p>
-            <a:pPr marL="0" marR="0" lvl="0" indent="0" algn="ctr" rtl="0">
-              <a:lnSpc>
-                <a:spcPct val="100000"/>
-              </a:lnSpc>
-              <a:spcBef>
-                <a:spcPts val="0"/>
-              </a:spcBef>
-              <a:spcAft>
-                <a:spcPts val="0"/>
-              </a:spcAft>
-              <a:buClr>
-                <a:srgbClr val="000000"/>
-              </a:buClr>
-              <a:buSzPts val="1800"/>
-              <a:buFont typeface="Cabin"/>
-              <a:buNone/>
-            </a:pPr>
-            <a:r>
-              <a:rPr lang="en-CA" sz="1800" b="0" i="0" u="none" strike="noStrike" cap="none">
-                <a:solidFill>
-                  <a:srgbClr val="000000"/>
-                </a:solidFill>
-                <a:latin typeface="Cabin"/>
-                <a:ea typeface="Cabin"/>
-                <a:cs typeface="Cabin"/>
-                <a:sym typeface="Cabin"/>
-              </a:rPr>
-              <a:t>Pros &amp; Cons</a:t>
-            </a:r>
-            <a:endParaRPr/>
-          </a:p>
-        </p:txBody>
-      </p:sp>
-      <p:sp>
-        <p:nvSpPr>
-          <p:cNvPr id="24" name="Google Shape;557;p38">
-            <a:extLst>
-              <a:ext uri="{FF2B5EF4-FFF2-40B4-BE49-F238E27FC236}">
-                <a16:creationId xmlns:a16="http://schemas.microsoft.com/office/drawing/2014/main" id="{7B8F59DE-59D6-4A0E-96E0-1AF50DEC2408}"/>
-              </a:ext>
-            </a:extLst>
-          </p:cNvPr>
-          <p:cNvSpPr/>
-          <p:nvPr/>
-        </p:nvSpPr>
-        <p:spPr>
-          <a:xfrm>
-            <a:off x="10213797" y="6061719"/>
-            <a:ext cx="1279873" cy="590651"/>
-          </a:xfrm>
-          <a:prstGeom prst="rect">
-            <a:avLst/>
-          </a:prstGeom>
-          <a:solidFill>
-            <a:srgbClr val="FFFFFF"/>
-          </a:solidFill>
-          <a:ln w="50800" cap="flat" cmpd="sng">
-            <a:solidFill>
-              <a:srgbClr val="152932"/>
-            </a:solidFill>
-            <a:prstDash val="solid"/>
-            <a:round/>
-            <a:headEnd type="none" w="sm" len="sm"/>
-            <a:tailEnd type="none" w="sm" len="sm"/>
-          </a:ln>
-          <a:effectLst>
-            <a:outerShdw blurRad="38100" dist="23000" dir="5400000" rotWithShape="0">
-              <a:srgbClr val="000000">
-                <a:alpha val="34901"/>
-              </a:srgbClr>
-            </a:outerShdw>
-          </a:effectLst>
-        </p:spPr>
-        <p:txBody>
-          <a:bodyPr spcFirstLastPara="1" wrap="square" lIns="45700" tIns="45700" rIns="45700" bIns="45700" anchor="ctr" anchorCtr="0">
-            <a:noAutofit/>
-          </a:bodyPr>
-          <a:lstStyle/>
-          <a:p>
-            <a:pPr marL="0" marR="0" lvl="0" indent="0" algn="ctr" rtl="0">
-              <a:lnSpc>
-                <a:spcPct val="100000"/>
-              </a:lnSpc>
-              <a:spcBef>
-                <a:spcPts val="0"/>
-              </a:spcBef>
-              <a:spcAft>
-                <a:spcPts val="0"/>
-              </a:spcAft>
-              <a:buClr>
-                <a:srgbClr val="000000"/>
-              </a:buClr>
-              <a:buSzPts val="1800"/>
-              <a:buFont typeface="Cabin"/>
-              <a:buNone/>
-            </a:pPr>
-            <a:r>
-              <a:rPr lang="en-CA" sz="1800" b="0" i="0" u="none" strike="noStrike" cap="none">
-                <a:solidFill>
-                  <a:srgbClr val="000000"/>
-                </a:solidFill>
-                <a:latin typeface="Cabin"/>
-                <a:ea typeface="Cabin"/>
-                <a:cs typeface="Cabin"/>
-                <a:sym typeface="Cabin"/>
-              </a:rPr>
-              <a:t>Conclusion</a:t>
-            </a:r>
-            <a:endParaRPr/>
+          <a:p>
+            <a:endParaRPr lang="en-CA" dirty="0"/>
           </a:p>
         </p:txBody>
       </p:sp>
     </p:spTree>
     <p:extLst>
       <p:ext uri="{BB962C8B-B14F-4D97-AF65-F5344CB8AC3E}">
-        <p14:creationId xmlns:p14="http://schemas.microsoft.com/office/powerpoint/2010/main" val="990732002"/>
+        <p14:creationId xmlns:p14="http://schemas.microsoft.com/office/powerpoint/2010/main" val="2734814615"/>
       </p:ext>
     </p:extLst>
   </p:cSld>
@@ -8509,8 +6788,12 @@
           <a:lstStyle/>
           <a:p>
             <a:r>
-              <a:rPr lang="en-CA" dirty="0"/>
-              <a:t>Conclusion</a:t>
+              <a:rPr lang="en-CA" dirty="0">
+                <a:solidFill>
+                  <a:srgbClr val="6EAB9E"/>
+                </a:solidFill>
+              </a:rPr>
+              <a:t>Improvements</a:t>
             </a:r>
           </a:p>
         </p:txBody>
@@ -8536,438 +6819,169 @@
           <a:bodyPr/>
           <a:lstStyle/>
           <a:p>
+            <a:r>
+              <a:rPr lang="en-US" dirty="0"/>
+              <a:t>Machine learning not perfect</a:t>
+            </a:r>
+          </a:p>
+          <a:p>
+            <a:r>
+              <a:rPr lang="en-CA" dirty="0"/>
+              <a:t>Ratings for each recipe</a:t>
+            </a:r>
+          </a:p>
+          <a:p>
+            <a:r>
+              <a:rPr lang="en-CA" dirty="0"/>
+              <a:t>Pictures </a:t>
+            </a:r>
+          </a:p>
+          <a:p>
+            <a:r>
+              <a:rPr lang="en-CA" dirty="0"/>
+              <a:t>Connecting separate components</a:t>
+            </a:r>
+          </a:p>
+          <a:p>
+            <a:r>
+              <a:rPr lang="en-CA" dirty="0"/>
+              <a:t>Recognize packaged goods</a:t>
+            </a:r>
+          </a:p>
+          <a:p>
+            <a:pPr marL="0" indent="0">
+              <a:buNone/>
+            </a:pPr>
             <a:endParaRPr lang="en-CA" dirty="0"/>
           </a:p>
-        </p:txBody>
-      </p:sp>
-      <p:cxnSp>
-        <p:nvCxnSpPr>
-          <p:cNvPr id="19" name="Google Shape;551;p38">
+          <a:p>
+            <a:endParaRPr lang="en-CA" dirty="0"/>
+          </a:p>
+          <a:p>
+            <a:pPr marL="0" indent="0">
+              <a:buNone/>
+            </a:pPr>
+            <a:endParaRPr lang="en-CA" dirty="0"/>
+          </a:p>
+        </p:txBody>
+      </p:sp>
+    </p:spTree>
+    <p:extLst>
+      <p:ext uri="{BB962C8B-B14F-4D97-AF65-F5344CB8AC3E}">
+        <p14:creationId xmlns:p14="http://schemas.microsoft.com/office/powerpoint/2010/main" val="990732002"/>
+      </p:ext>
+    </p:extLst>
+  </p:cSld>
+  <p:clrMapOvr>
+    <a:masterClrMapping/>
+  </p:clrMapOvr>
+</p:sld>
+</file>
+
+<file path=ppt/slides/slide7.xml><?xml version="1.0" encoding="utf-8"?>
+<p:sld xmlns:a="http://schemas.openxmlformats.org/drawingml/2006/main" xmlns:r="http://schemas.openxmlformats.org/officeDocument/2006/relationships" xmlns:p="http://schemas.openxmlformats.org/presentationml/2006/main">
+  <p:cSld>
+    <p:spTree>
+      <p:nvGrpSpPr>
+        <p:cNvPr id="1" name=""/>
+        <p:cNvGrpSpPr/>
+        <p:nvPr/>
+      </p:nvGrpSpPr>
+      <p:grpSpPr>
+        <a:xfrm>
+          <a:off x="0" y="0"/>
+          <a:ext cx="0" cy="0"/>
+          <a:chOff x="0" y="0"/>
+          <a:chExt cx="0" cy="0"/>
+        </a:xfrm>
+      </p:grpSpPr>
+      <p:sp>
+        <p:nvSpPr>
+          <p:cNvPr id="2" name="Title 1">
             <a:extLst>
               <a:ext uri="{FF2B5EF4-FFF2-40B4-BE49-F238E27FC236}">
-                <a16:creationId xmlns:a16="http://schemas.microsoft.com/office/drawing/2014/main" id="{6D27A063-7400-42EA-A419-A2A56D4AF069}"/>
+                <a16:creationId xmlns:a16="http://schemas.microsoft.com/office/drawing/2014/main" id="{3D8A8229-B919-4DE1-8B42-662F447087D8}"/>
               </a:ext>
             </a:extLst>
           </p:cNvPr>
-          <p:cNvCxnSpPr/>
-          <p:nvPr/>
-        </p:nvCxnSpPr>
-        <p:spPr>
-          <a:xfrm>
-            <a:off x="-96709" y="6357044"/>
-            <a:ext cx="12281834" cy="1"/>
-          </a:xfrm>
-          <a:prstGeom prst="straightConnector1">
-            <a:avLst/>
-          </a:prstGeom>
-          <a:noFill/>
-          <a:ln w="50800" cap="flat" cmpd="sng">
-            <a:solidFill>
-              <a:srgbClr val="152932"/>
-            </a:solidFill>
-            <a:prstDash val="solid"/>
-            <a:round/>
-            <a:headEnd type="none" w="sm" len="sm"/>
-            <a:tailEnd type="none" w="sm" len="sm"/>
-          </a:ln>
-          <a:effectLst>
-            <a:outerShdw blurRad="38100" dist="20000" dir="5400000" rotWithShape="0">
-              <a:srgbClr val="000000">
-                <a:alpha val="37647"/>
-              </a:srgbClr>
-            </a:outerShdw>
-          </a:effectLst>
-        </p:spPr>
-      </p:cxnSp>
-      <p:sp>
-        <p:nvSpPr>
-          <p:cNvPr id="20" name="Google Shape;552;p38">
+          <p:cNvSpPr>
+            <a:spLocks noGrp="1"/>
+          </p:cNvSpPr>
+          <p:nvPr>
+            <p:ph type="title"/>
+          </p:nvPr>
+        </p:nvSpPr>
+        <p:spPr/>
+        <p:txBody>
+          <a:bodyPr/>
+          <a:lstStyle/>
+          <a:p>
+            <a:r>
+              <a:rPr lang="en-CA" dirty="0">
+                <a:solidFill>
+                  <a:srgbClr val="6EAB9E"/>
+                </a:solidFill>
+              </a:rPr>
+              <a:t>Future potential</a:t>
+            </a:r>
+          </a:p>
+        </p:txBody>
+      </p:sp>
+      <p:sp>
+        <p:nvSpPr>
+          <p:cNvPr id="3" name="Content Placeholder 2">
             <a:extLst>
               <a:ext uri="{FF2B5EF4-FFF2-40B4-BE49-F238E27FC236}">
-                <a16:creationId xmlns:a16="http://schemas.microsoft.com/office/drawing/2014/main" id="{657A502C-541D-4445-A8D5-8A43E3C8653A}"/>
+                <a16:creationId xmlns:a16="http://schemas.microsoft.com/office/drawing/2014/main" id="{FC39B452-A830-4CA3-8B16-56BDDA0778C7}"/>
               </a:ext>
             </a:extLst>
           </p:cNvPr>
-          <p:cNvSpPr/>
-          <p:nvPr/>
-        </p:nvSpPr>
-        <p:spPr>
-          <a:xfrm>
-            <a:off x="222250" y="6061719"/>
-            <a:ext cx="1047701" cy="590651"/>
-          </a:xfrm>
-          <a:prstGeom prst="rect">
-            <a:avLst/>
-          </a:prstGeom>
-          <a:solidFill>
-            <a:srgbClr val="FFFFFF"/>
-          </a:solidFill>
-          <a:ln w="50800" cap="flat" cmpd="sng">
-            <a:solidFill>
-              <a:schemeClr val="tx1"/>
-            </a:solidFill>
-            <a:prstDash val="solid"/>
-            <a:round/>
-            <a:headEnd type="none" w="sm" len="sm"/>
-            <a:tailEnd type="none" w="sm" len="sm"/>
-          </a:ln>
-          <a:effectLst>
-            <a:outerShdw blurRad="38100" dist="23000" dir="5400000" rotWithShape="0">
-              <a:srgbClr val="000000">
-                <a:alpha val="34901"/>
-              </a:srgbClr>
-            </a:outerShdw>
-          </a:effectLst>
-        </p:spPr>
-        <p:txBody>
-          <a:bodyPr spcFirstLastPara="1" wrap="square" lIns="45700" tIns="45700" rIns="45700" bIns="45700" anchor="ctr" anchorCtr="0">
-            <a:noAutofit/>
-          </a:bodyPr>
-          <a:lstStyle/>
-          <a:p>
-            <a:pPr marL="0" marR="0" lvl="0" indent="0" algn="ctr" rtl="0">
-              <a:lnSpc>
-                <a:spcPct val="100000"/>
-              </a:lnSpc>
-              <a:spcBef>
-                <a:spcPts val="0"/>
-              </a:spcBef>
-              <a:spcAft>
-                <a:spcPts val="0"/>
-              </a:spcAft>
-              <a:buClr>
-                <a:srgbClr val="000000"/>
-              </a:buClr>
-              <a:buSzPts val="1800"/>
-              <a:buFont typeface="Cabin"/>
-              <a:buNone/>
-            </a:pPr>
-            <a:r>
-              <a:rPr lang="en-CA" sz="1800" b="0" i="0" u="none" strike="noStrike" cap="none">
-                <a:latin typeface="Cabin"/>
-                <a:ea typeface="Cabin"/>
-                <a:cs typeface="Cabin"/>
-                <a:sym typeface="Cabin"/>
-              </a:rPr>
-              <a:t>Problem</a:t>
-            </a:r>
-            <a:endParaRPr/>
-          </a:p>
-        </p:txBody>
-      </p:sp>
-      <p:sp>
-        <p:nvSpPr>
-          <p:cNvPr id="21" name="Google Shape;554;p38">
-            <a:extLst>
-              <a:ext uri="{FF2B5EF4-FFF2-40B4-BE49-F238E27FC236}">
-                <a16:creationId xmlns:a16="http://schemas.microsoft.com/office/drawing/2014/main" id="{BE63D734-1F49-4663-862E-664B2BB64076}"/>
-              </a:ext>
-            </a:extLst>
-          </p:cNvPr>
-          <p:cNvSpPr/>
-          <p:nvPr/>
-        </p:nvSpPr>
-        <p:spPr>
-          <a:xfrm>
-            <a:off x="2034261" y="6061719"/>
-            <a:ext cx="2107506" cy="590651"/>
-          </a:xfrm>
-          <a:prstGeom prst="rect">
-            <a:avLst/>
-          </a:prstGeom>
-          <a:solidFill>
-            <a:srgbClr val="FFFFFF"/>
-          </a:solidFill>
-          <a:ln w="50800" cap="flat" cmpd="sng">
-            <a:solidFill>
-              <a:srgbClr val="152932"/>
-            </a:solidFill>
-            <a:prstDash val="solid"/>
-            <a:round/>
-            <a:headEnd type="none" w="sm" len="sm"/>
-            <a:tailEnd type="none" w="sm" len="sm"/>
-          </a:ln>
-          <a:effectLst>
-            <a:outerShdw blurRad="38100" dist="23000" dir="5400000" rotWithShape="0">
-              <a:srgbClr val="000000">
-                <a:alpha val="34901"/>
-              </a:srgbClr>
-            </a:outerShdw>
-          </a:effectLst>
-        </p:spPr>
-        <p:txBody>
-          <a:bodyPr spcFirstLastPara="1" wrap="square" lIns="45700" tIns="45700" rIns="45700" bIns="45700" anchor="ctr" anchorCtr="0">
-            <a:noAutofit/>
-          </a:bodyPr>
-          <a:lstStyle/>
-          <a:p>
-            <a:pPr marL="0" marR="0" lvl="0" indent="0" algn="ctr" rtl="0">
-              <a:lnSpc>
-                <a:spcPct val="100000"/>
-              </a:lnSpc>
-              <a:spcBef>
-                <a:spcPts val="0"/>
-              </a:spcBef>
-              <a:spcAft>
-                <a:spcPts val="0"/>
-              </a:spcAft>
-              <a:buClr>
-                <a:srgbClr val="000000"/>
-              </a:buClr>
-              <a:buSzPts val="1800"/>
-              <a:buFont typeface="Cabin"/>
-              <a:buNone/>
-            </a:pPr>
-            <a:r>
-              <a:rPr lang="en-CA" sz="1800" b="0" i="0" u="none" strike="noStrike" cap="none" dirty="0">
-                <a:solidFill>
-                  <a:srgbClr val="000000"/>
-                </a:solidFill>
-                <a:latin typeface="Cabin"/>
-                <a:ea typeface="Cabin"/>
-                <a:cs typeface="Cabin"/>
-                <a:sym typeface="Cabin"/>
-              </a:rPr>
-              <a:t>Solution</a:t>
-            </a:r>
-            <a:endParaRPr dirty="0"/>
-          </a:p>
-        </p:txBody>
-      </p:sp>
-      <p:sp>
-        <p:nvSpPr>
-          <p:cNvPr id="22" name="Google Shape;555;p38">
-            <a:extLst>
-              <a:ext uri="{FF2B5EF4-FFF2-40B4-BE49-F238E27FC236}">
-                <a16:creationId xmlns:a16="http://schemas.microsoft.com/office/drawing/2014/main" id="{4AC1B771-C4B0-4C78-BC90-E2032D5B9E50}"/>
-              </a:ext>
-            </a:extLst>
-          </p:cNvPr>
-          <p:cNvSpPr/>
-          <p:nvPr/>
-        </p:nvSpPr>
-        <p:spPr>
-          <a:xfrm>
-            <a:off x="4833222" y="6061719"/>
-            <a:ext cx="2107506" cy="590651"/>
-          </a:xfrm>
-          <a:prstGeom prst="rect">
-            <a:avLst/>
-          </a:prstGeom>
-          <a:solidFill>
-            <a:srgbClr val="FFFFFF"/>
-          </a:solidFill>
-          <a:ln w="50800" cap="flat" cmpd="sng">
-            <a:solidFill>
-              <a:srgbClr val="152932"/>
-            </a:solidFill>
-            <a:prstDash val="solid"/>
-            <a:round/>
-            <a:headEnd type="none" w="sm" len="sm"/>
-            <a:tailEnd type="none" w="sm" len="sm"/>
-          </a:ln>
-          <a:effectLst>
-            <a:outerShdw blurRad="38100" dist="23000" dir="5400000" rotWithShape="0">
-              <a:srgbClr val="000000">
-                <a:alpha val="34901"/>
-              </a:srgbClr>
-            </a:outerShdw>
-          </a:effectLst>
-        </p:spPr>
-        <p:txBody>
-          <a:bodyPr spcFirstLastPara="1" wrap="square" lIns="45700" tIns="45700" rIns="45700" bIns="45700" anchor="ctr" anchorCtr="0">
-            <a:noAutofit/>
-          </a:bodyPr>
-          <a:lstStyle/>
-          <a:p>
-            <a:pPr marL="0" marR="0" lvl="0" indent="0" algn="ctr" rtl="0">
-              <a:lnSpc>
-                <a:spcPct val="100000"/>
-              </a:lnSpc>
-              <a:spcBef>
-                <a:spcPts val="0"/>
-              </a:spcBef>
-              <a:spcAft>
-                <a:spcPts val="0"/>
-              </a:spcAft>
-              <a:buClr>
-                <a:srgbClr val="000000"/>
-              </a:buClr>
-              <a:buSzPts val="1800"/>
-              <a:buFont typeface="Cabin"/>
-              <a:buNone/>
-            </a:pPr>
-            <a:r>
-              <a:rPr lang="en-CA" sz="1800" b="0" i="0" u="none" strike="noStrike" cap="none" dirty="0">
-                <a:solidFill>
-                  <a:srgbClr val="000000"/>
-                </a:solidFill>
-                <a:latin typeface="Cabin"/>
-                <a:ea typeface="Cabin"/>
-                <a:cs typeface="Cabin"/>
-                <a:sym typeface="Cabin"/>
-              </a:rPr>
-              <a:t>Proof of Concept</a:t>
-            </a:r>
-            <a:endParaRPr dirty="0"/>
-          </a:p>
-        </p:txBody>
-      </p:sp>
-      <p:sp>
-        <p:nvSpPr>
-          <p:cNvPr id="23" name="Google Shape;556;p38">
-            <a:extLst>
-              <a:ext uri="{FF2B5EF4-FFF2-40B4-BE49-F238E27FC236}">
-                <a16:creationId xmlns:a16="http://schemas.microsoft.com/office/drawing/2014/main" id="{5E078450-CEBD-40D4-A608-4FD14D89524A}"/>
-              </a:ext>
-            </a:extLst>
-          </p:cNvPr>
-          <p:cNvSpPr/>
-          <p:nvPr/>
-        </p:nvSpPr>
-        <p:spPr>
-          <a:xfrm>
-            <a:off x="7790160" y="6061719"/>
-            <a:ext cx="1574205" cy="590651"/>
-          </a:xfrm>
-          <a:prstGeom prst="rect">
-            <a:avLst/>
-          </a:prstGeom>
-          <a:solidFill>
-            <a:srgbClr val="FFFFFF"/>
-          </a:solidFill>
-          <a:ln w="50800" cap="flat" cmpd="sng">
-            <a:solidFill>
-              <a:srgbClr val="152932"/>
-            </a:solidFill>
-            <a:prstDash val="solid"/>
-            <a:round/>
-            <a:headEnd type="none" w="sm" len="sm"/>
-            <a:tailEnd type="none" w="sm" len="sm"/>
-          </a:ln>
-          <a:effectLst>
-            <a:outerShdw blurRad="38100" dist="23000" dir="5400000" rotWithShape="0">
-              <a:srgbClr val="000000">
-                <a:alpha val="34901"/>
-              </a:srgbClr>
-            </a:outerShdw>
-          </a:effectLst>
-        </p:spPr>
-        <p:txBody>
-          <a:bodyPr spcFirstLastPara="1" wrap="square" lIns="45700" tIns="45700" rIns="45700" bIns="45700" anchor="ctr" anchorCtr="0">
-            <a:noAutofit/>
-          </a:bodyPr>
-          <a:lstStyle/>
-          <a:p>
-            <a:pPr marL="0" marR="0" lvl="0" indent="0" algn="ctr" rtl="0">
-              <a:lnSpc>
-                <a:spcPct val="100000"/>
-              </a:lnSpc>
-              <a:spcBef>
-                <a:spcPts val="0"/>
-              </a:spcBef>
-              <a:spcAft>
-                <a:spcPts val="0"/>
-              </a:spcAft>
-              <a:buClr>
-                <a:srgbClr val="000000"/>
-              </a:buClr>
-              <a:buSzPts val="1800"/>
-              <a:buFont typeface="Cabin"/>
-              <a:buNone/>
-            </a:pPr>
-            <a:r>
-              <a:rPr lang="en-CA" sz="1800" b="0" i="0" u="none" strike="noStrike" cap="none">
-                <a:solidFill>
-                  <a:srgbClr val="000000"/>
-                </a:solidFill>
-                <a:latin typeface="Cabin"/>
-                <a:ea typeface="Cabin"/>
-                <a:cs typeface="Cabin"/>
-                <a:sym typeface="Cabin"/>
-              </a:rPr>
-              <a:t>Pros &amp; Cons</a:t>
-            </a:r>
-            <a:endParaRPr/>
-          </a:p>
-        </p:txBody>
-      </p:sp>
-      <p:sp>
-        <p:nvSpPr>
-          <p:cNvPr id="24" name="Google Shape;557;p38">
-            <a:extLst>
-              <a:ext uri="{FF2B5EF4-FFF2-40B4-BE49-F238E27FC236}">
-                <a16:creationId xmlns:a16="http://schemas.microsoft.com/office/drawing/2014/main" id="{7B8F59DE-59D6-4A0E-96E0-1AF50DEC2408}"/>
-              </a:ext>
-            </a:extLst>
-          </p:cNvPr>
-          <p:cNvSpPr/>
-          <p:nvPr/>
-        </p:nvSpPr>
-        <p:spPr>
-          <a:xfrm>
-            <a:off x="10213797" y="6061719"/>
-            <a:ext cx="1279873" cy="590651"/>
-          </a:xfrm>
-          <a:prstGeom prst="rect">
-            <a:avLst/>
-          </a:prstGeom>
-          <a:solidFill>
-            <a:srgbClr val="FFFFFF"/>
-          </a:solidFill>
-          <a:ln w="50800" cap="flat" cmpd="sng">
-            <a:solidFill>
-              <a:schemeClr val="accent3"/>
-            </a:solidFill>
-            <a:prstDash val="solid"/>
-            <a:round/>
-            <a:headEnd type="none" w="sm" len="sm"/>
-            <a:tailEnd type="none" w="sm" len="sm"/>
-          </a:ln>
-          <a:effectLst>
-            <a:outerShdw blurRad="38100" dist="23000" dir="5400000" rotWithShape="0">
-              <a:srgbClr val="000000">
-                <a:alpha val="34901"/>
-              </a:srgbClr>
-            </a:outerShdw>
-          </a:effectLst>
-        </p:spPr>
-        <p:txBody>
-          <a:bodyPr spcFirstLastPara="1" wrap="square" lIns="45700" tIns="45700" rIns="45700" bIns="45700" anchor="ctr" anchorCtr="0">
-            <a:noAutofit/>
-          </a:bodyPr>
-          <a:lstStyle/>
-          <a:p>
-            <a:pPr marL="0" marR="0" lvl="0" indent="0" algn="ctr" rtl="0">
-              <a:lnSpc>
-                <a:spcPct val="100000"/>
-              </a:lnSpc>
-              <a:spcBef>
-                <a:spcPts val="0"/>
-              </a:spcBef>
-              <a:spcAft>
-                <a:spcPts val="0"/>
-              </a:spcAft>
-              <a:buClr>
-                <a:srgbClr val="000000"/>
-              </a:buClr>
-              <a:buSzPts val="1800"/>
-              <a:buFont typeface="Cabin"/>
-              <a:buNone/>
-            </a:pPr>
-            <a:r>
-              <a:rPr lang="en-CA" sz="1800" b="0" i="0" u="none" strike="noStrike" cap="none" dirty="0">
-                <a:solidFill>
-                  <a:srgbClr val="000000"/>
-                </a:solidFill>
-                <a:latin typeface="Cabin"/>
-                <a:ea typeface="Cabin"/>
-                <a:cs typeface="Cabin"/>
-                <a:sym typeface="Cabin"/>
-              </a:rPr>
-              <a:t>Conclusion</a:t>
-            </a:r>
-            <a:endParaRPr dirty="0"/>
+          <p:cNvSpPr>
+            <a:spLocks noGrp="1"/>
+          </p:cNvSpPr>
+          <p:nvPr>
+            <p:ph idx="1"/>
+          </p:nvPr>
+        </p:nvSpPr>
+        <p:spPr/>
+        <p:txBody>
+          <a:bodyPr/>
+          <a:lstStyle/>
+          <a:p>
+            <a:r>
+              <a:rPr lang="en-CA" dirty="0"/>
+              <a:t>Create a version for android and iOS</a:t>
+            </a:r>
+          </a:p>
+          <a:p>
+            <a:r>
+              <a:rPr lang="en-CA" dirty="0"/>
+              <a:t>Sorting recipes – allergies, dietary restrictions, etc.</a:t>
+            </a:r>
+          </a:p>
+          <a:p>
+            <a:r>
+              <a:rPr lang="en-CA" dirty="0"/>
+              <a:t>Notice trends and create recommendations</a:t>
+            </a:r>
+          </a:p>
+          <a:p>
+            <a:r>
+              <a:rPr lang="en-CA" dirty="0"/>
+              <a:t>Recipe upload </a:t>
+            </a:r>
+          </a:p>
+          <a:p>
+            <a:endParaRPr lang="en-CA" dirty="0"/>
+          </a:p>
+          <a:p>
+            <a:endParaRPr lang="en-CA" dirty="0"/>
+          </a:p>
+          <a:p>
+            <a:endParaRPr lang="en-CA" dirty="0"/>
+          </a:p>
+          <a:p>
+            <a:endParaRPr lang="en-CA" dirty="0"/>
           </a:p>
         </p:txBody>
       </p:sp>
@@ -8987,7 +7001,7 @@
 <file path=ppt/theme/theme1.xml><?xml version="1.0" encoding="utf-8"?>
 <a:theme xmlns:a="http://schemas.openxmlformats.org/drawingml/2006/main" name="Facet">
   <a:themeElements>
-    <a:clrScheme name="Facet">
+    <a:clrScheme name="Custom 4">
       <a:dk1>
         <a:sysClr val="windowText" lastClr="000000"/>
       </a:dk1>
@@ -9001,28 +7015,28 @@
         <a:srgbClr val="EBEBEB"/>
       </a:lt2>
       <a:accent1>
-        <a:srgbClr val="5FCBEF"/>
+        <a:srgbClr val="FFD569"/>
       </a:accent1>
       <a:accent2>
-        <a:srgbClr val="2E83C3"/>
+        <a:srgbClr val="42B8AC"/>
       </a:accent2>
       <a:accent3>
-        <a:srgbClr val="42D0A2"/>
+        <a:srgbClr val="42B821"/>
       </a:accent3>
       <a:accent4>
-        <a:srgbClr val="2E946B"/>
+        <a:srgbClr val="D1D2D4"/>
       </a:accent4>
       <a:accent5>
-        <a:srgbClr val="42B051"/>
+        <a:srgbClr val="F7F9BA"/>
       </a:accent5>
       <a:accent6>
-        <a:srgbClr val="96D141"/>
+        <a:srgbClr val="918655"/>
       </a:accent6>
       <a:hlink>
-        <a:srgbClr val="3FCDE7"/>
+        <a:srgbClr val="99CA3C"/>
       </a:hlink>
       <a:folHlink>
-        <a:srgbClr val="A9D3E1"/>
+        <a:srgbClr val="B9D181"/>
       </a:folHlink>
     </a:clrScheme>
     <a:fontScheme name="Facet">
@@ -9235,7 +7249,7 @@
   <a:extraClrSchemeLst/>
   <a:extLst>
     <a:ext uri="{05A4C25C-085E-4340-85A3-A5531E510DB2}">
-      <thm15:themeFamily xmlns:thm15="http://schemas.microsoft.com/office/thememl/2012/main" name="Facet" id="{C0C680CD-088A-49FC-A102-D699147F32B2}" vid="{0B5AB586-D108-4FC1-8368-649FE654B894}"/>
+      <thm15:themeFamily xmlns:thm15="http://schemas.microsoft.com/office/thememl/2012/main" name="Facet" id="{C0C680CD-088A-49FC-A102-D699147F32B2}" vid="{CFBC31BA-B70F-4F30-BCAA-4F3011E16C4D}"/>
     </a:ext>
   </a:extLst>
 </a:theme>

--- a/RecipEZ.pptx
+++ b/RecipEZ.pptx
@@ -8,10 +8,9 @@
     <p:sldId id="256" r:id="rId2"/>
     <p:sldId id="258" r:id="rId3"/>
     <p:sldId id="262" r:id="rId4"/>
-    <p:sldId id="265" r:id="rId5"/>
-    <p:sldId id="257" r:id="rId6"/>
-    <p:sldId id="263" r:id="rId7"/>
-    <p:sldId id="264" r:id="rId8"/>
+    <p:sldId id="257" r:id="rId5"/>
+    <p:sldId id="263" r:id="rId6"/>
+    <p:sldId id="264" r:id="rId7"/>
   </p:sldIdLst>
   <p:sldSz cx="12192000" cy="6858000"/>
   <p:notesSz cx="6858000" cy="9144000"/>
@@ -130,8 +129,8 @@
 <pc:chgInfo xmlns:a="http://schemas.openxmlformats.org/drawingml/2006/main" xmlns:r="http://schemas.openxmlformats.org/officeDocument/2006/relationships" xmlns:ac="http://schemas.microsoft.com/office/drawing/2013/main/command" xmlns:pc="http://schemas.microsoft.com/office/powerpoint/2013/main/command">
   <pc:docChgLst>
     <pc:chgData name="Allen Zhang" userId="e69742890e981d3d" providerId="LiveId" clId="{49156E4C-78A7-4849-94C7-300722350ACF}"/>
-    <pc:docChg chg="undo custSel modSld">
-      <pc:chgData name="Allen Zhang" userId="e69742890e981d3d" providerId="LiveId" clId="{49156E4C-78A7-4849-94C7-300722350ACF}" dt="2020-03-08T15:18:12.489" v="256" actId="20577"/>
+    <pc:docChg chg="undo custSel delSld modSld">
+      <pc:chgData name="Allen Zhang" userId="e69742890e981d3d" providerId="LiveId" clId="{49156E4C-78A7-4849-94C7-300722350ACF}" dt="2020-03-08T15:48:18.438" v="292" actId="20577"/>
       <pc:docMkLst>
         <pc:docMk/>
       </pc:docMkLst>
@@ -317,13 +316,13 @@
         </pc:cxnChg>
       </pc:sldChg>
       <pc:sldChg chg="delSp modSp mod">
-        <pc:chgData name="Allen Zhang" userId="e69742890e981d3d" providerId="LiveId" clId="{49156E4C-78A7-4849-94C7-300722350ACF}" dt="2020-03-08T15:11:04.949" v="181" actId="5793"/>
+        <pc:chgData name="Allen Zhang" userId="e69742890e981d3d" providerId="LiveId" clId="{49156E4C-78A7-4849-94C7-300722350ACF}" dt="2020-03-08T15:47:48.949" v="260" actId="5793"/>
         <pc:sldMkLst>
           <pc:docMk/>
           <pc:sldMk cId="990732002" sldId="263"/>
         </pc:sldMkLst>
         <pc:spChg chg="mod">
-          <ac:chgData name="Allen Zhang" userId="e69742890e981d3d" providerId="LiveId" clId="{49156E4C-78A7-4849-94C7-300722350ACF}" dt="2020-03-08T15:11:04.949" v="181" actId="5793"/>
+          <ac:chgData name="Allen Zhang" userId="e69742890e981d3d" providerId="LiveId" clId="{49156E4C-78A7-4849-94C7-300722350ACF}" dt="2020-03-08T15:47:48.949" v="260" actId="5793"/>
           <ac:spMkLst>
             <pc:docMk/>
             <pc:sldMk cId="990732002" sldId="263"/>
@@ -380,13 +379,13 @@
         </pc:cxnChg>
       </pc:sldChg>
       <pc:sldChg chg="delSp modSp mod">
-        <pc:chgData name="Allen Zhang" userId="e69742890e981d3d" providerId="LiveId" clId="{49156E4C-78A7-4849-94C7-300722350ACF}" dt="2020-03-08T15:13:17.235" v="250" actId="20577"/>
+        <pc:chgData name="Allen Zhang" userId="e69742890e981d3d" providerId="LiveId" clId="{49156E4C-78A7-4849-94C7-300722350ACF}" dt="2020-03-08T15:48:18.438" v="292" actId="20577"/>
         <pc:sldMkLst>
           <pc:docMk/>
           <pc:sldMk cId="626926564" sldId="264"/>
         </pc:sldMkLst>
         <pc:spChg chg="mod">
-          <ac:chgData name="Allen Zhang" userId="e69742890e981d3d" providerId="LiveId" clId="{49156E4C-78A7-4849-94C7-300722350ACF}" dt="2020-03-08T15:13:17.235" v="250" actId="20577"/>
+          <ac:chgData name="Allen Zhang" userId="e69742890e981d3d" providerId="LiveId" clId="{49156E4C-78A7-4849-94C7-300722350ACF}" dt="2020-03-08T15:48:18.438" v="292" actId="20577"/>
           <ac:spMkLst>
             <pc:docMk/>
             <pc:sldMk cId="626926564" sldId="264"/>
@@ -442,8 +441,8 @@
           </ac:cxnSpMkLst>
         </pc:cxnChg>
       </pc:sldChg>
-      <pc:sldChg chg="modSp mod">
-        <pc:chgData name="Allen Zhang" userId="e69742890e981d3d" providerId="LiveId" clId="{49156E4C-78A7-4849-94C7-300722350ACF}" dt="2020-03-08T10:51:45.567" v="5" actId="313"/>
+      <pc:sldChg chg="modSp del mod">
+        <pc:chgData name="Allen Zhang" userId="e69742890e981d3d" providerId="LiveId" clId="{49156E4C-78A7-4849-94C7-300722350ACF}" dt="2020-03-08T15:45:45.668" v="257" actId="47"/>
         <pc:sldMkLst>
           <pc:docMk/>
           <pc:sldMk cId="1969596865" sldId="265"/>
@@ -6543,7 +6542,7 @@
           <p:cNvPr id="2" name="Title 1">
             <a:extLst>
               <a:ext uri="{FF2B5EF4-FFF2-40B4-BE49-F238E27FC236}">
-                <a16:creationId xmlns:a16="http://schemas.microsoft.com/office/drawing/2014/main" id="{488FC89E-2809-4E59-88DD-B40FFCC4A3EC}"/>
+                <a16:creationId xmlns:a16="http://schemas.microsoft.com/office/drawing/2014/main" id="{3D8A8229-B919-4DE1-8B42-662F447087D8}"/>
               </a:ext>
             </a:extLst>
           </p:cNvPr>
@@ -6554,12 +6553,7 @@
             <p:ph type="title"/>
           </p:nvPr>
         </p:nvSpPr>
-        <p:spPr>
-          <a:xfrm>
-            <a:off x="677334" y="636233"/>
-            <a:ext cx="8596668" cy="1320800"/>
-          </a:xfrm>
-        </p:spPr>
+        <p:spPr/>
         <p:txBody>
           <a:bodyPr/>
           <a:lstStyle/>
@@ -6570,7 +6564,7 @@
                   <a:srgbClr val="6EAB9E"/>
                 </a:solidFill>
               </a:rPr>
-              <a:t>Target</a:t>
+              <a:t>Proof of Concept</a:t>
             </a:r>
           </a:p>
         </p:txBody>
@@ -6580,7 +6574,7 @@
           <p:cNvPr id="3" name="Content Placeholder 2">
             <a:extLst>
               <a:ext uri="{FF2B5EF4-FFF2-40B4-BE49-F238E27FC236}">
-                <a16:creationId xmlns:a16="http://schemas.microsoft.com/office/drawing/2014/main" id="{04EEDD99-C480-4346-AC48-543D54422116}"/>
+                <a16:creationId xmlns:a16="http://schemas.microsoft.com/office/drawing/2014/main" id="{FC39B452-A830-4CA3-8B16-56BDDA0778C7}"/>
               </a:ext>
             </a:extLst>
           </p:cNvPr>
@@ -6598,26 +6592,21 @@
           <a:p>
             <a:r>
               <a:rPr lang="en-CA" dirty="0"/>
-              <a:t>Beginner cooks</a:t>
-            </a:r>
+              <a:t>Identify multiple ingredients</a:t>
+            </a:r>
+          </a:p>
+          <a:p>
+            <a:r>
+              <a:rPr lang="en-CA"/>
+              <a:t>Connecting</a:t>
+            </a:r>
+            <a:endParaRPr lang="en-CA" dirty="0"/>
           </a:p>
           <a:p>
             <a:r>
               <a:rPr lang="en-CA" dirty="0"/>
-              <a:t>Intermediate cooks</a:t>
-            </a:r>
-          </a:p>
-          <a:p>
-            <a:r>
-              <a:rPr lang="en-CA" dirty="0"/>
-              <a:t>Busy and indecisive people</a:t>
-            </a:r>
-          </a:p>
-          <a:p>
-            <a:endParaRPr lang="en-CA" dirty="0"/>
-          </a:p>
-          <a:p>
-            <a:endParaRPr lang="en-CA" dirty="0"/>
+              <a:t>Generate recipes</a:t>
+            </a:r>
           </a:p>
           <a:p>
             <a:endParaRPr lang="en-CA" dirty="0"/>
@@ -6630,7 +6619,7 @@
     </p:spTree>
     <p:extLst>
       <p:ext uri="{BB962C8B-B14F-4D97-AF65-F5344CB8AC3E}">
-        <p14:creationId xmlns:p14="http://schemas.microsoft.com/office/powerpoint/2010/main" val="1969596865"/>
+        <p14:creationId xmlns:p14="http://schemas.microsoft.com/office/powerpoint/2010/main" val="2734814615"/>
       </p:ext>
     </p:extLst>
   </p:cSld>
@@ -6684,7 +6673,7 @@
                   <a:srgbClr val="6EAB9E"/>
                 </a:solidFill>
               </a:rPr>
-              <a:t>Proof of Concept</a:t>
+              <a:t>Improvements</a:t>
             </a:r>
           </a:p>
         </p:txBody>
@@ -6711,27 +6700,41 @@
           <a:lstStyle/>
           <a:p>
             <a:r>
+              <a:rPr lang="en-US" dirty="0"/>
+              <a:t>Machine learning not perfect</a:t>
+            </a:r>
+          </a:p>
+          <a:p>
+            <a:r>
               <a:rPr lang="en-CA" dirty="0"/>
-              <a:t>Identify multiple ingredients</a:t>
-            </a:r>
-          </a:p>
-          <a:p>
-            <a:r>
-              <a:rPr lang="en-CA"/>
-              <a:t>Connecting</a:t>
-            </a:r>
+              <a:t>Pictures </a:t>
+            </a:r>
+          </a:p>
+          <a:p>
+            <a:r>
+              <a:rPr lang="en-CA" dirty="0"/>
+              <a:t>Connecting separate components</a:t>
+            </a:r>
+          </a:p>
+          <a:p>
+            <a:r>
+              <a:rPr lang="en-CA" dirty="0"/>
+              <a:t>Recognize packaged goods</a:t>
+            </a:r>
+          </a:p>
+          <a:p>
+            <a:pPr marL="0" indent="0">
+              <a:buNone/>
+            </a:pPr>
             <a:endParaRPr lang="en-CA" dirty="0"/>
           </a:p>
           <a:p>
-            <a:r>
-              <a:rPr lang="en-CA" dirty="0"/>
-              <a:t>Generate recipes</a:t>
-            </a:r>
-          </a:p>
-          <a:p>
             <a:endParaRPr lang="en-CA" dirty="0"/>
           </a:p>
           <a:p>
+            <a:pPr marL="0" indent="0">
+              <a:buNone/>
+            </a:pPr>
             <a:endParaRPr lang="en-CA" dirty="0"/>
           </a:p>
         </p:txBody>
@@ -6739,7 +6742,7 @@
     </p:spTree>
     <p:extLst>
       <p:ext uri="{BB962C8B-B14F-4D97-AF65-F5344CB8AC3E}">
-        <p14:creationId xmlns:p14="http://schemas.microsoft.com/office/powerpoint/2010/main" val="2734814615"/>
+        <p14:creationId xmlns:p14="http://schemas.microsoft.com/office/powerpoint/2010/main" val="990732002"/>
       </p:ext>
     </p:extLst>
   </p:cSld>
@@ -6793,7 +6796,7 @@
                   <a:srgbClr val="6EAB9E"/>
                 </a:solidFill>
               </a:rPr>
-              <a:t>Improvements</a:t>
+              <a:t>Future potential</a:t>
             </a:r>
           </a:p>
         </p:txBody>
@@ -6820,135 +6823,6 @@
           <a:lstStyle/>
           <a:p>
             <a:r>
-              <a:rPr lang="en-US" dirty="0"/>
-              <a:t>Machine learning not perfect</a:t>
-            </a:r>
-          </a:p>
-          <a:p>
-            <a:r>
-              <a:rPr lang="en-CA" dirty="0"/>
-              <a:t>Ratings for each recipe</a:t>
-            </a:r>
-          </a:p>
-          <a:p>
-            <a:r>
-              <a:rPr lang="en-CA" dirty="0"/>
-              <a:t>Pictures </a:t>
-            </a:r>
-          </a:p>
-          <a:p>
-            <a:r>
-              <a:rPr lang="en-CA" dirty="0"/>
-              <a:t>Connecting separate components</a:t>
-            </a:r>
-          </a:p>
-          <a:p>
-            <a:r>
-              <a:rPr lang="en-CA" dirty="0"/>
-              <a:t>Recognize packaged goods</a:t>
-            </a:r>
-          </a:p>
-          <a:p>
-            <a:pPr marL="0" indent="0">
-              <a:buNone/>
-            </a:pPr>
-            <a:endParaRPr lang="en-CA" dirty="0"/>
-          </a:p>
-          <a:p>
-            <a:endParaRPr lang="en-CA" dirty="0"/>
-          </a:p>
-          <a:p>
-            <a:pPr marL="0" indent="0">
-              <a:buNone/>
-            </a:pPr>
-            <a:endParaRPr lang="en-CA" dirty="0"/>
-          </a:p>
-        </p:txBody>
-      </p:sp>
-    </p:spTree>
-    <p:extLst>
-      <p:ext uri="{BB962C8B-B14F-4D97-AF65-F5344CB8AC3E}">
-        <p14:creationId xmlns:p14="http://schemas.microsoft.com/office/powerpoint/2010/main" val="990732002"/>
-      </p:ext>
-    </p:extLst>
-  </p:cSld>
-  <p:clrMapOvr>
-    <a:masterClrMapping/>
-  </p:clrMapOvr>
-</p:sld>
-</file>
-
-<file path=ppt/slides/slide7.xml><?xml version="1.0" encoding="utf-8"?>
-<p:sld xmlns:a="http://schemas.openxmlformats.org/drawingml/2006/main" xmlns:r="http://schemas.openxmlformats.org/officeDocument/2006/relationships" xmlns:p="http://schemas.openxmlformats.org/presentationml/2006/main">
-  <p:cSld>
-    <p:spTree>
-      <p:nvGrpSpPr>
-        <p:cNvPr id="1" name=""/>
-        <p:cNvGrpSpPr/>
-        <p:nvPr/>
-      </p:nvGrpSpPr>
-      <p:grpSpPr>
-        <a:xfrm>
-          <a:off x="0" y="0"/>
-          <a:ext cx="0" cy="0"/>
-          <a:chOff x="0" y="0"/>
-          <a:chExt cx="0" cy="0"/>
-        </a:xfrm>
-      </p:grpSpPr>
-      <p:sp>
-        <p:nvSpPr>
-          <p:cNvPr id="2" name="Title 1">
-            <a:extLst>
-              <a:ext uri="{FF2B5EF4-FFF2-40B4-BE49-F238E27FC236}">
-                <a16:creationId xmlns:a16="http://schemas.microsoft.com/office/drawing/2014/main" id="{3D8A8229-B919-4DE1-8B42-662F447087D8}"/>
-              </a:ext>
-            </a:extLst>
-          </p:cNvPr>
-          <p:cNvSpPr>
-            <a:spLocks noGrp="1"/>
-          </p:cNvSpPr>
-          <p:nvPr>
-            <p:ph type="title"/>
-          </p:nvPr>
-        </p:nvSpPr>
-        <p:spPr/>
-        <p:txBody>
-          <a:bodyPr/>
-          <a:lstStyle/>
-          <a:p>
-            <a:r>
-              <a:rPr lang="en-CA" dirty="0">
-                <a:solidFill>
-                  <a:srgbClr val="6EAB9E"/>
-                </a:solidFill>
-              </a:rPr>
-              <a:t>Future potential</a:t>
-            </a:r>
-          </a:p>
-        </p:txBody>
-      </p:sp>
-      <p:sp>
-        <p:nvSpPr>
-          <p:cNvPr id="3" name="Content Placeholder 2">
-            <a:extLst>
-              <a:ext uri="{FF2B5EF4-FFF2-40B4-BE49-F238E27FC236}">
-                <a16:creationId xmlns:a16="http://schemas.microsoft.com/office/drawing/2014/main" id="{FC39B452-A830-4CA3-8B16-56BDDA0778C7}"/>
-              </a:ext>
-            </a:extLst>
-          </p:cNvPr>
-          <p:cNvSpPr>
-            <a:spLocks noGrp="1"/>
-          </p:cNvSpPr>
-          <p:nvPr>
-            <p:ph idx="1"/>
-          </p:nvPr>
-        </p:nvSpPr>
-        <p:spPr/>
-        <p:txBody>
-          <a:bodyPr/>
-          <a:lstStyle/>
-          <a:p>
-            <a:r>
               <a:rPr lang="en-CA" dirty="0"/>
               <a:t>Create a version for android and iOS</a:t>
             </a:r>
@@ -6968,8 +6842,13 @@
           <a:p>
             <a:r>
               <a:rPr lang="en-CA" dirty="0"/>
-              <a:t>Recipe upload </a:t>
-            </a:r>
+              <a:t>Users able to upload </a:t>
+            </a:r>
+            <a:r>
+              <a:rPr lang="en-CA"/>
+              <a:t>own recipes</a:t>
+            </a:r>
+            <a:endParaRPr lang="en-CA" dirty="0"/>
           </a:p>
           <a:p>
             <a:endParaRPr lang="en-CA" dirty="0"/>
